--- a/헬핑프로그램구조.pptx
+++ b/헬핑프로그램구조.pptx
@@ -106,6 +106,22 @@
       </a:defRPr>
     </a:lvl9pPr>
   </p:defaultTextStyle>
+  <p:extLst>
+    <p:ext uri="{EFAFB233-063F-42B5-8137-9DF3F51BA10A}">
+      <p15:sldGuideLst xmlns:p15="http://schemas.microsoft.com/office/powerpoint/2012/main">
+        <p15:guide id="1" orient="horz" pos="2160">
+          <p15:clr>
+            <a:srgbClr val="A4A3A4"/>
+          </p15:clr>
+        </p15:guide>
+        <p15:guide id="2" pos="2880">
+          <p15:clr>
+            <a:srgbClr val="A4A3A4"/>
+          </p15:clr>
+        </p15:guide>
+      </p15:sldGuideLst>
+    </p:ext>
+  </p:extLst>
 </p:presentation>
 </file>
 
@@ -328,7 +344,7 @@
           <a:p>
             <a:fld id="{0D680827-631F-407F-8BE5-8CFC10F3550E}" type="datetimeFigureOut">
               <a:rPr lang="ko-KR" altLang="en-US" smtClean="0"/>
-              <a:t>2021-04-05</a:t>
+              <a:t>2021-04-12</a:t>
             </a:fld>
             <a:endParaRPr lang="ko-KR" altLang="en-US"/>
           </a:p>
@@ -515,7 +531,7 @@
           <a:p>
             <a:fld id="{0D680827-631F-407F-8BE5-8CFC10F3550E}" type="datetimeFigureOut">
               <a:rPr lang="ko-KR" altLang="en-US" smtClean="0"/>
-              <a:t>2021-04-05</a:t>
+              <a:t>2021-04-12</a:t>
             </a:fld>
             <a:endParaRPr lang="ko-KR" altLang="en-US"/>
           </a:p>
@@ -690,7 +706,7 @@
           <a:p>
             <a:fld id="{0D680827-631F-407F-8BE5-8CFC10F3550E}" type="datetimeFigureOut">
               <a:rPr lang="ko-KR" altLang="en-US" smtClean="0"/>
-              <a:t>2021-04-05</a:t>
+              <a:t>2021-04-12</a:t>
             </a:fld>
             <a:endParaRPr lang="ko-KR" altLang="en-US"/>
           </a:p>
@@ -870,7 +886,7 @@
           <a:p>
             <a:fld id="{0D680827-631F-407F-8BE5-8CFC10F3550E}" type="datetimeFigureOut">
               <a:rPr lang="ko-KR" altLang="en-US" smtClean="0"/>
-              <a:t>2021-04-05</a:t>
+              <a:t>2021-04-12</a:t>
             </a:fld>
             <a:endParaRPr lang="ko-KR" altLang="en-US"/>
           </a:p>
@@ -1117,7 +1133,7 @@
           <a:p>
             <a:fld id="{0D680827-631F-407F-8BE5-8CFC10F3550E}" type="datetimeFigureOut">
               <a:rPr lang="ko-KR" altLang="en-US" smtClean="0"/>
-              <a:t>2021-04-05</a:t>
+              <a:t>2021-04-12</a:t>
             </a:fld>
             <a:endParaRPr lang="ko-KR" altLang="en-US"/>
           </a:p>
@@ -1591,7 +1607,7 @@
           <a:p>
             <a:fld id="{0D680827-631F-407F-8BE5-8CFC10F3550E}" type="datetimeFigureOut">
               <a:rPr lang="ko-KR" altLang="en-US" smtClean="0"/>
-              <a:t>2021-04-05</a:t>
+              <a:t>2021-04-12</a:t>
             </a:fld>
             <a:endParaRPr lang="ko-KR" altLang="en-US"/>
           </a:p>
@@ -2006,7 +2022,7 @@
           <a:p>
             <a:fld id="{0D680827-631F-407F-8BE5-8CFC10F3550E}" type="datetimeFigureOut">
               <a:rPr lang="ko-KR" altLang="en-US" smtClean="0"/>
-              <a:t>2021-04-05</a:t>
+              <a:t>2021-04-12</a:t>
             </a:fld>
             <a:endParaRPr lang="ko-KR" altLang="en-US"/>
           </a:p>
@@ -2137,7 +2153,7 @@
           <a:p>
             <a:fld id="{0D680827-631F-407F-8BE5-8CFC10F3550E}" type="datetimeFigureOut">
               <a:rPr lang="ko-KR" altLang="en-US" smtClean="0"/>
-              <a:t>2021-04-05</a:t>
+              <a:t>2021-04-12</a:t>
             </a:fld>
             <a:endParaRPr lang="ko-KR" altLang="en-US"/>
           </a:p>
@@ -2232,7 +2248,7 @@
           <a:p>
             <a:fld id="{0D680827-631F-407F-8BE5-8CFC10F3550E}" type="datetimeFigureOut">
               <a:rPr lang="ko-KR" altLang="en-US" smtClean="0"/>
-              <a:t>2021-04-05</a:t>
+              <a:t>2021-04-12</a:t>
             </a:fld>
             <a:endParaRPr lang="ko-KR" altLang="en-US"/>
           </a:p>
@@ -2510,7 +2526,7 @@
           <a:p>
             <a:fld id="{0D680827-631F-407F-8BE5-8CFC10F3550E}" type="datetimeFigureOut">
               <a:rPr lang="ko-KR" altLang="en-US" smtClean="0"/>
-              <a:t>2021-04-05</a:t>
+              <a:t>2021-04-12</a:t>
             </a:fld>
             <a:endParaRPr lang="ko-KR" altLang="en-US"/>
           </a:p>
@@ -2762,7 +2778,7 @@
           <a:p>
             <a:fld id="{0D680827-631F-407F-8BE5-8CFC10F3550E}" type="datetimeFigureOut">
               <a:rPr lang="ko-KR" altLang="en-US" smtClean="0"/>
-              <a:t>2021-04-05</a:t>
+              <a:t>2021-04-12</a:t>
             </a:fld>
             <a:endParaRPr lang="ko-KR" altLang="en-US"/>
           </a:p>
@@ -3134,7 +3150,7 @@
           <a:p>
             <a:fld id="{0D680827-631F-407F-8BE5-8CFC10F3550E}" type="datetimeFigureOut">
               <a:rPr lang="ko-KR" altLang="en-US" smtClean="0"/>
-              <a:t>2021-04-05</a:t>
+              <a:t>2021-04-12</a:t>
             </a:fld>
             <a:endParaRPr lang="ko-KR" altLang="en-US"/>
           </a:p>
@@ -3591,7 +3607,7 @@
         </p:nvSpPr>
         <p:spPr>
           <a:xfrm>
-            <a:off x="1726590" y="2428868"/>
+            <a:off x="1726590" y="2462479"/>
             <a:ext cx="1438031" cy="500066"/>
           </a:xfrm>
           <a:prstGeom prst="rect">
@@ -3637,9 +3653,9 @@
           <p:nvPr/>
         </p:nvCxnSpPr>
         <p:spPr>
-          <a:xfrm rot="5400000">
-            <a:off x="2257056" y="2240318"/>
-            <a:ext cx="377100" cy="1588"/>
+          <a:xfrm>
+            <a:off x="2445606" y="2051768"/>
+            <a:ext cx="0" cy="410711"/>
           </a:xfrm>
           <a:prstGeom prst="straightConnector1">
             <a:avLst/>
@@ -3760,16 +3776,12 @@
           <a:p>
             <a:pPr algn="ctr"/>
             <a:r>
-              <a:rPr lang="ko-KR" altLang="en-US" sz="1200" i="1" dirty="0" smtClean="0"/>
-              <a:t>회원가입</a:t>
-            </a:r>
-            <a:r>
-              <a:rPr lang="en-US" altLang="ko-KR" sz="1200" i="1" dirty="0" smtClean="0"/>
-              <a:t>.</a:t>
-            </a:r>
-            <a:r>
-              <a:rPr lang="en-US" altLang="ko-KR" sz="1200" i="1" dirty="0" err="1" smtClean="0"/>
-              <a:t>php</a:t>
+              <a:rPr lang="en-US" altLang="ko-KR" sz="1200" i="1" smtClean="0"/>
+              <a:t>Signup</a:t>
+            </a:r>
+            <a:r>
+              <a:rPr lang="en-US" altLang="ko-KR" sz="1200" i="1" smtClean="0"/>
+              <a:t>.php</a:t>
             </a:r>
             <a:endParaRPr lang="ko-KR" altLang="en-US" sz="1200" i="1" dirty="0"/>
           </a:p>
@@ -4025,9 +4037,9 @@
           <p:nvPr/>
         </p:nvCxnSpPr>
         <p:spPr>
-          <a:xfrm rot="5400000">
-            <a:off x="2159854" y="3214686"/>
-            <a:ext cx="571504" cy="1588"/>
+          <a:xfrm>
+            <a:off x="2445606" y="2962545"/>
+            <a:ext cx="0" cy="537893"/>
           </a:xfrm>
           <a:prstGeom prst="straightConnector1">
             <a:avLst/>
@@ -4257,9 +4269,9 @@
           <p:nvPr/>
         </p:nvCxnSpPr>
         <p:spPr>
-          <a:xfrm>
-            <a:off x="3164621" y="2678901"/>
-            <a:ext cx="490795" cy="8283"/>
+          <a:xfrm flipV="1">
+            <a:off x="3164621" y="2687184"/>
+            <a:ext cx="490795" cy="25328"/>
           </a:xfrm>
           <a:prstGeom prst="straightConnector1">
             <a:avLst/>
@@ -4523,7 +4535,6 @@
               <a:rPr lang="ko-KR" altLang="en-US" dirty="0"/>
               <a:t>개</a:t>
             </a:r>
-            <a:endParaRPr lang="ko-KR" altLang="en-US" dirty="0"/>
           </a:p>
         </p:txBody>
       </p:sp>
@@ -4956,15 +4967,7 @@
                   <a:schemeClr val="bg1"/>
                 </a:solidFill>
               </a:rPr>
-              <a:t>.</a:t>
-            </a:r>
-            <a:r>
-              <a:rPr lang="en-US" altLang="ko-KR" sz="1400" dirty="0" smtClean="0">
-                <a:solidFill>
-                  <a:schemeClr val="bg1"/>
-                </a:solidFill>
-              </a:rPr>
-              <a:t>DB</a:t>
+              <a:t>.DB</a:t>
             </a:r>
             <a:endParaRPr lang="ko-KR" altLang="en-US" sz="1400" dirty="0">
               <a:solidFill>
@@ -5579,11 +5582,7 @@
             </a:r>
             <a:r>
               <a:rPr lang="en-US" altLang="ko-KR" dirty="0" smtClean="0"/>
-              <a:t>}</a:t>
-            </a:r>
-            <a:r>
-              <a:rPr lang="en-US" altLang="ko-KR" dirty="0" smtClean="0"/>
-              <a:t>)</a:t>
+              <a:t>})</a:t>
             </a:r>
             <a:endParaRPr lang="ko-KR" altLang="en-US" dirty="0"/>
           </a:p>
@@ -6056,15 +6055,7 @@
                   <a:schemeClr val="bg1"/>
                 </a:solidFill>
               </a:rPr>
-              <a:t>.</a:t>
-            </a:r>
-            <a:r>
-              <a:rPr lang="en-US" altLang="ko-KR" sz="1400" dirty="0" smtClean="0">
-                <a:solidFill>
-                  <a:schemeClr val="bg1"/>
-                </a:solidFill>
-              </a:rPr>
-              <a:t>DB</a:t>
+              <a:t>.DB</a:t>
             </a:r>
             <a:endParaRPr lang="ko-KR" altLang="en-US" sz="1400" dirty="0">
               <a:solidFill>
@@ -6140,15 +6131,7 @@
                   <a:schemeClr val="bg1"/>
                 </a:solidFill>
               </a:rPr>
-              <a:t>.</a:t>
-            </a:r>
-            <a:r>
-              <a:rPr lang="en-US" altLang="ko-KR" sz="1400" dirty="0" smtClean="0">
-                <a:solidFill>
-                  <a:schemeClr val="bg1"/>
-                </a:solidFill>
-              </a:rPr>
-              <a:t>DB</a:t>
+              <a:t>.DB</a:t>
             </a:r>
             <a:endParaRPr lang="ko-KR" altLang="en-US" sz="1400" dirty="0">
               <a:solidFill>

--- a/헬핑프로그램구조.pptx
+++ b/헬핑프로그램구조.pptx
@@ -240,7 +240,7 @@
           </a:lstStyle>
           <a:p>
             <a:r>
-              <a:rPr kumimoji="0" lang="ko-KR" altLang="en-US" smtClean="0"/>
+              <a:rPr kumimoji="0" lang="ko-KR" altLang="en-US"/>
               <a:t>마스터 제목 스타일 편집</a:t>
             </a:r>
             <a:endParaRPr kumimoji="0" lang="en-US"/>
@@ -311,7 +311,7 @@
           </a:lstStyle>
           <a:p>
             <a:r>
-              <a:rPr kumimoji="0" lang="ko-KR" altLang="en-US" smtClean="0"/>
+              <a:rPr kumimoji="0" lang="ko-KR" altLang="en-US"/>
               <a:t>마스터 부제목 스타일 편집</a:t>
             </a:r>
             <a:endParaRPr kumimoji="0" lang="en-US"/>
@@ -455,7 +455,7 @@
           <a:lstStyle/>
           <a:p>
             <a:r>
-              <a:rPr kumimoji="0" lang="ko-KR" altLang="en-US" smtClean="0"/>
+              <a:rPr kumimoji="0" lang="ko-KR" altLang="en-US"/>
               <a:t>마스터 제목 스타일 편집</a:t>
             </a:r>
             <a:endParaRPr kumimoji="0" lang="en-US"/>
@@ -479,35 +479,35 @@
           <a:p>
             <a:pPr lvl="0" eaLnBrk="1" latinLnBrk="0" hangingPunct="1"/>
             <a:r>
-              <a:rPr lang="ko-KR" altLang="en-US" smtClean="0"/>
+              <a:rPr lang="ko-KR" altLang="en-US"/>
               <a:t>마스터 텍스트 스타일을 편집합니다</a:t>
             </a:r>
           </a:p>
           <a:p>
             <a:pPr lvl="1" eaLnBrk="1" latinLnBrk="0" hangingPunct="1"/>
             <a:r>
-              <a:rPr lang="ko-KR" altLang="en-US" smtClean="0"/>
+              <a:rPr lang="ko-KR" altLang="en-US"/>
               <a:t>둘째 수준</a:t>
             </a:r>
           </a:p>
           <a:p>
             <a:pPr lvl="2" eaLnBrk="1" latinLnBrk="0" hangingPunct="1"/>
             <a:r>
-              <a:rPr lang="ko-KR" altLang="en-US" smtClean="0"/>
+              <a:rPr lang="ko-KR" altLang="en-US"/>
               <a:t>셋째 수준</a:t>
             </a:r>
           </a:p>
           <a:p>
             <a:pPr lvl="3" eaLnBrk="1" latinLnBrk="0" hangingPunct="1"/>
             <a:r>
-              <a:rPr lang="ko-KR" altLang="en-US" smtClean="0"/>
+              <a:rPr lang="ko-KR" altLang="en-US"/>
               <a:t>넷째 수준</a:t>
             </a:r>
           </a:p>
           <a:p>
             <a:pPr lvl="4" eaLnBrk="1" latinLnBrk="0" hangingPunct="1"/>
             <a:r>
-              <a:rPr lang="ko-KR" altLang="en-US" smtClean="0"/>
+              <a:rPr lang="ko-KR" altLang="en-US"/>
               <a:t>다섯째 수준</a:t>
             </a:r>
             <a:endParaRPr kumimoji="0" lang="en-US"/>
@@ -625,7 +625,7 @@
           <a:lstStyle/>
           <a:p>
             <a:r>
-              <a:rPr kumimoji="0" lang="ko-KR" altLang="en-US" smtClean="0"/>
+              <a:rPr kumimoji="0" lang="ko-KR" altLang="en-US"/>
               <a:t>마스터 제목 스타일 편집</a:t>
             </a:r>
             <a:endParaRPr kumimoji="0" lang="en-US"/>
@@ -654,35 +654,35 @@
           <a:p>
             <a:pPr lvl="0" eaLnBrk="1" latinLnBrk="0" hangingPunct="1"/>
             <a:r>
-              <a:rPr lang="ko-KR" altLang="en-US" smtClean="0"/>
+              <a:rPr lang="ko-KR" altLang="en-US"/>
               <a:t>마스터 텍스트 스타일을 편집합니다</a:t>
             </a:r>
           </a:p>
           <a:p>
             <a:pPr lvl="1" eaLnBrk="1" latinLnBrk="0" hangingPunct="1"/>
             <a:r>
-              <a:rPr lang="ko-KR" altLang="en-US" smtClean="0"/>
+              <a:rPr lang="ko-KR" altLang="en-US"/>
               <a:t>둘째 수준</a:t>
             </a:r>
           </a:p>
           <a:p>
             <a:pPr lvl="2" eaLnBrk="1" latinLnBrk="0" hangingPunct="1"/>
             <a:r>
-              <a:rPr lang="ko-KR" altLang="en-US" smtClean="0"/>
+              <a:rPr lang="ko-KR" altLang="en-US"/>
               <a:t>셋째 수준</a:t>
             </a:r>
           </a:p>
           <a:p>
             <a:pPr lvl="3" eaLnBrk="1" latinLnBrk="0" hangingPunct="1"/>
             <a:r>
-              <a:rPr lang="ko-KR" altLang="en-US" smtClean="0"/>
+              <a:rPr lang="ko-KR" altLang="en-US"/>
               <a:t>넷째 수준</a:t>
             </a:r>
           </a:p>
           <a:p>
             <a:pPr lvl="4" eaLnBrk="1" latinLnBrk="0" hangingPunct="1"/>
             <a:r>
-              <a:rPr lang="ko-KR" altLang="en-US" smtClean="0"/>
+              <a:rPr lang="ko-KR" altLang="en-US"/>
               <a:t>다섯째 수준</a:t>
             </a:r>
             <a:endParaRPr kumimoji="0" lang="en-US"/>
@@ -800,7 +800,7 @@
           <a:lstStyle/>
           <a:p>
             <a:r>
-              <a:rPr kumimoji="0" lang="ko-KR" altLang="en-US" smtClean="0"/>
+              <a:rPr kumimoji="0" lang="ko-KR" altLang="en-US"/>
               <a:t>마스터 제목 스타일 편집</a:t>
             </a:r>
             <a:endParaRPr kumimoji="0" lang="en-US"/>
@@ -829,35 +829,35 @@
           <a:p>
             <a:pPr lvl="0" eaLnBrk="1" latinLnBrk="0" hangingPunct="1"/>
             <a:r>
-              <a:rPr lang="ko-KR" altLang="en-US" smtClean="0"/>
+              <a:rPr lang="ko-KR" altLang="en-US"/>
               <a:t>마스터 텍스트 스타일을 편집합니다</a:t>
             </a:r>
           </a:p>
           <a:p>
             <a:pPr lvl="1" eaLnBrk="1" latinLnBrk="0" hangingPunct="1"/>
             <a:r>
-              <a:rPr lang="ko-KR" altLang="en-US" smtClean="0"/>
+              <a:rPr lang="ko-KR" altLang="en-US"/>
               <a:t>둘째 수준</a:t>
             </a:r>
           </a:p>
           <a:p>
             <a:pPr lvl="2" eaLnBrk="1" latinLnBrk="0" hangingPunct="1"/>
             <a:r>
-              <a:rPr lang="ko-KR" altLang="en-US" smtClean="0"/>
+              <a:rPr lang="ko-KR" altLang="en-US"/>
               <a:t>셋째 수준</a:t>
             </a:r>
           </a:p>
           <a:p>
             <a:pPr lvl="3" eaLnBrk="1" latinLnBrk="0" hangingPunct="1"/>
             <a:r>
-              <a:rPr lang="ko-KR" altLang="en-US" smtClean="0"/>
+              <a:rPr lang="ko-KR" altLang="en-US"/>
               <a:t>넷째 수준</a:t>
             </a:r>
           </a:p>
           <a:p>
             <a:pPr lvl="4" eaLnBrk="1" latinLnBrk="0" hangingPunct="1"/>
             <a:r>
-              <a:rPr lang="ko-KR" altLang="en-US" smtClean="0"/>
+              <a:rPr lang="ko-KR" altLang="en-US"/>
               <a:t>다섯째 수준</a:t>
             </a:r>
             <a:endParaRPr kumimoji="0" lang="en-US"/>
@@ -1301,7 +1301,7 @@
           </a:lstStyle>
           <a:p>
             <a:r>
-              <a:rPr kumimoji="0" lang="ko-KR" altLang="en-US" smtClean="0"/>
+              <a:rPr kumimoji="0" lang="ko-KR" altLang="en-US"/>
               <a:t>마스터 제목 스타일 편집</a:t>
             </a:r>
             <a:endParaRPr kumimoji="0" lang="en-US"/>
@@ -1381,7 +1381,7 @@
           <a:p>
             <a:pPr lvl="0" eaLnBrk="1" latinLnBrk="0" hangingPunct="1"/>
             <a:r>
-              <a:rPr kumimoji="0" lang="ko-KR" altLang="en-US" smtClean="0"/>
+              <a:rPr kumimoji="0" lang="ko-KR" altLang="en-US"/>
               <a:t>마스터 텍스트 스타일을 편집합니다</a:t>
             </a:r>
           </a:p>
@@ -1432,7 +1432,7 @@
           </a:lstStyle>
           <a:p>
             <a:r>
-              <a:rPr kumimoji="0" lang="ko-KR" altLang="en-US" smtClean="0"/>
+              <a:rPr kumimoji="0" lang="ko-KR" altLang="en-US"/>
               <a:t>마스터 제목 스타일 편집</a:t>
             </a:r>
             <a:endParaRPr kumimoji="0" lang="en-US"/>
@@ -1477,35 +1477,35 @@
           <a:p>
             <a:pPr lvl="0" eaLnBrk="1" latinLnBrk="0" hangingPunct="1"/>
             <a:r>
-              <a:rPr lang="ko-KR" altLang="en-US" smtClean="0"/>
+              <a:rPr lang="ko-KR" altLang="en-US"/>
               <a:t>마스터 텍스트 스타일을 편집합니다</a:t>
             </a:r>
           </a:p>
           <a:p>
             <a:pPr lvl="1" eaLnBrk="1" latinLnBrk="0" hangingPunct="1"/>
             <a:r>
-              <a:rPr lang="ko-KR" altLang="en-US" smtClean="0"/>
+              <a:rPr lang="ko-KR" altLang="en-US"/>
               <a:t>둘째 수준</a:t>
             </a:r>
           </a:p>
           <a:p>
             <a:pPr lvl="2" eaLnBrk="1" latinLnBrk="0" hangingPunct="1"/>
             <a:r>
-              <a:rPr lang="ko-KR" altLang="en-US" smtClean="0"/>
+              <a:rPr lang="ko-KR" altLang="en-US"/>
               <a:t>셋째 수준</a:t>
             </a:r>
           </a:p>
           <a:p>
             <a:pPr lvl="3" eaLnBrk="1" latinLnBrk="0" hangingPunct="1"/>
             <a:r>
-              <a:rPr lang="ko-KR" altLang="en-US" smtClean="0"/>
+              <a:rPr lang="ko-KR" altLang="en-US"/>
               <a:t>넷째 수준</a:t>
             </a:r>
           </a:p>
           <a:p>
             <a:pPr lvl="4" eaLnBrk="1" latinLnBrk="0" hangingPunct="1"/>
             <a:r>
-              <a:rPr lang="ko-KR" altLang="en-US" smtClean="0"/>
+              <a:rPr lang="ko-KR" altLang="en-US"/>
               <a:t>다섯째 수준</a:t>
             </a:r>
             <a:endParaRPr kumimoji="0" lang="en-US"/>
@@ -1550,35 +1550,35 @@
           <a:p>
             <a:pPr lvl="0" eaLnBrk="1" latinLnBrk="0" hangingPunct="1"/>
             <a:r>
-              <a:rPr lang="ko-KR" altLang="en-US" smtClean="0"/>
+              <a:rPr lang="ko-KR" altLang="en-US"/>
               <a:t>마스터 텍스트 스타일을 편집합니다</a:t>
             </a:r>
           </a:p>
           <a:p>
             <a:pPr lvl="1" eaLnBrk="1" latinLnBrk="0" hangingPunct="1"/>
             <a:r>
-              <a:rPr lang="ko-KR" altLang="en-US" smtClean="0"/>
+              <a:rPr lang="ko-KR" altLang="en-US"/>
               <a:t>둘째 수준</a:t>
             </a:r>
           </a:p>
           <a:p>
             <a:pPr lvl="2" eaLnBrk="1" latinLnBrk="0" hangingPunct="1"/>
             <a:r>
-              <a:rPr lang="ko-KR" altLang="en-US" smtClean="0"/>
+              <a:rPr lang="ko-KR" altLang="en-US"/>
               <a:t>셋째 수준</a:t>
             </a:r>
           </a:p>
           <a:p>
             <a:pPr lvl="3" eaLnBrk="1" latinLnBrk="0" hangingPunct="1"/>
             <a:r>
-              <a:rPr lang="ko-KR" altLang="en-US" smtClean="0"/>
+              <a:rPr lang="ko-KR" altLang="en-US"/>
               <a:t>넷째 수준</a:t>
             </a:r>
           </a:p>
           <a:p>
             <a:pPr lvl="4" eaLnBrk="1" latinLnBrk="0" hangingPunct="1"/>
             <a:r>
-              <a:rPr lang="ko-KR" altLang="en-US" smtClean="0"/>
+              <a:rPr lang="ko-KR" altLang="en-US"/>
               <a:t>다섯째 수준</a:t>
             </a:r>
             <a:endParaRPr kumimoji="0" lang="en-US"/>
@@ -1729,7 +1729,7 @@
           </a:lstStyle>
           <a:p>
             <a:r>
-              <a:rPr kumimoji="0" lang="ko-KR" altLang="en-US" smtClean="0"/>
+              <a:rPr kumimoji="0" lang="ko-KR" altLang="en-US"/>
               <a:t>마스터 제목 스타일 편집</a:t>
             </a:r>
             <a:endParaRPr kumimoji="0" lang="en-US"/>
@@ -1789,7 +1789,7 @@
           <a:p>
             <a:pPr lvl="0" eaLnBrk="1" latinLnBrk="0" hangingPunct="1"/>
             <a:r>
-              <a:rPr kumimoji="0" lang="ko-KR" altLang="en-US" smtClean="0"/>
+              <a:rPr kumimoji="0" lang="ko-KR" altLang="en-US"/>
               <a:t>마스터 텍스트 스타일을 편집합니다</a:t>
             </a:r>
           </a:p>
@@ -1848,7 +1848,7 @@
           <a:p>
             <a:pPr lvl="0" eaLnBrk="1" latinLnBrk="0" hangingPunct="1"/>
             <a:r>
-              <a:rPr kumimoji="0" lang="ko-KR" altLang="en-US" smtClean="0"/>
+              <a:rPr kumimoji="0" lang="ko-KR" altLang="en-US"/>
               <a:t>마스터 텍스트 스타일을 편집합니다</a:t>
             </a:r>
           </a:p>
@@ -1892,35 +1892,35 @@
           <a:p>
             <a:pPr lvl="0" eaLnBrk="1" latinLnBrk="0" hangingPunct="1"/>
             <a:r>
-              <a:rPr lang="ko-KR" altLang="en-US" smtClean="0"/>
+              <a:rPr lang="ko-KR" altLang="en-US"/>
               <a:t>마스터 텍스트 스타일을 편집합니다</a:t>
             </a:r>
           </a:p>
           <a:p>
             <a:pPr lvl="1" eaLnBrk="1" latinLnBrk="0" hangingPunct="1"/>
             <a:r>
-              <a:rPr lang="ko-KR" altLang="en-US" smtClean="0"/>
+              <a:rPr lang="ko-KR" altLang="en-US"/>
               <a:t>둘째 수준</a:t>
             </a:r>
           </a:p>
           <a:p>
             <a:pPr lvl="2" eaLnBrk="1" latinLnBrk="0" hangingPunct="1"/>
             <a:r>
-              <a:rPr lang="ko-KR" altLang="en-US" smtClean="0"/>
+              <a:rPr lang="ko-KR" altLang="en-US"/>
               <a:t>셋째 수준</a:t>
             </a:r>
           </a:p>
           <a:p>
             <a:pPr lvl="3" eaLnBrk="1" latinLnBrk="0" hangingPunct="1"/>
             <a:r>
-              <a:rPr lang="ko-KR" altLang="en-US" smtClean="0"/>
+              <a:rPr lang="ko-KR" altLang="en-US"/>
               <a:t>넷째 수준</a:t>
             </a:r>
           </a:p>
           <a:p>
             <a:pPr lvl="4" eaLnBrk="1" latinLnBrk="0" hangingPunct="1"/>
             <a:r>
-              <a:rPr lang="ko-KR" altLang="en-US" smtClean="0"/>
+              <a:rPr lang="ko-KR" altLang="en-US"/>
               <a:t>다섯째 수준</a:t>
             </a:r>
             <a:endParaRPr kumimoji="0" lang="en-US"/>
@@ -1965,35 +1965,35 @@
           <a:p>
             <a:pPr lvl="0" eaLnBrk="1" latinLnBrk="0" hangingPunct="1"/>
             <a:r>
-              <a:rPr lang="ko-KR" altLang="en-US" smtClean="0"/>
+              <a:rPr lang="ko-KR" altLang="en-US"/>
               <a:t>마스터 텍스트 스타일을 편집합니다</a:t>
             </a:r>
           </a:p>
           <a:p>
             <a:pPr lvl="1" eaLnBrk="1" latinLnBrk="0" hangingPunct="1"/>
             <a:r>
-              <a:rPr lang="ko-KR" altLang="en-US" smtClean="0"/>
+              <a:rPr lang="ko-KR" altLang="en-US"/>
               <a:t>둘째 수준</a:t>
             </a:r>
           </a:p>
           <a:p>
             <a:pPr lvl="2" eaLnBrk="1" latinLnBrk="0" hangingPunct="1"/>
             <a:r>
-              <a:rPr lang="ko-KR" altLang="en-US" smtClean="0"/>
+              <a:rPr lang="ko-KR" altLang="en-US"/>
               <a:t>셋째 수준</a:t>
             </a:r>
           </a:p>
           <a:p>
             <a:pPr lvl="3" eaLnBrk="1" latinLnBrk="0" hangingPunct="1"/>
             <a:r>
-              <a:rPr lang="ko-KR" altLang="en-US" smtClean="0"/>
+              <a:rPr lang="ko-KR" altLang="en-US"/>
               <a:t>넷째 수준</a:t>
             </a:r>
           </a:p>
           <a:p>
             <a:pPr lvl="4" eaLnBrk="1" latinLnBrk="0" hangingPunct="1"/>
             <a:r>
-              <a:rPr lang="ko-KR" altLang="en-US" smtClean="0"/>
+              <a:rPr lang="ko-KR" altLang="en-US"/>
               <a:t>다섯째 수준</a:t>
             </a:r>
             <a:endParaRPr kumimoji="0" lang="en-US"/>
@@ -2129,7 +2129,7 @@
           </a:lstStyle>
           <a:p>
             <a:r>
-              <a:rPr kumimoji="0" lang="ko-KR" altLang="en-US" smtClean="0"/>
+              <a:rPr kumimoji="0" lang="ko-KR" altLang="en-US"/>
               <a:t>마스터 제목 스타일 편집</a:t>
             </a:r>
             <a:endParaRPr kumimoji="0" lang="en-US"/>
@@ -2365,7 +2365,7 @@
           </a:lstStyle>
           <a:p>
             <a:r>
-              <a:rPr kumimoji="0" lang="ko-KR" altLang="en-US" smtClean="0"/>
+              <a:rPr kumimoji="0" lang="ko-KR" altLang="en-US"/>
               <a:t>마스터 제목 스타일 편집</a:t>
             </a:r>
             <a:endParaRPr kumimoji="0" lang="en-US"/>
@@ -2418,7 +2418,7 @@
           <a:p>
             <a:pPr lvl="0" eaLnBrk="1" latinLnBrk="0" hangingPunct="1"/>
             <a:r>
-              <a:rPr kumimoji="0" lang="ko-KR" altLang="en-US" smtClean="0"/>
+              <a:rPr kumimoji="0" lang="ko-KR" altLang="en-US"/>
               <a:t>마스터 텍스트 스타일을 편집합니다</a:t>
             </a:r>
           </a:p>
@@ -2465,35 +2465,35 @@
           <a:p>
             <a:pPr lvl="0" eaLnBrk="1" latinLnBrk="0" hangingPunct="1"/>
             <a:r>
-              <a:rPr lang="ko-KR" altLang="en-US" smtClean="0"/>
+              <a:rPr lang="ko-KR" altLang="en-US"/>
               <a:t>마스터 텍스트 스타일을 편집합니다</a:t>
             </a:r>
           </a:p>
           <a:p>
             <a:pPr lvl="1" eaLnBrk="1" latinLnBrk="0" hangingPunct="1"/>
             <a:r>
-              <a:rPr lang="ko-KR" altLang="en-US" smtClean="0"/>
+              <a:rPr lang="ko-KR" altLang="en-US"/>
               <a:t>둘째 수준</a:t>
             </a:r>
           </a:p>
           <a:p>
             <a:pPr lvl="2" eaLnBrk="1" latinLnBrk="0" hangingPunct="1"/>
             <a:r>
-              <a:rPr lang="ko-KR" altLang="en-US" smtClean="0"/>
+              <a:rPr lang="ko-KR" altLang="en-US"/>
               <a:t>셋째 수준</a:t>
             </a:r>
           </a:p>
           <a:p>
             <a:pPr lvl="3" eaLnBrk="1" latinLnBrk="0" hangingPunct="1"/>
             <a:r>
-              <a:rPr lang="ko-KR" altLang="en-US" smtClean="0"/>
+              <a:rPr lang="ko-KR" altLang="en-US"/>
               <a:t>넷째 수준</a:t>
             </a:r>
           </a:p>
           <a:p>
             <a:pPr lvl="4" eaLnBrk="1" latinLnBrk="0" hangingPunct="1"/>
             <a:r>
-              <a:rPr lang="ko-KR" altLang="en-US" smtClean="0"/>
+              <a:rPr lang="ko-KR" altLang="en-US"/>
               <a:t>다섯째 수준</a:t>
             </a:r>
             <a:endParaRPr kumimoji="0" lang="en-US"/>
@@ -2648,7 +2648,7 @@
           </a:lstStyle>
           <a:p>
             <a:r>
-              <a:rPr kumimoji="0" lang="ko-KR" altLang="en-US" smtClean="0"/>
+              <a:rPr kumimoji="0" lang="ko-KR" altLang="en-US"/>
               <a:t>마스터 제목 스타일 편집</a:t>
             </a:r>
             <a:endParaRPr kumimoji="0" lang="en-US"/>
@@ -2686,7 +2686,7 @@
           </a:lstStyle>
           <a:p>
             <a:r>
-              <a:rPr kumimoji="0" lang="ko-KR" altLang="en-US" smtClean="0"/>
+              <a:rPr kumimoji="0" lang="ko-KR" altLang="en-US"/>
               <a:t>그림을 추가하려면 아이콘을 클릭하십시오</a:t>
             </a:r>
             <a:endParaRPr kumimoji="0" lang="en-US" dirty="0"/>
@@ -2746,7 +2746,7 @@
           <a:p>
             <a:pPr lvl="0" eaLnBrk="1" latinLnBrk="0" hangingPunct="1"/>
             <a:r>
-              <a:rPr kumimoji="0" lang="ko-KR" altLang="en-US" smtClean="0"/>
+              <a:rPr kumimoji="0" lang="ko-KR" altLang="en-US"/>
               <a:t>마스터 텍스트 스타일을 편집합니다</a:t>
             </a:r>
           </a:p>
@@ -3048,7 +3048,7 @@
           <a:lstStyle/>
           <a:p>
             <a:r>
-              <a:rPr kumimoji="0" lang="ko-KR" altLang="en-US" smtClean="0"/>
+              <a:rPr kumimoji="0" lang="ko-KR" altLang="en-US"/>
               <a:t>마스터 제목 스타일 편집</a:t>
             </a:r>
             <a:endParaRPr kumimoji="0" lang="en-US"/>
@@ -3082,35 +3082,35 @@
           <a:p>
             <a:pPr lvl="0" eaLnBrk="1" latinLnBrk="0" hangingPunct="1"/>
             <a:r>
-              <a:rPr kumimoji="0" lang="ko-KR" altLang="en-US" smtClean="0"/>
+              <a:rPr kumimoji="0" lang="ko-KR" altLang="en-US"/>
               <a:t>마스터 텍스트 스타일을 편집합니다</a:t>
             </a:r>
           </a:p>
           <a:p>
             <a:pPr lvl="1" eaLnBrk="1" latinLnBrk="0" hangingPunct="1"/>
             <a:r>
-              <a:rPr kumimoji="0" lang="ko-KR" altLang="en-US" smtClean="0"/>
+              <a:rPr kumimoji="0" lang="ko-KR" altLang="en-US"/>
               <a:t>둘째 수준</a:t>
             </a:r>
           </a:p>
           <a:p>
             <a:pPr lvl="2" eaLnBrk="1" latinLnBrk="0" hangingPunct="1"/>
             <a:r>
-              <a:rPr kumimoji="0" lang="ko-KR" altLang="en-US" smtClean="0"/>
+              <a:rPr kumimoji="0" lang="ko-KR" altLang="en-US"/>
               <a:t>셋째 수준</a:t>
             </a:r>
           </a:p>
           <a:p>
             <a:pPr lvl="3" eaLnBrk="1" latinLnBrk="0" hangingPunct="1"/>
             <a:r>
-              <a:rPr kumimoji="0" lang="ko-KR" altLang="en-US" smtClean="0"/>
+              <a:rPr kumimoji="0" lang="ko-KR" altLang="en-US"/>
               <a:t>넷째 수준</a:t>
             </a:r>
           </a:p>
           <a:p>
             <a:pPr lvl="4" eaLnBrk="1" latinLnBrk="0" hangingPunct="1"/>
             <a:r>
-              <a:rPr kumimoji="0" lang="ko-KR" altLang="en-US" smtClean="0"/>
+              <a:rPr kumimoji="0" lang="ko-KR" altLang="en-US"/>
               <a:t>다섯째 수준</a:t>
             </a:r>
             <a:endParaRPr kumimoji="0" lang="en-US"/>
@@ -3592,10 +3592,9 @@
           <a:lstStyle/>
           <a:p>
             <a:r>
-              <a:rPr lang="ko-KR" altLang="en-US" dirty="0" smtClean="0"/>
+              <a:rPr lang="ko-KR" altLang="en-US" dirty="0"/>
               <a:t>프로그램 구조</a:t>
             </a:r>
-            <a:endParaRPr lang="ko-KR" altLang="en-US" dirty="0"/>
           </a:p>
         </p:txBody>
       </p:sp>
@@ -3607,7 +3606,7 @@
         </p:nvSpPr>
         <p:spPr>
           <a:xfrm>
-            <a:off x="1726590" y="2462479"/>
+            <a:off x="1726590" y="2428868"/>
             <a:ext cx="1438031" cy="500066"/>
           </a:xfrm>
           <a:prstGeom prst="rect">
@@ -3636,7 +3635,7 @@
           <a:p>
             <a:pPr algn="ctr"/>
             <a:r>
-              <a:rPr lang="en-US" altLang="ko-KR" dirty="0" err="1" smtClean="0"/>
+              <a:rPr lang="en-US" altLang="ko-KR" dirty="0" err="1"/>
               <a:t>Login.php</a:t>
             </a:r>
             <a:endParaRPr lang="ko-KR" altLang="en-US" dirty="0"/>
@@ -3653,9 +3652,9 @@
           <p:nvPr/>
         </p:nvCxnSpPr>
         <p:spPr>
-          <a:xfrm>
-            <a:off x="2445606" y="2051768"/>
-            <a:ext cx="0" cy="410711"/>
+          <a:xfrm rot="5400000">
+            <a:off x="2257056" y="2240318"/>
+            <a:ext cx="377100" cy="1588"/>
           </a:xfrm>
           <a:prstGeom prst="straightConnector1">
             <a:avLst/>
@@ -3716,23 +3715,23 @@
           <a:p>
             <a:pPr algn="ctr"/>
             <a:r>
-              <a:rPr lang="en-US" altLang="ko-KR" dirty="0" err="1" smtClean="0"/>
+              <a:rPr lang="en-US" altLang="ko-KR" dirty="0" err="1"/>
               <a:t>user.php</a:t>
             </a:r>
-            <a:endParaRPr lang="en-US" altLang="ko-KR" dirty="0" smtClean="0"/>
+            <a:endParaRPr lang="en-US" altLang="ko-KR" dirty="0"/>
           </a:p>
           <a:p>
             <a:pPr algn="ctr"/>
             <a:r>
-              <a:rPr lang="en-US" altLang="ko-KR" dirty="0" smtClean="0"/>
+              <a:rPr lang="en-US" altLang="ko-KR" dirty="0"/>
               <a:t>(</a:t>
             </a:r>
             <a:r>
-              <a:rPr lang="ko-KR" altLang="en-US" dirty="0" smtClean="0"/>
+              <a:rPr lang="ko-KR" altLang="en-US" dirty="0"/>
               <a:t>사용자</a:t>
             </a:r>
             <a:r>
-              <a:rPr lang="en-US" altLang="ko-KR" dirty="0" smtClean="0"/>
+              <a:rPr lang="en-US" altLang="ko-KR" dirty="0"/>
               <a:t>)</a:t>
             </a:r>
             <a:endParaRPr lang="ko-KR" altLang="en-US" dirty="0"/>
@@ -3776,12 +3775,16 @@
           <a:p>
             <a:pPr algn="ctr"/>
             <a:r>
-              <a:rPr lang="en-US" altLang="ko-KR" sz="1200" i="1" smtClean="0"/>
-              <a:t>Signup</a:t>
-            </a:r>
-            <a:r>
-              <a:rPr lang="en-US" altLang="ko-KR" sz="1200" i="1" smtClean="0"/>
-              <a:t>.php</a:t>
+              <a:rPr lang="ko-KR" altLang="en-US" sz="1200" i="1" dirty="0"/>
+              <a:t>회원가입</a:t>
+            </a:r>
+            <a:r>
+              <a:rPr lang="en-US" altLang="ko-KR" sz="1200" i="1" dirty="0"/>
+              <a:t>.</a:t>
+            </a:r>
+            <a:r>
+              <a:rPr lang="en-US" altLang="ko-KR" sz="1200" i="1" dirty="0" err="1"/>
+              <a:t>php</a:t>
             </a:r>
             <a:endParaRPr lang="ko-KR" altLang="en-US" sz="1200" i="1" dirty="0"/>
           </a:p>
@@ -3824,23 +3827,23 @@
           <a:p>
             <a:pPr algn="ctr"/>
             <a:r>
-              <a:rPr lang="en-US" altLang="ko-KR" dirty="0" err="1" smtClean="0"/>
+              <a:rPr lang="en-US" altLang="ko-KR" dirty="0" err="1"/>
               <a:t>vol.php</a:t>
             </a:r>
-            <a:endParaRPr lang="en-US" altLang="ko-KR" dirty="0" smtClean="0"/>
+            <a:endParaRPr lang="en-US" altLang="ko-KR" dirty="0"/>
           </a:p>
           <a:p>
             <a:pPr algn="ctr"/>
             <a:r>
-              <a:rPr lang="en-US" altLang="ko-KR" dirty="0" smtClean="0"/>
+              <a:rPr lang="en-US" altLang="ko-KR" dirty="0"/>
               <a:t>(</a:t>
             </a:r>
             <a:r>
-              <a:rPr lang="ko-KR" altLang="en-US" dirty="0" smtClean="0"/>
+              <a:rPr lang="ko-KR" altLang="en-US" dirty="0"/>
               <a:t>봉사자</a:t>
             </a:r>
             <a:r>
-              <a:rPr lang="en-US" altLang="ko-KR" dirty="0" smtClean="0"/>
+              <a:rPr lang="en-US" altLang="ko-KR" dirty="0"/>
               <a:t>)</a:t>
             </a:r>
             <a:endParaRPr lang="ko-KR" altLang="en-US" dirty="0"/>
@@ -3892,7 +3895,7 @@
           <a:p>
             <a:pPr algn="ctr"/>
             <a:r>
-              <a:rPr lang="en-US" altLang="ko-KR" dirty="0" err="1" smtClean="0">
+              <a:rPr lang="en-US" altLang="ko-KR" dirty="0" err="1">
                 <a:solidFill>
                   <a:schemeClr val="bg1"/>
                 </a:solidFill>
@@ -3944,23 +3947,23 @@
           <a:p>
             <a:pPr algn="ctr"/>
             <a:r>
-              <a:rPr lang="en-US" altLang="ko-KR" dirty="0" err="1" smtClean="0"/>
+              <a:rPr lang="en-US" altLang="ko-KR" dirty="0" err="1"/>
               <a:t>Main.php</a:t>
             </a:r>
-            <a:endParaRPr lang="en-US" altLang="ko-KR" dirty="0" smtClean="0"/>
+            <a:endParaRPr lang="en-US" altLang="ko-KR" dirty="0"/>
           </a:p>
           <a:p>
             <a:pPr algn="ctr"/>
             <a:r>
-              <a:rPr lang="en-US" altLang="ko-KR" dirty="0" smtClean="0"/>
+              <a:rPr lang="en-US" altLang="ko-KR" dirty="0"/>
               <a:t>(</a:t>
             </a:r>
             <a:r>
-              <a:rPr lang="ko-KR" altLang="en-US" dirty="0" smtClean="0"/>
+              <a:rPr lang="ko-KR" altLang="en-US" dirty="0"/>
               <a:t>기본화면</a:t>
             </a:r>
             <a:r>
-              <a:rPr lang="en-US" altLang="ko-KR" dirty="0" smtClean="0"/>
+              <a:rPr lang="en-US" altLang="ko-KR" dirty="0"/>
               <a:t>)</a:t>
             </a:r>
             <a:endParaRPr lang="ko-KR" altLang="en-US" dirty="0"/>
@@ -4004,23 +4007,23 @@
           <a:p>
             <a:pPr algn="ctr"/>
             <a:r>
-              <a:rPr lang="en-US" altLang="ko-KR" dirty="0" err="1" smtClean="0"/>
+              <a:rPr lang="en-US" altLang="ko-KR" dirty="0" err="1"/>
               <a:t>Main.php</a:t>
             </a:r>
-            <a:endParaRPr lang="en-US" altLang="ko-KR" dirty="0" smtClean="0"/>
+            <a:endParaRPr lang="en-US" altLang="ko-KR" dirty="0"/>
           </a:p>
           <a:p>
             <a:pPr algn="ctr"/>
             <a:r>
-              <a:rPr lang="en-US" altLang="ko-KR" dirty="0" smtClean="0"/>
+              <a:rPr lang="en-US" altLang="ko-KR" dirty="0"/>
               <a:t>(</a:t>
             </a:r>
             <a:r>
-              <a:rPr lang="ko-KR" altLang="en-US" dirty="0" smtClean="0"/>
+              <a:rPr lang="ko-KR" altLang="en-US" dirty="0"/>
               <a:t>기본화면</a:t>
             </a:r>
             <a:r>
-              <a:rPr lang="en-US" altLang="ko-KR" dirty="0" smtClean="0"/>
+              <a:rPr lang="en-US" altLang="ko-KR" dirty="0"/>
               <a:t>)</a:t>
             </a:r>
             <a:endParaRPr lang="ko-KR" altLang="en-US" dirty="0"/>
@@ -4037,9 +4040,9 @@
           <p:nvPr/>
         </p:nvCxnSpPr>
         <p:spPr>
-          <a:xfrm>
-            <a:off x="2445606" y="2962545"/>
-            <a:ext cx="0" cy="537893"/>
+          <a:xfrm rot="5400000">
+            <a:off x="2159854" y="3214686"/>
+            <a:ext cx="571504" cy="1588"/>
           </a:xfrm>
           <a:prstGeom prst="straightConnector1">
             <a:avLst/>
@@ -4162,100 +4165,87 @@
           <a:lstStyle/>
           <a:p>
             <a:r>
-              <a:rPr lang="en-US" altLang="ko-KR" sz="1200" dirty="0" smtClean="0"/>
+              <a:rPr lang="en-US" altLang="ko-KR" sz="1200" dirty="0"/>
               <a:t>0.</a:t>
             </a:r>
             <a:r>
-              <a:rPr lang="ko-KR" altLang="en-US" sz="1200" dirty="0" err="1" smtClean="0"/>
+              <a:rPr lang="ko-KR" altLang="en-US" sz="1200" dirty="0" err="1"/>
               <a:t>봉사받는자</a:t>
             </a:r>
             <a:r>
-              <a:rPr lang="en-US" altLang="ko-KR" sz="1200" dirty="0" smtClean="0"/>
+              <a:rPr lang="en-US" altLang="ko-KR" sz="1200" dirty="0"/>
               <a:t>/</a:t>
             </a:r>
             <a:r>
-              <a:rPr lang="ko-KR" altLang="en-US" sz="1200" dirty="0" smtClean="0"/>
+              <a:rPr lang="ko-KR" altLang="en-US" sz="1200" dirty="0"/>
               <a:t>봉사자</a:t>
             </a:r>
-            <a:endParaRPr lang="en-US" altLang="ko-KR" sz="1200" dirty="0" smtClean="0"/>
-          </a:p>
-          <a:p>
-            <a:r>
-              <a:rPr lang="en-US" altLang="ko-KR" sz="1200" dirty="0" smtClean="0"/>
+            <a:endParaRPr lang="en-US" altLang="ko-KR" sz="1200" dirty="0"/>
+          </a:p>
+          <a:p>
+            <a:r>
+              <a:rPr lang="en-US" altLang="ko-KR" sz="1200" dirty="0"/>
               <a:t>1.</a:t>
             </a:r>
             <a:r>
-              <a:rPr lang="ko-KR" altLang="en-US" sz="1200" dirty="0" smtClean="0"/>
+              <a:rPr lang="ko-KR" altLang="en-US" sz="1200" dirty="0"/>
               <a:t>이름</a:t>
             </a:r>
-            <a:r>
-              <a:rPr lang="en-US" altLang="ko-KR" sz="1200" dirty="0" smtClean="0"/>
-              <a:t/>
-            </a:r>
             <a:br>
-              <a:rPr lang="en-US" altLang="ko-KR" sz="1200" dirty="0" smtClean="0"/>
+              <a:rPr lang="en-US" altLang="ko-KR" sz="1200" dirty="0"/>
             </a:br>
             <a:r>
-              <a:rPr lang="en-US" altLang="ko-KR" sz="1200" dirty="0" smtClean="0"/>
+              <a:rPr lang="en-US" altLang="ko-KR" sz="1200" dirty="0"/>
               <a:t>2.</a:t>
             </a:r>
             <a:r>
-              <a:rPr lang="ko-KR" altLang="en-US" sz="1200" dirty="0" smtClean="0"/>
+              <a:rPr lang="ko-KR" altLang="en-US" sz="1200" dirty="0"/>
               <a:t>주소</a:t>
             </a:r>
-            <a:endParaRPr lang="en-US" altLang="ko-KR" sz="1200" dirty="0" smtClean="0"/>
-          </a:p>
-          <a:p>
-            <a:r>
-              <a:rPr lang="en-US" altLang="ko-KR" sz="1200" dirty="0" smtClean="0"/>
+            <a:endParaRPr lang="en-US" altLang="ko-KR" sz="1200" dirty="0"/>
+          </a:p>
+          <a:p>
+            <a:r>
+              <a:rPr lang="en-US" altLang="ko-KR" sz="1200" dirty="0"/>
               <a:t>3.</a:t>
             </a:r>
             <a:r>
-              <a:rPr lang="ko-KR" altLang="en-US" sz="1200" dirty="0" smtClean="0"/>
+              <a:rPr lang="ko-KR" altLang="en-US" sz="1200" dirty="0"/>
               <a:t>전화번호</a:t>
             </a:r>
             <a:endParaRPr lang="en-US" altLang="ko-KR" sz="1200" dirty="0"/>
           </a:p>
           <a:p>
             <a:r>
-              <a:rPr lang="en-US" altLang="ko-KR" sz="1200" dirty="0" smtClean="0"/>
+              <a:rPr lang="en-US" altLang="ko-KR" sz="1200" dirty="0"/>
               <a:t>4.</a:t>
             </a:r>
             <a:r>
-              <a:rPr lang="ko-KR" altLang="en-US" sz="1200" dirty="0" smtClean="0"/>
+              <a:rPr lang="ko-KR" altLang="en-US" sz="1200" dirty="0"/>
               <a:t>주민등록번호</a:t>
             </a:r>
-            <a:r>
-              <a:rPr lang="en-US" altLang="ko-KR" sz="1200" dirty="0" smtClean="0"/>
-              <a:t/>
-            </a:r>
             <a:br>
-              <a:rPr lang="en-US" altLang="ko-KR" sz="1200" dirty="0" smtClean="0"/>
+              <a:rPr lang="en-US" altLang="ko-KR" sz="1200" dirty="0"/>
             </a:br>
             <a:r>
-              <a:rPr lang="en-US" altLang="ko-KR" sz="1200" dirty="0" smtClean="0"/>
+              <a:rPr lang="en-US" altLang="ko-KR" sz="1200" dirty="0"/>
               <a:t>5.</a:t>
             </a:r>
             <a:r>
-              <a:rPr lang="ko-KR" altLang="en-US" sz="1200" dirty="0" smtClean="0"/>
+              <a:rPr lang="ko-KR" altLang="en-US" sz="1200" dirty="0"/>
               <a:t>인증</a:t>
             </a:r>
-            <a:r>
-              <a:rPr lang="en-US" altLang="ko-KR" sz="1200" dirty="0" smtClean="0"/>
-              <a:t/>
-            </a:r>
             <a:br>
-              <a:rPr lang="en-US" altLang="ko-KR" sz="1200" dirty="0" smtClean="0"/>
+              <a:rPr lang="en-US" altLang="ko-KR" sz="1200" dirty="0"/>
             </a:br>
             <a:r>
-              <a:rPr lang="en-US" altLang="ko-KR" sz="1200" dirty="0" smtClean="0"/>
+              <a:rPr lang="en-US" altLang="ko-KR" sz="1200" dirty="0"/>
               <a:t>6.</a:t>
             </a:r>
             <a:r>
-              <a:rPr lang="ko-KR" altLang="en-US" sz="1200" dirty="0" smtClean="0"/>
+              <a:rPr lang="ko-KR" altLang="en-US" sz="1200" dirty="0"/>
               <a:t>기록조회</a:t>
             </a:r>
-            <a:endParaRPr lang="ko-KR" altLang="en-US" sz="1200" dirty="0"/>
           </a:p>
         </p:txBody>
       </p:sp>
@@ -4269,9 +4259,9 @@
           <p:nvPr/>
         </p:nvCxnSpPr>
         <p:spPr>
-          <a:xfrm flipV="1">
-            <a:off x="3164621" y="2687184"/>
-            <a:ext cx="490795" cy="25328"/>
+          <a:xfrm>
+            <a:off x="3164621" y="2678901"/>
+            <a:ext cx="490795" cy="8283"/>
           </a:xfrm>
           <a:prstGeom prst="straightConnector1">
             <a:avLst/>
@@ -4358,23 +4348,23 @@
           <a:p>
             <a:pPr algn="ctr"/>
             <a:r>
-              <a:rPr lang="en-US" altLang="ko-KR" dirty="0" err="1" smtClean="0"/>
+              <a:rPr lang="en-US" altLang="ko-KR" dirty="0" err="1"/>
               <a:t>Main.php</a:t>
             </a:r>
-            <a:endParaRPr lang="en-US" altLang="ko-KR" dirty="0" smtClean="0"/>
+            <a:endParaRPr lang="en-US" altLang="ko-KR" dirty="0"/>
           </a:p>
           <a:p>
             <a:pPr algn="ctr"/>
             <a:r>
-              <a:rPr lang="en-US" altLang="ko-KR" dirty="0" smtClean="0"/>
+              <a:rPr lang="en-US" altLang="ko-KR" dirty="0"/>
               <a:t>(</a:t>
             </a:r>
             <a:r>
-              <a:rPr lang="ko-KR" altLang="en-US" dirty="0" smtClean="0"/>
+              <a:rPr lang="ko-KR" altLang="en-US" dirty="0"/>
               <a:t>기본화면</a:t>
             </a:r>
             <a:r>
-              <a:rPr lang="en-US" altLang="ko-KR" dirty="0" smtClean="0"/>
+              <a:rPr lang="en-US" altLang="ko-KR" dirty="0"/>
               <a:t>)</a:t>
             </a:r>
             <a:endParaRPr lang="ko-KR" altLang="en-US" dirty="0"/>
@@ -4418,23 +4408,15 @@
           <a:p>
             <a:pPr algn="ctr"/>
             <a:r>
-              <a:rPr lang="en-US" altLang="ko-KR" dirty="0" err="1" smtClean="0"/>
-              <a:t>guide.php</a:t>
-            </a:r>
-            <a:endParaRPr lang="en-US" altLang="ko-KR" dirty="0" smtClean="0"/>
-          </a:p>
-          <a:p>
-            <a:pPr algn="ctr"/>
-            <a:r>
-              <a:rPr lang="en-US" altLang="ko-KR" dirty="0" smtClean="0"/>
-              <a:t>(</a:t>
-            </a:r>
-            <a:r>
-              <a:rPr lang="ko-KR" altLang="en-US" dirty="0" smtClean="0"/>
+              <a:rPr lang="en-US" altLang="ko-KR" dirty="0"/>
+              <a:t>Guide.html(</a:t>
+            </a:r>
+            <a:r>
+              <a:rPr lang="ko-KR" altLang="en-US" dirty="0"/>
               <a:t>사이트소개</a:t>
             </a:r>
             <a:r>
-              <a:rPr lang="en-US" altLang="ko-KR" dirty="0" smtClean="0"/>
+              <a:rPr lang="en-US" altLang="ko-KR" dirty="0"/>
               <a:t>)</a:t>
             </a:r>
             <a:endParaRPr lang="ko-KR" altLang="en-US" dirty="0"/>
@@ -4481,10 +4463,9 @@
           <a:p>
             <a:pPr algn="ctr"/>
             <a:r>
-              <a:rPr lang="ko-KR" altLang="en-US" dirty="0" smtClean="0"/>
+              <a:rPr lang="ko-KR" altLang="en-US" dirty="0"/>
               <a:t>구인구직</a:t>
             </a:r>
-            <a:endParaRPr lang="ko-KR" altLang="en-US" dirty="0"/>
           </a:p>
         </p:txBody>
       </p:sp>
@@ -4528,12 +4509,8 @@
           <a:p>
             <a:pPr algn="ctr"/>
             <a:r>
-              <a:rPr lang="ko-KR" altLang="en-US" dirty="0" smtClean="0"/>
-              <a:t>소</a:t>
-            </a:r>
-            <a:r>
               <a:rPr lang="ko-KR" altLang="en-US" dirty="0"/>
-              <a:t>개</a:t>
+              <a:t>소개</a:t>
             </a:r>
           </a:p>
         </p:txBody>
@@ -4578,10 +4555,9 @@
           <a:p>
             <a:pPr algn="ctr"/>
             <a:r>
-              <a:rPr lang="ko-KR" altLang="en-US" dirty="0" smtClean="0"/>
+              <a:rPr lang="ko-KR" altLang="en-US" dirty="0"/>
               <a:t>봉사정보</a:t>
             </a:r>
-            <a:endParaRPr lang="ko-KR" altLang="en-US" dirty="0"/>
           </a:p>
         </p:txBody>
       </p:sp>
@@ -4625,10 +4601,9 @@
           <a:p>
             <a:pPr algn="ctr"/>
             <a:r>
-              <a:rPr lang="ko-KR" altLang="en-US" dirty="0" smtClean="0"/>
+              <a:rPr lang="ko-KR" altLang="en-US" dirty="0"/>
               <a:t>고객센터</a:t>
             </a:r>
-            <a:endParaRPr lang="ko-KR" altLang="en-US" dirty="0"/>
           </a:p>
         </p:txBody>
       </p:sp>
@@ -4672,10 +4647,9 @@
           <a:p>
             <a:pPr algn="ctr"/>
             <a:r>
-              <a:rPr lang="ko-KR" altLang="en-US" dirty="0" smtClean="0"/>
+              <a:rPr lang="ko-KR" altLang="en-US" dirty="0"/>
               <a:t>내 정보</a:t>
             </a:r>
-            <a:endParaRPr lang="ko-KR" altLang="en-US" dirty="0"/>
           </a:p>
         </p:txBody>
       </p:sp>
@@ -4722,14 +4696,13 @@
           <a:p>
             <a:pPr algn="ctr"/>
             <a:r>
-              <a:rPr lang="ko-KR" altLang="en-US" dirty="0" err="1" smtClean="0"/>
+              <a:rPr lang="ko-KR" altLang="en-US" dirty="0" err="1"/>
               <a:t>메인화면</a:t>
             </a:r>
             <a:r>
-              <a:rPr lang="ko-KR" altLang="en-US" dirty="0" smtClean="0"/>
+              <a:rPr lang="ko-KR" altLang="en-US" dirty="0"/>
               <a:t> 구성</a:t>
             </a:r>
-            <a:endParaRPr lang="ko-KR" altLang="en-US" dirty="0"/>
           </a:p>
         </p:txBody>
       </p:sp>
@@ -4741,8 +4714,8 @@
         </p:nvSpPr>
         <p:spPr>
           <a:xfrm>
-            <a:off x="4214810" y="3357562"/>
-            <a:ext cx="1143008" cy="1000132"/>
+            <a:off x="4067266" y="3357562"/>
+            <a:ext cx="1438031" cy="1000132"/>
           </a:xfrm>
           <a:prstGeom prst="rect">
             <a:avLst/>
@@ -4770,8 +4743,23 @@
           <a:p>
             <a:pPr algn="ctr"/>
             <a:r>
-              <a:rPr lang="ko-KR" altLang="en-US" dirty="0" smtClean="0"/>
+              <a:rPr lang="en-US" altLang="ko-KR" dirty="0"/>
+              <a:t>Vinfor.html</a:t>
+            </a:r>
+          </a:p>
+          <a:p>
+            <a:pPr algn="ctr"/>
+            <a:r>
+              <a:rPr lang="en-US" altLang="ko-KR" dirty="0"/>
+              <a:t>(</a:t>
+            </a:r>
+            <a:r>
+              <a:rPr lang="ko-KR" altLang="en-US" dirty="0"/>
               <a:t>사이트 이용현황</a:t>
+            </a:r>
+            <a:r>
+              <a:rPr lang="en-US" altLang="ko-KR" dirty="0"/>
+              <a:t>)</a:t>
             </a:r>
             <a:endParaRPr lang="ko-KR" altLang="en-US" dirty="0"/>
           </a:p>
@@ -4814,10 +4802,16 @@
           <a:p>
             <a:pPr algn="ctr"/>
             <a:r>
-              <a:rPr lang="ko-KR" altLang="en-US" dirty="0" smtClean="0"/>
+              <a:rPr lang="en-US" altLang="ko-KR" dirty="0"/>
+              <a:t>Service.html</a:t>
+            </a:r>
+          </a:p>
+          <a:p>
+            <a:pPr algn="ctr"/>
+            <a:r>
+              <a:rPr lang="ko-KR" altLang="en-US" dirty="0"/>
               <a:t>게시판</a:t>
             </a:r>
-            <a:endParaRPr lang="ko-KR" altLang="en-US" dirty="0"/>
           </a:p>
         </p:txBody>
       </p:sp>
@@ -4829,8 +4823,8 @@
         </p:nvSpPr>
         <p:spPr>
           <a:xfrm>
-            <a:off x="7500958" y="3429000"/>
-            <a:ext cx="1214446" cy="285752"/>
+            <a:off x="7277373" y="3249974"/>
+            <a:ext cx="1438031" cy="464778"/>
           </a:xfrm>
           <a:prstGeom prst="rect">
             <a:avLst/>
@@ -4858,8 +4852,23 @@
           <a:p>
             <a:pPr algn="ctr"/>
             <a:r>
-              <a:rPr lang="ko-KR" altLang="en-US" sz="1200" smtClean="0"/>
+              <a:rPr lang="en-US" altLang="ko-KR" sz="1200" dirty="0"/>
+              <a:t>Informod.html</a:t>
+            </a:r>
+          </a:p>
+          <a:p>
+            <a:pPr algn="ctr"/>
+            <a:r>
+              <a:rPr lang="en-US" altLang="ko-KR" sz="1200" dirty="0"/>
+              <a:t>(</a:t>
+            </a:r>
+            <a:r>
+              <a:rPr lang="ko-KR" altLang="en-US" sz="1200" dirty="0"/>
               <a:t>회원정보 수정</a:t>
+            </a:r>
+            <a:r>
+              <a:rPr lang="en-US" altLang="ko-KR" sz="1200" dirty="0"/>
+              <a:t>)</a:t>
             </a:r>
             <a:endParaRPr lang="ko-KR" altLang="en-US" sz="1200" dirty="0"/>
           </a:p>
@@ -4873,8 +4882,8 @@
         </p:nvSpPr>
         <p:spPr>
           <a:xfrm>
-            <a:off x="7500958" y="4000504"/>
-            <a:ext cx="1214446" cy="285752"/>
+            <a:off x="7248769" y="3859155"/>
+            <a:ext cx="1438031" cy="646330"/>
           </a:xfrm>
           <a:prstGeom prst="rect">
             <a:avLst/>
@@ -4902,10 +4911,16 @@
           <a:p>
             <a:pPr algn="ctr"/>
             <a:r>
-              <a:rPr lang="ko-KR" altLang="en-US" sz="1200" dirty="0" smtClean="0"/>
+              <a:rPr lang="en-US" altLang="ko-KR" sz="1200" dirty="0"/>
+              <a:t>Vollookup.html</a:t>
+            </a:r>
+          </a:p>
+          <a:p>
+            <a:pPr algn="ctr"/>
+            <a:r>
+              <a:rPr lang="ko-KR" altLang="en-US" sz="1200" dirty="0"/>
               <a:t>봉사 활동 조회</a:t>
             </a:r>
-            <a:endParaRPr lang="ko-KR" altLang="en-US" sz="1200" dirty="0"/>
           </a:p>
         </p:txBody>
       </p:sp>
@@ -4954,7 +4969,7 @@
           <a:p>
             <a:pPr algn="ctr"/>
             <a:r>
-              <a:rPr lang="ko-KR" altLang="en-US" sz="1400" dirty="0" smtClean="0">
+              <a:rPr lang="ko-KR" altLang="en-US" sz="1400" dirty="0">
                 <a:solidFill>
                   <a:schemeClr val="bg1"/>
                 </a:solidFill>
@@ -4962,7 +4977,7 @@
               <a:t>구인구직</a:t>
             </a:r>
             <a:r>
-              <a:rPr lang="en-US" altLang="ko-KR" sz="1400" dirty="0" smtClean="0">
+              <a:rPr lang="en-US" altLang="ko-KR" sz="1400" dirty="0">
                 <a:solidFill>
                   <a:schemeClr val="bg1"/>
                 </a:solidFill>
@@ -5000,36 +5015,35 @@
           <a:lstStyle/>
           <a:p>
             <a:r>
-              <a:rPr lang="en-US" altLang="ko-KR" sz="1200" dirty="0" smtClean="0"/>
+              <a:rPr lang="en-US" altLang="ko-KR" sz="1200" dirty="0"/>
               <a:t>0.</a:t>
             </a:r>
             <a:r>
-              <a:rPr lang="ko-KR" altLang="en-US" sz="1200" dirty="0" smtClean="0"/>
+              <a:rPr lang="ko-KR" altLang="en-US" sz="1200" dirty="0"/>
               <a:t>봉사 받는 위치</a:t>
             </a:r>
-            <a:endParaRPr lang="en-US" altLang="ko-KR" sz="1200" dirty="0" smtClean="0"/>
-          </a:p>
-          <a:p>
-            <a:r>
-              <a:rPr lang="en-US" altLang="ko-KR" sz="1200" dirty="0" smtClean="0"/>
+            <a:endParaRPr lang="en-US" altLang="ko-KR" sz="1200" dirty="0"/>
+          </a:p>
+          <a:p>
+            <a:r>
+              <a:rPr lang="en-US" altLang="ko-KR" sz="1200" dirty="0"/>
               <a:t>1.</a:t>
             </a:r>
             <a:r>
-              <a:rPr lang="ko-KR" altLang="en-US" sz="1200" dirty="0" smtClean="0"/>
+              <a:rPr lang="ko-KR" altLang="en-US" sz="1200" dirty="0"/>
               <a:t>시간</a:t>
             </a:r>
-            <a:endParaRPr lang="en-US" altLang="ko-KR" sz="1200" dirty="0" smtClean="0"/>
-          </a:p>
-          <a:p>
-            <a:r>
-              <a:rPr lang="en-US" altLang="ko-KR" sz="1200" dirty="0" smtClean="0"/>
+            <a:endParaRPr lang="en-US" altLang="ko-KR" sz="1200" dirty="0"/>
+          </a:p>
+          <a:p>
+            <a:r>
+              <a:rPr lang="en-US" altLang="ko-KR" sz="1200" dirty="0"/>
               <a:t>2.</a:t>
             </a:r>
             <a:r>
-              <a:rPr lang="ko-KR" altLang="en-US" sz="1200" dirty="0" smtClean="0"/>
+              <a:rPr lang="ko-KR" altLang="en-US" sz="1200" dirty="0"/>
               <a:t>봉사 내용</a:t>
             </a:r>
-            <a:endParaRPr lang="ko-KR" altLang="en-US" sz="1200" dirty="0"/>
           </a:p>
         </p:txBody>
       </p:sp>
@@ -5073,7 +5087,7 @@
           <a:p>
             <a:pPr algn="ctr"/>
             <a:r>
-              <a:rPr lang="ko-KR" altLang="en-US" sz="1000" smtClean="0"/>
+              <a:rPr lang="ko-KR" altLang="en-US" sz="1000"/>
               <a:t>로그아웃</a:t>
             </a:r>
             <a:endParaRPr lang="ko-KR" altLang="en-US" sz="1000" dirty="0"/>
@@ -5142,10 +5156,9 @@
           <a:p>
             <a:pPr algn="ctr"/>
             <a:r>
-              <a:rPr lang="ko-KR" altLang="en-US" dirty="0" smtClean="0"/>
+              <a:rPr lang="ko-KR" altLang="en-US" dirty="0"/>
               <a:t>사용자</a:t>
             </a:r>
-            <a:endParaRPr lang="ko-KR" altLang="en-US" dirty="0"/>
           </a:p>
         </p:txBody>
       </p:sp>
@@ -5222,31 +5235,22 @@
           <a:p>
             <a:pPr algn="ctr"/>
             <a:r>
-              <a:rPr lang="ko-KR" altLang="en-US" dirty="0" smtClean="0"/>
+              <a:rPr lang="en-US" altLang="ko-KR" dirty="0"/>
+              <a:t>User.html</a:t>
+            </a:r>
+          </a:p>
+          <a:p>
+            <a:pPr algn="ctr"/>
+            <a:r>
+              <a:rPr lang="en-US" altLang="ko-KR" dirty="0"/>
+              <a:t>(</a:t>
+            </a:r>
+            <a:r>
+              <a:rPr lang="ko-KR" altLang="en-US" dirty="0"/>
               <a:t>구인</a:t>
             </a:r>
             <a:r>
-              <a:rPr lang="en-US" altLang="ko-KR" dirty="0" smtClean="0"/>
-              <a:t>.</a:t>
-            </a:r>
-            <a:r>
-              <a:rPr lang="en-US" altLang="ko-KR" dirty="0" err="1" smtClean="0"/>
-              <a:t>php</a:t>
-            </a:r>
-            <a:endParaRPr lang="en-US" altLang="ko-KR" dirty="0" smtClean="0"/>
-          </a:p>
-          <a:p>
-            <a:pPr algn="ctr"/>
-            <a:r>
-              <a:rPr lang="en-US" altLang="ko-KR" dirty="0" smtClean="0"/>
-              <a:t>(</a:t>
-            </a:r>
-            <a:r>
-              <a:rPr lang="ko-KR" altLang="en-US" dirty="0" smtClean="0"/>
-              <a:t>구인</a:t>
-            </a:r>
-            <a:r>
-              <a:rPr lang="en-US" altLang="ko-KR" dirty="0" smtClean="0"/>
+              <a:rPr lang="en-US" altLang="ko-KR" dirty="0"/>
               <a:t>)</a:t>
             </a:r>
             <a:endParaRPr lang="ko-KR" altLang="en-US" dirty="0"/>
@@ -5290,10 +5294,9 @@
           <a:p>
             <a:pPr algn="ctr"/>
             <a:r>
-              <a:rPr lang="ko-KR" altLang="en-US" dirty="0" smtClean="0"/>
+              <a:rPr lang="ko-KR" altLang="en-US" dirty="0"/>
               <a:t>봉사자</a:t>
             </a:r>
-            <a:endParaRPr lang="ko-KR" altLang="en-US" dirty="0"/>
           </a:p>
         </p:txBody>
       </p:sp>
@@ -5334,31 +5337,22 @@
           <a:p>
             <a:pPr algn="ctr"/>
             <a:r>
-              <a:rPr lang="ko-KR" altLang="en-US" dirty="0" smtClean="0"/>
+              <a:rPr lang="en-US" altLang="ko-KR" dirty="0"/>
+              <a:t>Vol.html</a:t>
+            </a:r>
+          </a:p>
+          <a:p>
+            <a:pPr algn="ctr"/>
+            <a:r>
+              <a:rPr lang="en-US" altLang="ko-KR" dirty="0"/>
+              <a:t>(</a:t>
+            </a:r>
+            <a:r>
+              <a:rPr lang="ko-KR" altLang="en-US" dirty="0"/>
               <a:t>구직</a:t>
             </a:r>
             <a:r>
-              <a:rPr lang="en-US" altLang="ko-KR" dirty="0" smtClean="0"/>
-              <a:t>.</a:t>
-            </a:r>
-            <a:r>
-              <a:rPr lang="en-US" altLang="ko-KR" dirty="0" err="1" smtClean="0"/>
-              <a:t>php</a:t>
-            </a:r>
-            <a:endParaRPr lang="en-US" altLang="ko-KR" dirty="0" smtClean="0"/>
-          </a:p>
-          <a:p>
-            <a:pPr algn="ctr"/>
-            <a:r>
-              <a:rPr lang="en-US" altLang="ko-KR" dirty="0" smtClean="0"/>
-              <a:t>(</a:t>
-            </a:r>
-            <a:r>
-              <a:rPr lang="ko-KR" altLang="en-US" dirty="0" smtClean="0"/>
-              <a:t>구직</a:t>
-            </a:r>
-            <a:r>
-              <a:rPr lang="en-US" altLang="ko-KR" dirty="0" smtClean="0"/>
+              <a:rPr lang="en-US" altLang="ko-KR" dirty="0"/>
               <a:t>)</a:t>
             </a:r>
             <a:endParaRPr lang="ko-KR" altLang="en-US" dirty="0"/>
@@ -5441,10 +5435,9 @@
           <a:p>
             <a:pPr algn="ctr"/>
             <a:r>
-              <a:rPr lang="ko-KR" altLang="en-US" dirty="0" smtClean="0"/>
+              <a:rPr lang="ko-KR" altLang="en-US" dirty="0"/>
               <a:t>구인구직</a:t>
             </a:r>
-            <a:endParaRPr lang="ko-KR" altLang="en-US" dirty="0"/>
           </a:p>
         </p:txBody>
       </p:sp>
@@ -5557,31 +5550,31 @@
           <a:p>
             <a:pPr algn="ctr"/>
             <a:r>
-              <a:rPr lang="en-US" altLang="ko-KR" dirty="0" err="1" smtClean="0"/>
+              <a:rPr lang="en-US" altLang="ko-KR" dirty="0" err="1"/>
               <a:t>Cm.Php</a:t>
             </a:r>
-            <a:endParaRPr lang="en-US" altLang="ko-KR" dirty="0" smtClean="0"/>
+            <a:endParaRPr lang="en-US" altLang="ko-KR" dirty="0"/>
           </a:p>
           <a:p>
             <a:pPr algn="ctr"/>
             <a:r>
-              <a:rPr lang="en-US" altLang="ko-KR" dirty="0" smtClean="0"/>
+              <a:rPr lang="en-US" altLang="ko-KR" dirty="0"/>
               <a:t>(</a:t>
             </a:r>
             <a:r>
-              <a:rPr lang="ko-KR" altLang="en-US" dirty="0" err="1" smtClean="0"/>
+              <a:rPr lang="ko-KR" altLang="en-US" dirty="0" err="1"/>
               <a:t>대화창</a:t>
             </a:r>
             <a:r>
-              <a:rPr lang="en-US" altLang="ko-KR" dirty="0" smtClean="0"/>
+              <a:rPr lang="en-US" altLang="ko-KR" dirty="0"/>
               <a:t>{</a:t>
             </a:r>
             <a:r>
-              <a:rPr lang="ko-KR" altLang="en-US" dirty="0" smtClean="0"/>
+              <a:rPr lang="ko-KR" altLang="en-US" dirty="0"/>
               <a:t>보류</a:t>
             </a:r>
             <a:r>
-              <a:rPr lang="en-US" altLang="ko-KR" dirty="0" smtClean="0"/>
+              <a:rPr lang="en-US" altLang="ko-KR" dirty="0"/>
               <a:t>})</a:t>
             </a:r>
             <a:endParaRPr lang="ko-KR" altLang="en-US" dirty="0"/>
@@ -5625,22 +5618,22 @@
           <a:p>
             <a:pPr algn="ctr"/>
             <a:r>
-              <a:rPr lang="en-US" altLang="ko-KR" dirty="0" smtClean="0"/>
+              <a:rPr lang="en-US" altLang="ko-KR" dirty="0"/>
               <a:t>Umat.php</a:t>
             </a:r>
           </a:p>
           <a:p>
             <a:pPr algn="ctr"/>
             <a:r>
-              <a:rPr lang="en-US" altLang="ko-KR" dirty="0" smtClean="0"/>
+              <a:rPr lang="en-US" altLang="ko-KR" dirty="0"/>
               <a:t>(</a:t>
             </a:r>
             <a:r>
-              <a:rPr lang="ko-KR" altLang="en-US" dirty="0" err="1" smtClean="0"/>
+              <a:rPr lang="ko-KR" altLang="en-US" dirty="0" err="1"/>
               <a:t>매칭</a:t>
             </a:r>
             <a:r>
-              <a:rPr lang="en-US" altLang="ko-KR" dirty="0" smtClean="0"/>
+              <a:rPr lang="en-US" altLang="ko-KR" dirty="0"/>
               <a:t>)</a:t>
             </a:r>
             <a:endParaRPr lang="ko-KR" altLang="en-US" dirty="0"/>
@@ -5687,22 +5680,22 @@
           <a:p>
             <a:pPr algn="ctr"/>
             <a:r>
-              <a:rPr lang="en-US" altLang="ko-KR" dirty="0" smtClean="0"/>
+              <a:rPr lang="en-US" altLang="ko-KR" dirty="0"/>
               <a:t>Start</a:t>
             </a:r>
             <a:br>
-              <a:rPr lang="en-US" altLang="ko-KR" dirty="0" smtClean="0"/>
+              <a:rPr lang="en-US" altLang="ko-KR" dirty="0"/>
             </a:br>
             <a:r>
-              <a:rPr lang="en-US" altLang="ko-KR" dirty="0" smtClean="0"/>
+              <a:rPr lang="en-US" altLang="ko-KR" dirty="0"/>
               <a:t>(</a:t>
             </a:r>
             <a:r>
-              <a:rPr lang="ko-KR" altLang="en-US" dirty="0" smtClean="0"/>
+              <a:rPr lang="ko-KR" altLang="en-US" dirty="0"/>
               <a:t>봉사시작</a:t>
             </a:r>
             <a:r>
-              <a:rPr lang="en-US" altLang="ko-KR" dirty="0" smtClean="0"/>
+              <a:rPr lang="en-US" altLang="ko-KR" dirty="0"/>
               <a:t>)</a:t>
             </a:r>
             <a:endParaRPr lang="ko-KR" altLang="en-US" dirty="0"/>
@@ -5749,22 +5742,22 @@
           <a:p>
             <a:pPr algn="ctr"/>
             <a:r>
-              <a:rPr lang="en-US" altLang="ko-KR" dirty="0" smtClean="0"/>
+              <a:rPr lang="en-US" altLang="ko-KR" dirty="0"/>
               <a:t>end</a:t>
             </a:r>
             <a:br>
-              <a:rPr lang="en-US" altLang="ko-KR" dirty="0" smtClean="0"/>
+              <a:rPr lang="en-US" altLang="ko-KR" dirty="0"/>
             </a:br>
             <a:r>
-              <a:rPr lang="en-US" altLang="ko-KR" dirty="0" smtClean="0"/>
+              <a:rPr lang="en-US" altLang="ko-KR" dirty="0"/>
               <a:t>(</a:t>
             </a:r>
             <a:r>
-              <a:rPr lang="ko-KR" altLang="en-US" dirty="0" smtClean="0"/>
+              <a:rPr lang="ko-KR" altLang="en-US" dirty="0"/>
               <a:t>봉사완료</a:t>
             </a:r>
             <a:r>
-              <a:rPr lang="en-US" altLang="ko-KR" dirty="0" smtClean="0"/>
+              <a:rPr lang="en-US" altLang="ko-KR" dirty="0"/>
               <a:t>)</a:t>
             </a:r>
             <a:endParaRPr lang="ko-KR" altLang="en-US" dirty="0"/>
@@ -5877,30 +5870,29 @@
           <a:lstStyle/>
           <a:p>
             <a:r>
-              <a:rPr lang="ko-KR" altLang="en-US" dirty="0" err="1" smtClean="0"/>
+              <a:rPr lang="ko-KR" altLang="en-US" dirty="0" err="1"/>
               <a:t>봉사시작후</a:t>
             </a:r>
             <a:r>
-              <a:rPr lang="ko-KR" altLang="en-US" dirty="0" smtClean="0"/>
+              <a:rPr lang="ko-KR" altLang="en-US" dirty="0"/>
               <a:t> 종료버튼 </a:t>
             </a:r>
             <a:r>
-              <a:rPr lang="ko-KR" altLang="en-US" dirty="0" err="1" smtClean="0"/>
+              <a:rPr lang="ko-KR" altLang="en-US" dirty="0" err="1"/>
               <a:t>입력없을시</a:t>
             </a:r>
             <a:r>
-              <a:rPr lang="ko-KR" altLang="en-US" dirty="0" smtClean="0"/>
+              <a:rPr lang="ko-KR" altLang="en-US" dirty="0"/>
               <a:t> 관리자</a:t>
             </a:r>
             <a:r>
-              <a:rPr lang="en-US" altLang="ko-KR" dirty="0" smtClean="0"/>
+              <a:rPr lang="en-US" altLang="ko-KR" dirty="0"/>
               <a:t> </a:t>
             </a:r>
             <a:r>
-              <a:rPr lang="ko-KR" altLang="en-US" dirty="0" smtClean="0"/>
+              <a:rPr lang="ko-KR" altLang="en-US" dirty="0"/>
               <a:t>에게 연락</a:t>
             </a:r>
-            <a:endParaRPr lang="ko-KR" altLang="en-US" dirty="0"/>
           </a:p>
         </p:txBody>
       </p:sp>
@@ -5927,19 +5919,19 @@
           <a:lstStyle/>
           <a:p>
             <a:r>
-              <a:rPr lang="ko-KR" altLang="en-US" dirty="0" smtClean="0"/>
+              <a:rPr lang="ko-KR" altLang="en-US" dirty="0"/>
               <a:t>구직자 가 사용자에 대한 정보에 대한 작성한 </a:t>
             </a:r>
             <a:r>
-              <a:rPr lang="ko-KR" altLang="en-US" dirty="0" err="1" smtClean="0"/>
+              <a:rPr lang="ko-KR" altLang="en-US" dirty="0" err="1"/>
               <a:t>리뷰볼를</a:t>
             </a:r>
             <a:r>
-              <a:rPr lang="ko-KR" altLang="en-US" dirty="0" smtClean="0"/>
+              <a:rPr lang="ko-KR" altLang="en-US" dirty="0"/>
               <a:t> 수 있음</a:t>
             </a:r>
             <a:r>
-              <a:rPr lang="en-US" altLang="ko-KR" dirty="0" smtClean="0"/>
+              <a:rPr lang="en-US" altLang="ko-KR" dirty="0"/>
               <a:t>.</a:t>
             </a:r>
             <a:endParaRPr lang="ko-KR" altLang="en-US" dirty="0"/>
@@ -5986,12 +5978,8 @@
           <a:p>
             <a:pPr algn="ctr"/>
             <a:r>
-              <a:rPr lang="ko-KR" altLang="en-US" dirty="0" err="1" smtClean="0"/>
-              <a:t>매</a:t>
-            </a:r>
-            <a:r>
               <a:rPr lang="ko-KR" altLang="en-US" dirty="0" err="1"/>
-              <a:t>칭</a:t>
+              <a:t>매칭</a:t>
             </a:r>
             <a:endParaRPr lang="ko-KR" altLang="en-US" dirty="0"/>
           </a:p>
@@ -6042,7 +6030,7 @@
           <a:p>
             <a:pPr algn="ctr"/>
             <a:r>
-              <a:rPr lang="ko-KR" altLang="en-US" sz="1400" dirty="0" smtClean="0">
+              <a:rPr lang="ko-KR" altLang="en-US" sz="1400" dirty="0">
                 <a:solidFill>
                   <a:schemeClr val="bg1"/>
                 </a:solidFill>
@@ -6050,7 +6038,7 @@
               <a:t>구인</a:t>
             </a:r>
             <a:r>
-              <a:rPr lang="en-US" altLang="ko-KR" sz="1400" dirty="0" smtClean="0">
+              <a:rPr lang="en-US" altLang="ko-KR" sz="1400" dirty="0">
                 <a:solidFill>
                   <a:schemeClr val="bg1"/>
                 </a:solidFill>
@@ -6110,23 +6098,15 @@
           <a:p>
             <a:pPr algn="ctr"/>
             <a:r>
-              <a:rPr lang="ko-KR" altLang="en-US" sz="1400" smtClean="0">
-                <a:solidFill>
-                  <a:schemeClr val="bg1"/>
-                </a:solidFill>
-              </a:rPr>
-              <a:t>구</a:t>
-            </a:r>
-            <a:r>
               <a:rPr lang="ko-KR" altLang="en-US" sz="1400">
                 <a:solidFill>
                   <a:schemeClr val="bg1"/>
                 </a:solidFill>
               </a:rPr>
-              <a:t>직</a:t>
-            </a:r>
-            <a:r>
-              <a:rPr lang="en-US" altLang="ko-KR" sz="1400" dirty="0" smtClean="0">
+              <a:t>구직</a:t>
+            </a:r>
+            <a:r>
+              <a:rPr lang="en-US" altLang="ko-KR" sz="1400" dirty="0">
                 <a:solidFill>
                   <a:schemeClr val="bg1"/>
                 </a:solidFill>
@@ -6178,26 +6158,22 @@
           <a:p>
             <a:pPr algn="ctr"/>
             <a:r>
-              <a:rPr lang="en-US" altLang="ko-KR" dirty="0" smtClean="0"/>
+              <a:rPr lang="en-US" altLang="ko-KR" dirty="0"/>
               <a:t>Vmat.php</a:t>
             </a:r>
           </a:p>
           <a:p>
             <a:pPr algn="ctr"/>
             <a:r>
-              <a:rPr lang="en-US" altLang="ko-KR" dirty="0" smtClean="0"/>
+              <a:rPr lang="en-US" altLang="ko-KR" dirty="0"/>
               <a:t>(</a:t>
             </a:r>
             <a:r>
-              <a:rPr lang="ko-KR" altLang="en-US" dirty="0" err="1" smtClean="0"/>
-              <a:t>매</a:t>
-            </a:r>
-            <a:r>
               <a:rPr lang="ko-KR" altLang="en-US" dirty="0" err="1"/>
-              <a:t>칭</a:t>
-            </a:r>
-            <a:r>
-              <a:rPr lang="en-US" altLang="ko-KR" dirty="0" smtClean="0"/>
+              <a:t>매칭</a:t>
+            </a:r>
+            <a:r>
+              <a:rPr lang="en-US" altLang="ko-KR" dirty="0"/>
               <a:t>)</a:t>
             </a:r>
             <a:endParaRPr lang="ko-KR" altLang="en-US" dirty="0"/>
@@ -6299,47 +6275,46 @@
           <a:lstStyle/>
           <a:p>
             <a:r>
-              <a:rPr lang="en-US" altLang="ko-KR" sz="1200" dirty="0" smtClean="0"/>
+              <a:rPr lang="en-US" altLang="ko-KR" sz="1200" dirty="0"/>
               <a:t>0.</a:t>
             </a:r>
             <a:r>
-              <a:rPr lang="ko-KR" altLang="en-US" sz="1200" dirty="0" smtClean="0"/>
+              <a:rPr lang="ko-KR" altLang="en-US" sz="1200" dirty="0"/>
               <a:t>봉사 받는 위치</a:t>
             </a:r>
-            <a:endParaRPr lang="en-US" altLang="ko-KR" sz="1200" dirty="0" smtClean="0"/>
-          </a:p>
-          <a:p>
-            <a:r>
-              <a:rPr lang="en-US" altLang="ko-KR" sz="1200" dirty="0" smtClean="0"/>
+            <a:endParaRPr lang="en-US" altLang="ko-KR" sz="1200" dirty="0"/>
+          </a:p>
+          <a:p>
+            <a:r>
+              <a:rPr lang="en-US" altLang="ko-KR" sz="1200" dirty="0"/>
               <a:t>1.</a:t>
             </a:r>
             <a:r>
-              <a:rPr lang="ko-KR" altLang="en-US" sz="1200" dirty="0" smtClean="0"/>
+              <a:rPr lang="ko-KR" altLang="en-US" sz="1200" dirty="0"/>
               <a:t>시간</a:t>
             </a:r>
-            <a:endParaRPr lang="en-US" altLang="ko-KR" sz="1200" dirty="0" smtClean="0"/>
-          </a:p>
-          <a:p>
-            <a:r>
-              <a:rPr lang="en-US" altLang="ko-KR" sz="1200" dirty="0" smtClean="0"/>
+            <a:endParaRPr lang="en-US" altLang="ko-KR" sz="1200" dirty="0"/>
+          </a:p>
+          <a:p>
+            <a:r>
+              <a:rPr lang="en-US" altLang="ko-KR" sz="1200" dirty="0"/>
               <a:t>2.</a:t>
             </a:r>
             <a:r>
-              <a:rPr lang="ko-KR" altLang="en-US" sz="1200" dirty="0" smtClean="0"/>
+              <a:rPr lang="ko-KR" altLang="en-US" sz="1200" dirty="0"/>
               <a:t>봉사 내용</a:t>
             </a:r>
-            <a:endParaRPr lang="en-US" altLang="ko-KR" sz="1200" dirty="0" smtClean="0"/>
-          </a:p>
-          <a:p>
-            <a:r>
-              <a:rPr lang="en-US" altLang="ko-KR" sz="1200" dirty="0" smtClean="0"/>
+            <a:endParaRPr lang="en-US" altLang="ko-KR" sz="1200" dirty="0"/>
+          </a:p>
+          <a:p>
+            <a:r>
+              <a:rPr lang="en-US" altLang="ko-KR" sz="1200" dirty="0"/>
               <a:t>3.</a:t>
             </a:r>
             <a:r>
-              <a:rPr lang="ko-KR" altLang="en-US" sz="1200" dirty="0" smtClean="0"/>
+              <a:rPr lang="ko-KR" altLang="en-US" sz="1200" dirty="0"/>
               <a:t>구인자 정보</a:t>
             </a:r>
-            <a:endParaRPr lang="ko-KR" altLang="en-US" sz="1200" dirty="0"/>
           </a:p>
         </p:txBody>
       </p:sp>
@@ -6366,29 +6341,24 @@
           <a:lstStyle/>
           <a:p>
             <a:r>
-              <a:rPr lang="en-US" altLang="ko-KR" sz="1200" dirty="0" smtClean="0"/>
+              <a:rPr lang="en-US" altLang="ko-KR" sz="1200" dirty="0"/>
               <a:t>0.</a:t>
             </a:r>
             <a:r>
-              <a:rPr lang="ko-KR" altLang="en-US" sz="1200" dirty="0" smtClean="0"/>
+              <a:rPr lang="ko-KR" altLang="en-US" sz="1200" dirty="0"/>
               <a:t>구직자 정보</a:t>
             </a:r>
-            <a:endParaRPr lang="en-US" altLang="ko-KR" sz="1200" dirty="0" smtClean="0"/>
+            <a:endParaRPr lang="en-US" altLang="ko-KR" sz="1200" dirty="0"/>
           </a:p>
           <a:p>
             <a:r>
               <a:rPr lang="en-US" altLang="ko-KR" sz="1200" dirty="0"/>
-              <a:t>1</a:t>
-            </a:r>
-            <a:r>
-              <a:rPr lang="en-US" altLang="ko-KR" sz="1200" dirty="0" smtClean="0"/>
-              <a:t>.</a:t>
-            </a:r>
-            <a:r>
-              <a:rPr lang="ko-KR" altLang="en-US" sz="1200" dirty="0" smtClean="0"/>
+              <a:t>1.</a:t>
+            </a:r>
+            <a:r>
+              <a:rPr lang="ko-KR" altLang="en-US" sz="1200" dirty="0"/>
               <a:t>평점</a:t>
             </a:r>
-            <a:endParaRPr lang="ko-KR" altLang="en-US" sz="1200" dirty="0"/>
           </a:p>
         </p:txBody>
       </p:sp>
@@ -6432,10 +6402,9 @@
           <a:p>
             <a:pPr algn="ctr"/>
             <a:r>
-              <a:rPr lang="ko-KR" altLang="en-US" dirty="0" smtClean="0"/>
+              <a:rPr lang="ko-KR" altLang="en-US" dirty="0"/>
               <a:t>평가</a:t>
             </a:r>
-            <a:endParaRPr lang="ko-KR" altLang="en-US" dirty="0"/>
           </a:p>
         </p:txBody>
       </p:sp>

--- a/헬핑프로그램구조.pptx
+++ b/헬핑프로그램구조.pptx
@@ -7,7 +7,8 @@
   <p:sldIdLst>
     <p:sldId id="258" r:id="rId2"/>
     <p:sldId id="261" r:id="rId3"/>
-    <p:sldId id="259" r:id="rId4"/>
+    <p:sldId id="262" r:id="rId4"/>
+    <p:sldId id="259" r:id="rId5"/>
   </p:sldIdLst>
   <p:sldSz cx="9144000" cy="6858000" type="screen4x3"/>
   <p:notesSz cx="6858000" cy="9144000"/>
@@ -344,7 +345,7 @@
           <a:p>
             <a:fld id="{0D680827-631F-407F-8BE5-8CFC10F3550E}" type="datetimeFigureOut">
               <a:rPr lang="ko-KR" altLang="en-US" smtClean="0"/>
-              <a:t>2021-04-12</a:t>
+              <a:t>2021-04-26</a:t>
             </a:fld>
             <a:endParaRPr lang="ko-KR" altLang="en-US"/>
           </a:p>
@@ -531,7 +532,7 @@
           <a:p>
             <a:fld id="{0D680827-631F-407F-8BE5-8CFC10F3550E}" type="datetimeFigureOut">
               <a:rPr lang="ko-KR" altLang="en-US" smtClean="0"/>
-              <a:t>2021-04-12</a:t>
+              <a:t>2021-04-26</a:t>
             </a:fld>
             <a:endParaRPr lang="ko-KR" altLang="en-US"/>
           </a:p>
@@ -706,7 +707,7 @@
           <a:p>
             <a:fld id="{0D680827-631F-407F-8BE5-8CFC10F3550E}" type="datetimeFigureOut">
               <a:rPr lang="ko-KR" altLang="en-US" smtClean="0"/>
-              <a:t>2021-04-12</a:t>
+              <a:t>2021-04-26</a:t>
             </a:fld>
             <a:endParaRPr lang="ko-KR" altLang="en-US"/>
           </a:p>
@@ -886,7 +887,7 @@
           <a:p>
             <a:fld id="{0D680827-631F-407F-8BE5-8CFC10F3550E}" type="datetimeFigureOut">
               <a:rPr lang="ko-KR" altLang="en-US" smtClean="0"/>
-              <a:t>2021-04-12</a:t>
+              <a:t>2021-04-26</a:t>
             </a:fld>
             <a:endParaRPr lang="ko-KR" altLang="en-US"/>
           </a:p>
@@ -1133,7 +1134,7 @@
           <a:p>
             <a:fld id="{0D680827-631F-407F-8BE5-8CFC10F3550E}" type="datetimeFigureOut">
               <a:rPr lang="ko-KR" altLang="en-US" smtClean="0"/>
-              <a:t>2021-04-12</a:t>
+              <a:t>2021-04-26</a:t>
             </a:fld>
             <a:endParaRPr lang="ko-KR" altLang="en-US"/>
           </a:p>
@@ -1607,7 +1608,7 @@
           <a:p>
             <a:fld id="{0D680827-631F-407F-8BE5-8CFC10F3550E}" type="datetimeFigureOut">
               <a:rPr lang="ko-KR" altLang="en-US" smtClean="0"/>
-              <a:t>2021-04-12</a:t>
+              <a:t>2021-04-26</a:t>
             </a:fld>
             <a:endParaRPr lang="ko-KR" altLang="en-US"/>
           </a:p>
@@ -2022,7 +2023,7 @@
           <a:p>
             <a:fld id="{0D680827-631F-407F-8BE5-8CFC10F3550E}" type="datetimeFigureOut">
               <a:rPr lang="ko-KR" altLang="en-US" smtClean="0"/>
-              <a:t>2021-04-12</a:t>
+              <a:t>2021-04-26</a:t>
             </a:fld>
             <a:endParaRPr lang="ko-KR" altLang="en-US"/>
           </a:p>
@@ -2153,7 +2154,7 @@
           <a:p>
             <a:fld id="{0D680827-631F-407F-8BE5-8CFC10F3550E}" type="datetimeFigureOut">
               <a:rPr lang="ko-KR" altLang="en-US" smtClean="0"/>
-              <a:t>2021-04-12</a:t>
+              <a:t>2021-04-26</a:t>
             </a:fld>
             <a:endParaRPr lang="ko-KR" altLang="en-US"/>
           </a:p>
@@ -2248,7 +2249,7 @@
           <a:p>
             <a:fld id="{0D680827-631F-407F-8BE5-8CFC10F3550E}" type="datetimeFigureOut">
               <a:rPr lang="ko-KR" altLang="en-US" smtClean="0"/>
-              <a:t>2021-04-12</a:t>
+              <a:t>2021-04-26</a:t>
             </a:fld>
             <a:endParaRPr lang="ko-KR" altLang="en-US"/>
           </a:p>
@@ -2526,7 +2527,7 @@
           <a:p>
             <a:fld id="{0D680827-631F-407F-8BE5-8CFC10F3550E}" type="datetimeFigureOut">
               <a:rPr lang="ko-KR" altLang="en-US" smtClean="0"/>
-              <a:t>2021-04-12</a:t>
+              <a:t>2021-04-26</a:t>
             </a:fld>
             <a:endParaRPr lang="ko-KR" altLang="en-US"/>
           </a:p>
@@ -2778,7 +2779,7 @@
           <a:p>
             <a:fld id="{0D680827-631F-407F-8BE5-8CFC10F3550E}" type="datetimeFigureOut">
               <a:rPr lang="ko-KR" altLang="en-US" smtClean="0"/>
-              <a:t>2021-04-12</a:t>
+              <a:t>2021-04-26</a:t>
             </a:fld>
             <a:endParaRPr lang="ko-KR" altLang="en-US"/>
           </a:p>
@@ -3150,7 +3151,7 @@
           <a:p>
             <a:fld id="{0D680827-631F-407F-8BE5-8CFC10F3550E}" type="datetimeFigureOut">
               <a:rPr lang="ko-KR" altLang="en-US" smtClean="0"/>
-              <a:t>2021-04-12</a:t>
+              <a:t>2021-04-26</a:t>
             </a:fld>
             <a:endParaRPr lang="ko-KR" altLang="en-US"/>
           </a:p>
@@ -4191,6 +4192,10 @@
               <a:rPr lang="ko-KR" altLang="en-US" sz="1200" dirty="0"/>
               <a:t>이름</a:t>
             </a:r>
+            <a:r>
+              <a:rPr lang="en-US" altLang="ko-KR" sz="1200" dirty="0"/>
+              <a:t/>
+            </a:r>
             <a:br>
               <a:rPr lang="en-US" altLang="ko-KR" sz="1200" dirty="0"/>
             </a:br>
@@ -4224,6 +4229,10 @@
               <a:rPr lang="ko-KR" altLang="en-US" sz="1200" dirty="0"/>
               <a:t>주민등록번호</a:t>
             </a:r>
+            <a:r>
+              <a:rPr lang="en-US" altLang="ko-KR" sz="1200" dirty="0"/>
+              <a:t/>
+            </a:r>
             <a:br>
               <a:rPr lang="en-US" altLang="ko-KR" sz="1200" dirty="0"/>
             </a:br>
@@ -4234,6 +4243,10 @@
             <a:r>
               <a:rPr lang="ko-KR" altLang="en-US" sz="1200" dirty="0"/>
               <a:t>인증</a:t>
+            </a:r>
+            <a:r>
+              <a:rPr lang="en-US" altLang="ko-KR" sz="1200" dirty="0"/>
+              <a:t/>
             </a:r>
             <a:br>
               <a:rPr lang="en-US" altLang="ko-KR" sz="1200" dirty="0"/>
@@ -4823,7 +4836,7 @@
         </p:nvSpPr>
         <p:spPr>
           <a:xfrm>
-            <a:off x="7277373" y="3249974"/>
+            <a:off x="7359917" y="3510191"/>
             <a:ext cx="1438031" cy="464778"/>
           </a:xfrm>
           <a:prstGeom prst="rect">
@@ -4852,14 +4865,14 @@
           <a:p>
             <a:pPr algn="ctr"/>
             <a:r>
-              <a:rPr lang="en-US" altLang="ko-KR" sz="1200" dirty="0"/>
+              <a:rPr lang="en-US" altLang="ko-KR" sz="1200" dirty="0" smtClean="0"/>
               <a:t>Informod.html</a:t>
             </a:r>
           </a:p>
           <a:p>
             <a:pPr algn="ctr"/>
             <a:r>
-              <a:rPr lang="en-US" altLang="ko-KR" sz="1200" dirty="0"/>
+              <a:rPr lang="en-US" altLang="ko-KR" sz="1200" dirty="0" smtClean="0"/>
               <a:t>(</a:t>
             </a:r>
             <a:r>
@@ -4882,7 +4895,7 @@
         </p:nvSpPr>
         <p:spPr>
           <a:xfrm>
-            <a:off x="7248769" y="3859155"/>
+            <a:off x="7359917" y="5229200"/>
             <a:ext cx="1438031" cy="646330"/>
           </a:xfrm>
           <a:prstGeom prst="rect">
@@ -5091,6 +5104,77 @@
               <a:t>로그아웃</a:t>
             </a:r>
             <a:endParaRPr lang="ko-KR" altLang="en-US" sz="1000" dirty="0"/>
+          </a:p>
+        </p:txBody>
+      </p:sp>
+      <p:sp>
+        <p:nvSpPr>
+          <p:cNvPr id="17" name="직사각형 16"/>
+          <p:cNvSpPr/>
+          <p:nvPr/>
+        </p:nvSpPr>
+        <p:spPr>
+          <a:xfrm>
+            <a:off x="7359917" y="4037917"/>
+            <a:ext cx="1676579" cy="464778"/>
+          </a:xfrm>
+          <a:prstGeom prst="rect">
+            <a:avLst/>
+          </a:prstGeom>
+        </p:spPr>
+        <p:style>
+          <a:lnRef idx="2">
+            <a:schemeClr val="accent1">
+              <a:shade val="50000"/>
+            </a:schemeClr>
+          </a:lnRef>
+          <a:fillRef idx="1">
+            <a:schemeClr val="accent1"/>
+          </a:fillRef>
+          <a:effectRef idx="0">
+            <a:schemeClr val="accent1"/>
+          </a:effectRef>
+          <a:fontRef idx="minor">
+            <a:schemeClr val="lt1"/>
+          </a:fontRef>
+        </p:style>
+        <p:txBody>
+          <a:bodyPr rtlCol="0" anchor="ctr"/>
+          <a:lstStyle/>
+          <a:p>
+            <a:pPr algn="ctr"/>
+            <a:r>
+              <a:rPr lang="en-US" altLang="ko-KR" sz="1200" dirty="0" smtClean="0"/>
+              <a:t>Informod</a:t>
+            </a:r>
+            <a:r>
+              <a:rPr lang="en-US" altLang="ko-KR" sz="1200" dirty="0" smtClean="0"/>
+              <a:t>login</a:t>
+            </a:r>
+            <a:r>
+              <a:rPr lang="en-US" altLang="ko-KR" sz="1200" dirty="0" smtClean="0"/>
+              <a:t>.html</a:t>
+            </a:r>
+          </a:p>
+          <a:p>
+            <a:pPr algn="ctr"/>
+            <a:r>
+              <a:rPr lang="en-US" altLang="ko-KR" sz="1200" dirty="0" smtClean="0"/>
+              <a:t>(</a:t>
+            </a:r>
+            <a:r>
+              <a:rPr lang="ko-KR" altLang="en-US" sz="1200" dirty="0" err="1" smtClean="0"/>
+              <a:t>접근하기위해</a:t>
+            </a:r>
+            <a:r>
+              <a:rPr lang="ko-KR" altLang="en-US" sz="1200" dirty="0" smtClean="0"/>
+              <a:t> 비밀번호</a:t>
+            </a:r>
+            <a:r>
+              <a:rPr lang="en-US" altLang="ko-KR" sz="1200" dirty="0" smtClean="0"/>
+              <a:t>)</a:t>
+            </a:r>
+            <a:endParaRPr lang="ko-KR" altLang="en-US" sz="1200" dirty="0"/>
           </a:p>
         </p:txBody>
       </p:sp>
@@ -5103,6 +5187,597 @@
 </file>
 
 <file path=ppt/slides/slide3.xml><?xml version="1.0" encoding="utf-8"?>
+<p:sld xmlns:a="http://schemas.openxmlformats.org/drawingml/2006/main" xmlns:r="http://schemas.openxmlformats.org/officeDocument/2006/relationships" xmlns:p="http://schemas.openxmlformats.org/presentationml/2006/main">
+  <p:cSld>
+    <p:spTree>
+      <p:nvGrpSpPr>
+        <p:cNvPr id="1" name=""/>
+        <p:cNvGrpSpPr/>
+        <p:nvPr/>
+      </p:nvGrpSpPr>
+      <p:grpSpPr>
+        <a:xfrm>
+          <a:off x="0" y="0"/>
+          <a:ext cx="0" cy="0"/>
+          <a:chOff x="0" y="0"/>
+          <a:chExt cx="0" cy="0"/>
+        </a:xfrm>
+      </p:grpSpPr>
+      <p:sp>
+        <p:nvSpPr>
+          <p:cNvPr id="2" name="제목 1"/>
+          <p:cNvSpPr>
+            <a:spLocks noGrp="1"/>
+          </p:cNvSpPr>
+          <p:nvPr>
+            <p:ph type="title"/>
+          </p:nvPr>
+        </p:nvSpPr>
+        <p:spPr/>
+        <p:txBody>
+          <a:bodyPr/>
+          <a:lstStyle/>
+          <a:p>
+            <a:r>
+              <a:rPr lang="ko-KR" altLang="en-US" dirty="0" err="1" smtClean="0"/>
+              <a:t>내정보</a:t>
+            </a:r>
+            <a:r>
+              <a:rPr lang="ko-KR" altLang="en-US" dirty="0" smtClean="0"/>
+              <a:t> 정리</a:t>
+            </a:r>
+            <a:endParaRPr lang="ko-KR" altLang="en-US" dirty="0"/>
+          </a:p>
+        </p:txBody>
+      </p:sp>
+      <p:sp>
+        <p:nvSpPr>
+          <p:cNvPr id="4" name="직사각형 3"/>
+          <p:cNvSpPr/>
+          <p:nvPr/>
+        </p:nvSpPr>
+        <p:spPr>
+          <a:xfrm>
+            <a:off x="683568" y="2564904"/>
+            <a:ext cx="1438031" cy="382954"/>
+          </a:xfrm>
+          <a:prstGeom prst="rect">
+            <a:avLst/>
+          </a:prstGeom>
+          <a:solidFill>
+            <a:schemeClr val="accent2"/>
+          </a:solidFill>
+        </p:spPr>
+        <p:style>
+          <a:lnRef idx="2">
+            <a:schemeClr val="accent1">
+              <a:shade val="50000"/>
+            </a:schemeClr>
+          </a:lnRef>
+          <a:fillRef idx="1">
+            <a:schemeClr val="accent1"/>
+          </a:fillRef>
+          <a:effectRef idx="0">
+            <a:schemeClr val="accent1"/>
+          </a:effectRef>
+          <a:fontRef idx="minor">
+            <a:schemeClr val="lt1"/>
+          </a:fontRef>
+        </p:style>
+        <p:txBody>
+          <a:bodyPr rtlCol="0" anchor="ctr"/>
+          <a:lstStyle/>
+          <a:p>
+            <a:pPr algn="ctr"/>
+            <a:r>
+              <a:rPr lang="ko-KR" altLang="en-US" dirty="0"/>
+              <a:t>내 정보</a:t>
+            </a:r>
+          </a:p>
+        </p:txBody>
+      </p:sp>
+      <p:sp>
+        <p:nvSpPr>
+          <p:cNvPr id="5" name="직사각형 4"/>
+          <p:cNvSpPr/>
+          <p:nvPr/>
+        </p:nvSpPr>
+        <p:spPr>
+          <a:xfrm>
+            <a:off x="2555776" y="2947858"/>
+            <a:ext cx="1438031" cy="464778"/>
+          </a:xfrm>
+          <a:prstGeom prst="rect">
+            <a:avLst/>
+          </a:prstGeom>
+        </p:spPr>
+        <p:style>
+          <a:lnRef idx="2">
+            <a:schemeClr val="accent1">
+              <a:shade val="50000"/>
+            </a:schemeClr>
+          </a:lnRef>
+          <a:fillRef idx="1">
+            <a:schemeClr val="accent1"/>
+          </a:fillRef>
+          <a:effectRef idx="0">
+            <a:schemeClr val="accent1"/>
+          </a:effectRef>
+          <a:fontRef idx="minor">
+            <a:schemeClr val="lt1"/>
+          </a:fontRef>
+        </p:style>
+        <p:txBody>
+          <a:bodyPr rtlCol="0" anchor="ctr"/>
+          <a:lstStyle/>
+          <a:p>
+            <a:pPr algn="ctr"/>
+            <a:r>
+              <a:rPr lang="en-US" altLang="ko-KR" sz="1200" dirty="0" smtClean="0"/>
+              <a:t>Informod.html</a:t>
+            </a:r>
+          </a:p>
+          <a:p>
+            <a:pPr algn="ctr"/>
+            <a:r>
+              <a:rPr lang="en-US" altLang="ko-KR" sz="1200" dirty="0" smtClean="0"/>
+              <a:t>(</a:t>
+            </a:r>
+            <a:r>
+              <a:rPr lang="ko-KR" altLang="en-US" sz="1200" dirty="0" smtClean="0"/>
+              <a:t>선택창</a:t>
+            </a:r>
+            <a:r>
+              <a:rPr lang="en-US" altLang="ko-KR" sz="1200" dirty="0" smtClean="0"/>
+              <a:t>)</a:t>
+            </a:r>
+            <a:endParaRPr lang="ko-KR" altLang="en-US" sz="1200" dirty="0"/>
+          </a:p>
+        </p:txBody>
+      </p:sp>
+      <p:sp>
+        <p:nvSpPr>
+          <p:cNvPr id="6" name="직사각형 5"/>
+          <p:cNvSpPr/>
+          <p:nvPr/>
+        </p:nvSpPr>
+        <p:spPr>
+          <a:xfrm>
+            <a:off x="685403" y="3816763"/>
+            <a:ext cx="1870373" cy="464778"/>
+          </a:xfrm>
+          <a:prstGeom prst="rect">
+            <a:avLst/>
+          </a:prstGeom>
+        </p:spPr>
+        <p:style>
+          <a:lnRef idx="2">
+            <a:schemeClr val="accent1">
+              <a:shade val="50000"/>
+            </a:schemeClr>
+          </a:lnRef>
+          <a:fillRef idx="1">
+            <a:schemeClr val="accent1"/>
+          </a:fillRef>
+          <a:effectRef idx="0">
+            <a:schemeClr val="accent1"/>
+          </a:effectRef>
+          <a:fontRef idx="minor">
+            <a:schemeClr val="lt1"/>
+          </a:fontRef>
+        </p:style>
+        <p:txBody>
+          <a:bodyPr rtlCol="0" anchor="ctr"/>
+          <a:lstStyle/>
+          <a:p>
+            <a:pPr algn="ctr"/>
+            <a:r>
+              <a:rPr lang="en-US" altLang="ko-KR" sz="1200" dirty="0" smtClean="0"/>
+              <a:t>Informod</a:t>
+            </a:r>
+            <a:r>
+              <a:rPr lang="en-US" altLang="ko-KR" sz="1200" dirty="0" smtClean="0"/>
+              <a:t>login</a:t>
+            </a:r>
+            <a:r>
+              <a:rPr lang="en-US" altLang="ko-KR" sz="1200" dirty="0" smtClean="0"/>
+              <a:t>.html</a:t>
+            </a:r>
+          </a:p>
+          <a:p>
+            <a:pPr algn="ctr"/>
+            <a:r>
+              <a:rPr lang="en-US" altLang="ko-KR" sz="1200" dirty="0" smtClean="0"/>
+              <a:t>(</a:t>
+            </a:r>
+            <a:r>
+              <a:rPr lang="ko-KR" altLang="en-US" sz="1200" dirty="0" err="1" smtClean="0"/>
+              <a:t>접근하기위해</a:t>
+            </a:r>
+            <a:r>
+              <a:rPr lang="ko-KR" altLang="en-US" sz="1200" dirty="0" smtClean="0"/>
+              <a:t> 비밀번호</a:t>
+            </a:r>
+            <a:r>
+              <a:rPr lang="en-US" altLang="ko-KR" sz="1200" dirty="0" smtClean="0"/>
+              <a:t>)</a:t>
+            </a:r>
+            <a:endParaRPr lang="ko-KR" altLang="en-US" sz="1200" dirty="0"/>
+          </a:p>
+        </p:txBody>
+      </p:sp>
+      <p:cxnSp>
+        <p:nvCxnSpPr>
+          <p:cNvPr id="8" name="직선 화살표 연결선 7"/>
+          <p:cNvCxnSpPr/>
+          <p:nvPr/>
+        </p:nvCxnSpPr>
+        <p:spPr>
+          <a:xfrm>
+            <a:off x="1547664" y="4437112"/>
+            <a:ext cx="0" cy="720080"/>
+          </a:xfrm>
+          <a:prstGeom prst="straightConnector1">
+            <a:avLst/>
+          </a:prstGeom>
+          <a:ln>
+            <a:solidFill>
+              <a:schemeClr val="accent6">
+                <a:lumMod val="20000"/>
+                <a:lumOff val="80000"/>
+              </a:schemeClr>
+            </a:solidFill>
+            <a:tailEnd type="triangle"/>
+          </a:ln>
+        </p:spPr>
+        <p:style>
+          <a:lnRef idx="1">
+            <a:schemeClr val="accent1"/>
+          </a:lnRef>
+          <a:fillRef idx="0">
+            <a:schemeClr val="accent1"/>
+          </a:fillRef>
+          <a:effectRef idx="0">
+            <a:schemeClr val="accent1"/>
+          </a:effectRef>
+          <a:fontRef idx="minor">
+            <a:schemeClr val="tx1"/>
+          </a:fontRef>
+        </p:style>
+      </p:cxnSp>
+      <p:sp>
+        <p:nvSpPr>
+          <p:cNvPr id="9" name="직사각형 8"/>
+          <p:cNvSpPr/>
+          <p:nvPr/>
+        </p:nvSpPr>
+        <p:spPr>
+          <a:xfrm>
+            <a:off x="1691681" y="4622720"/>
+            <a:ext cx="648072" cy="324976"/>
+          </a:xfrm>
+          <a:prstGeom prst="rect">
+            <a:avLst/>
+          </a:prstGeom>
+          <a:solidFill>
+            <a:schemeClr val="accent2"/>
+          </a:solidFill>
+        </p:spPr>
+        <p:style>
+          <a:lnRef idx="2">
+            <a:schemeClr val="accent1">
+              <a:shade val="50000"/>
+            </a:schemeClr>
+          </a:lnRef>
+          <a:fillRef idx="1">
+            <a:schemeClr val="accent1"/>
+          </a:fillRef>
+          <a:effectRef idx="0">
+            <a:schemeClr val="accent1"/>
+          </a:effectRef>
+          <a:fontRef idx="minor">
+            <a:schemeClr val="lt1"/>
+          </a:fontRef>
+        </p:style>
+        <p:txBody>
+          <a:bodyPr rtlCol="0" anchor="ctr"/>
+          <a:lstStyle/>
+          <a:p>
+            <a:pPr algn="ctr"/>
+            <a:r>
+              <a:rPr lang="en-US" altLang="ko-KR" dirty="0" smtClean="0"/>
+              <a:t>true</a:t>
+            </a:r>
+            <a:endParaRPr lang="ko-KR" altLang="en-US" dirty="0"/>
+          </a:p>
+        </p:txBody>
+      </p:sp>
+      <p:sp>
+        <p:nvSpPr>
+          <p:cNvPr id="29" name="직사각형 28"/>
+          <p:cNvSpPr/>
+          <p:nvPr/>
+        </p:nvSpPr>
+        <p:spPr>
+          <a:xfrm>
+            <a:off x="2699792" y="4006067"/>
+            <a:ext cx="755299" cy="324976"/>
+          </a:xfrm>
+          <a:prstGeom prst="rect">
+            <a:avLst/>
+          </a:prstGeom>
+          <a:solidFill>
+            <a:schemeClr val="accent2"/>
+          </a:solidFill>
+        </p:spPr>
+        <p:style>
+          <a:lnRef idx="2">
+            <a:schemeClr val="accent1">
+              <a:shade val="50000"/>
+            </a:schemeClr>
+          </a:lnRef>
+          <a:fillRef idx="1">
+            <a:schemeClr val="accent1"/>
+          </a:fillRef>
+          <a:effectRef idx="0">
+            <a:schemeClr val="accent1"/>
+          </a:effectRef>
+          <a:fontRef idx="minor">
+            <a:schemeClr val="lt1"/>
+          </a:fontRef>
+        </p:style>
+        <p:txBody>
+          <a:bodyPr rtlCol="0" anchor="ctr"/>
+          <a:lstStyle/>
+          <a:p>
+            <a:pPr algn="ctr"/>
+            <a:r>
+              <a:rPr lang="en-US" altLang="ko-KR" dirty="0" smtClean="0"/>
+              <a:t>false</a:t>
+            </a:r>
+            <a:endParaRPr lang="ko-KR" altLang="en-US" dirty="0"/>
+          </a:p>
+        </p:txBody>
+      </p:sp>
+      <p:sp>
+        <p:nvSpPr>
+          <p:cNvPr id="31" name="직사각형 30"/>
+          <p:cNvSpPr/>
+          <p:nvPr/>
+        </p:nvSpPr>
+        <p:spPr>
+          <a:xfrm>
+            <a:off x="702370" y="5249450"/>
+            <a:ext cx="1870373" cy="464778"/>
+          </a:xfrm>
+          <a:prstGeom prst="rect">
+            <a:avLst/>
+          </a:prstGeom>
+        </p:spPr>
+        <p:style>
+          <a:lnRef idx="2">
+            <a:schemeClr val="accent1">
+              <a:shade val="50000"/>
+            </a:schemeClr>
+          </a:lnRef>
+          <a:fillRef idx="1">
+            <a:schemeClr val="accent1"/>
+          </a:fillRef>
+          <a:effectRef idx="0">
+            <a:schemeClr val="accent1"/>
+          </a:effectRef>
+          <a:fontRef idx="minor">
+            <a:schemeClr val="lt1"/>
+          </a:fontRef>
+        </p:style>
+        <p:txBody>
+          <a:bodyPr rtlCol="0" anchor="ctr"/>
+          <a:lstStyle/>
+          <a:p>
+            <a:pPr algn="ctr"/>
+            <a:r>
+              <a:rPr lang="en-US" altLang="ko-KR" sz="1200" dirty="0" smtClean="0"/>
+              <a:t>Informch.html</a:t>
+            </a:r>
+          </a:p>
+          <a:p>
+            <a:pPr algn="ctr"/>
+            <a:r>
+              <a:rPr lang="en-US" altLang="ko-KR" sz="1200" dirty="0" smtClean="0"/>
+              <a:t>(</a:t>
+            </a:r>
+            <a:r>
+              <a:rPr lang="ko-KR" altLang="en-US" sz="1200" dirty="0" smtClean="0"/>
+              <a:t>정보변경</a:t>
+            </a:r>
+            <a:r>
+              <a:rPr lang="en-US" altLang="ko-KR" sz="1200" dirty="0" smtClean="0"/>
+              <a:t>)</a:t>
+            </a:r>
+            <a:endParaRPr lang="ko-KR" altLang="en-US" sz="1200" dirty="0"/>
+          </a:p>
+        </p:txBody>
+      </p:sp>
+      <p:cxnSp>
+        <p:nvCxnSpPr>
+          <p:cNvPr id="34" name="직선 화살표 연결선 33"/>
+          <p:cNvCxnSpPr>
+            <a:stCxn id="29" idx="0"/>
+            <a:endCxn id="5" idx="2"/>
+          </p:cNvCxnSpPr>
+          <p:nvPr/>
+        </p:nvCxnSpPr>
+        <p:spPr>
+          <a:xfrm flipV="1">
+            <a:off x="3077442" y="3412636"/>
+            <a:ext cx="197350" cy="593431"/>
+          </a:xfrm>
+          <a:prstGeom prst="straightConnector1">
+            <a:avLst/>
+          </a:prstGeom>
+          <a:ln>
+            <a:solidFill>
+              <a:schemeClr val="tx1"/>
+            </a:solidFill>
+            <a:tailEnd type="triangle"/>
+          </a:ln>
+        </p:spPr>
+        <p:style>
+          <a:lnRef idx="1">
+            <a:schemeClr val="accent1"/>
+          </a:lnRef>
+          <a:fillRef idx="0">
+            <a:schemeClr val="accent1"/>
+          </a:fillRef>
+          <a:effectRef idx="0">
+            <a:schemeClr val="accent1"/>
+          </a:effectRef>
+          <a:fontRef idx="minor">
+            <a:schemeClr val="tx1"/>
+          </a:fontRef>
+        </p:style>
+      </p:cxnSp>
+      <p:cxnSp>
+        <p:nvCxnSpPr>
+          <p:cNvPr id="37" name="직선 화살표 연결선 36"/>
+          <p:cNvCxnSpPr>
+            <a:stCxn id="5" idx="1"/>
+            <a:endCxn id="6" idx="0"/>
+          </p:cNvCxnSpPr>
+          <p:nvPr/>
+        </p:nvCxnSpPr>
+        <p:spPr>
+          <a:xfrm flipH="1">
+            <a:off x="1620590" y="3180247"/>
+            <a:ext cx="935186" cy="636516"/>
+          </a:xfrm>
+          <a:prstGeom prst="straightConnector1">
+            <a:avLst/>
+          </a:prstGeom>
+          <a:ln>
+            <a:solidFill>
+              <a:schemeClr val="tx1"/>
+            </a:solidFill>
+            <a:tailEnd type="triangle"/>
+          </a:ln>
+        </p:spPr>
+        <p:style>
+          <a:lnRef idx="1">
+            <a:schemeClr val="accent1"/>
+          </a:lnRef>
+          <a:fillRef idx="0">
+            <a:schemeClr val="accent1"/>
+          </a:fillRef>
+          <a:effectRef idx="0">
+            <a:schemeClr val="accent1"/>
+          </a:effectRef>
+          <a:fontRef idx="minor">
+            <a:schemeClr val="tx1"/>
+          </a:fontRef>
+        </p:style>
+      </p:cxnSp>
+      <p:cxnSp>
+        <p:nvCxnSpPr>
+          <p:cNvPr id="38" name="직선 화살표 연결선 37"/>
+          <p:cNvCxnSpPr>
+            <a:stCxn id="5" idx="3"/>
+          </p:cNvCxnSpPr>
+          <p:nvPr/>
+        </p:nvCxnSpPr>
+        <p:spPr>
+          <a:xfrm>
+            <a:off x="3993807" y="3180247"/>
+            <a:ext cx="935186" cy="636516"/>
+          </a:xfrm>
+          <a:prstGeom prst="straightConnector1">
+            <a:avLst/>
+          </a:prstGeom>
+          <a:ln>
+            <a:solidFill>
+              <a:schemeClr val="tx1"/>
+            </a:solidFill>
+            <a:tailEnd type="triangle"/>
+          </a:ln>
+        </p:spPr>
+        <p:style>
+          <a:lnRef idx="1">
+            <a:schemeClr val="accent1"/>
+          </a:lnRef>
+          <a:fillRef idx="0">
+            <a:schemeClr val="accent1"/>
+          </a:fillRef>
+          <a:effectRef idx="0">
+            <a:schemeClr val="accent1"/>
+          </a:effectRef>
+          <a:fontRef idx="minor">
+            <a:schemeClr val="tx1"/>
+          </a:fontRef>
+        </p:style>
+      </p:cxnSp>
+      <p:sp>
+        <p:nvSpPr>
+          <p:cNvPr id="42" name="직사각형 41"/>
+          <p:cNvSpPr/>
+          <p:nvPr/>
+        </p:nvSpPr>
+        <p:spPr>
+          <a:xfrm>
+            <a:off x="4596817" y="3845390"/>
+            <a:ext cx="1438031" cy="646330"/>
+          </a:xfrm>
+          <a:prstGeom prst="rect">
+            <a:avLst/>
+          </a:prstGeom>
+        </p:spPr>
+        <p:style>
+          <a:lnRef idx="2">
+            <a:schemeClr val="accent1">
+              <a:shade val="50000"/>
+            </a:schemeClr>
+          </a:lnRef>
+          <a:fillRef idx="1">
+            <a:schemeClr val="accent1"/>
+          </a:fillRef>
+          <a:effectRef idx="0">
+            <a:schemeClr val="accent1"/>
+          </a:effectRef>
+          <a:fontRef idx="minor">
+            <a:schemeClr val="lt1"/>
+          </a:fontRef>
+        </p:style>
+        <p:txBody>
+          <a:bodyPr rtlCol="0" anchor="ctr"/>
+          <a:lstStyle/>
+          <a:p>
+            <a:pPr algn="ctr"/>
+            <a:r>
+              <a:rPr lang="en-US" altLang="ko-KR" sz="1200" dirty="0"/>
+              <a:t>Vollookup.html</a:t>
+            </a:r>
+          </a:p>
+          <a:p>
+            <a:pPr algn="ctr"/>
+            <a:r>
+              <a:rPr lang="ko-KR" altLang="en-US" sz="1200" dirty="0"/>
+              <a:t>봉사 활동 조회</a:t>
+            </a:r>
+          </a:p>
+        </p:txBody>
+      </p:sp>
+    </p:spTree>
+    <p:extLst>
+      <p:ext uri="{BB962C8B-B14F-4D97-AF65-F5344CB8AC3E}">
+        <p14:creationId xmlns:p14="http://schemas.microsoft.com/office/powerpoint/2010/main" val="2582436038"/>
+      </p:ext>
+    </p:extLst>
+  </p:cSld>
+  <p:clrMapOvr>
+    <a:masterClrMapping/>
+  </p:clrMapOvr>
+</p:sld>
+</file>
+
+<file path=ppt/slides/slide4.xml><?xml version="1.0" encoding="utf-8"?>
 <p:sld xmlns:a="http://schemas.openxmlformats.org/drawingml/2006/main" xmlns:r="http://schemas.openxmlformats.org/officeDocument/2006/relationships" xmlns:p="http://schemas.openxmlformats.org/presentationml/2006/main">
   <p:cSld>
     <p:spTree>

--- a/헬핑프로그램구조.pptx
+++ b/헬핑프로그램구조.pptx
@@ -4674,7 +4674,7 @@
         </p:nvSpPr>
         <p:spPr>
           <a:xfrm>
-            <a:off x="3286116" y="2071678"/>
+            <a:off x="3147875" y="1877617"/>
             <a:ext cx="2857520" cy="642942"/>
           </a:xfrm>
           <a:prstGeom prst="roundRect">
@@ -4786,7 +4786,7 @@
         </p:nvSpPr>
         <p:spPr>
           <a:xfrm>
-            <a:off x="5857884" y="3357562"/>
+            <a:off x="5877138" y="3357562"/>
             <a:ext cx="1143008" cy="1000132"/>
           </a:xfrm>
           <a:prstGeom prst="rect">
@@ -5145,15 +5145,7 @@
             <a:pPr algn="ctr"/>
             <a:r>
               <a:rPr lang="en-US" altLang="ko-KR" sz="1200" dirty="0" smtClean="0"/>
-              <a:t>Informod</a:t>
-            </a:r>
-            <a:r>
-              <a:rPr lang="en-US" altLang="ko-KR" sz="1200" dirty="0" smtClean="0"/>
-              <a:t>login</a:t>
-            </a:r>
-            <a:r>
-              <a:rPr lang="en-US" altLang="ko-KR" sz="1200" dirty="0" smtClean="0"/>
-              <a:t>.html</a:t>
+              <a:t>Informodlogin.html</a:t>
             </a:r>
           </a:p>
           <a:p>
@@ -5373,15 +5365,7 @@
             <a:pPr algn="ctr"/>
             <a:r>
               <a:rPr lang="en-US" altLang="ko-KR" sz="1200" dirty="0" smtClean="0"/>
-              <a:t>Informod</a:t>
-            </a:r>
-            <a:r>
-              <a:rPr lang="en-US" altLang="ko-KR" sz="1200" dirty="0" smtClean="0"/>
-              <a:t>login</a:t>
-            </a:r>
-            <a:r>
-              <a:rPr lang="en-US" altLang="ko-KR" sz="1200" dirty="0" smtClean="0"/>
-              <a:t>.html</a:t>
+              <a:t>Informodlogin.html</a:t>
             </a:r>
           </a:p>
           <a:p>

--- a/헬핑프로그램구조.pptx
+++ b/헬핑프로그램구조.pptx
@@ -8,7 +8,8 @@
     <p:sldId id="258" r:id="rId2"/>
     <p:sldId id="261" r:id="rId3"/>
     <p:sldId id="262" r:id="rId4"/>
-    <p:sldId id="259" r:id="rId5"/>
+    <p:sldId id="263" r:id="rId5"/>
+    <p:sldId id="259" r:id="rId6"/>
   </p:sldIdLst>
   <p:sldSz cx="9144000" cy="6858000" type="screen4x3"/>
   <p:notesSz cx="6858000" cy="9144000"/>
@@ -109,7 +110,7 @@
   </p:defaultTextStyle>
   <p:extLst>
     <p:ext uri="{EFAFB233-063F-42B5-8137-9DF3F51BA10A}">
-      <p15:sldGuideLst xmlns:p15="http://schemas.microsoft.com/office/powerpoint/2012/main">
+      <p15:sldGuideLst xmlns:p15="http://schemas.microsoft.com/office/powerpoint/2012/main" xmlns="">
         <p15:guide id="1" orient="horz" pos="2160">
           <p15:clr>
             <a:srgbClr val="A4A3A4"/>
@@ -345,6 +346,7 @@
           <a:p>
             <a:fld id="{0D680827-631F-407F-8BE5-8CFC10F3550E}" type="datetimeFigureOut">
               <a:rPr lang="ko-KR" altLang="en-US" smtClean="0"/>
+              <a:pPr/>
               <a:t>2021-04-26</a:t>
             </a:fld>
             <a:endParaRPr lang="ko-KR" altLang="en-US"/>
@@ -409,6 +411,7 @@
           <a:p>
             <a:fld id="{E43AF4C5-1F00-46C2-B7EA-1A0F4EE097E2}" type="slidenum">
               <a:rPr lang="ko-KR" altLang="en-US" smtClean="0"/>
+              <a:pPr/>
               <a:t>‹#›</a:t>
             </a:fld>
             <a:endParaRPr lang="ko-KR" altLang="en-US"/>
@@ -532,6 +535,7 @@
           <a:p>
             <a:fld id="{0D680827-631F-407F-8BE5-8CFC10F3550E}" type="datetimeFigureOut">
               <a:rPr lang="ko-KR" altLang="en-US" smtClean="0"/>
+              <a:pPr/>
               <a:t>2021-04-26</a:t>
             </a:fld>
             <a:endParaRPr lang="ko-KR" altLang="en-US"/>
@@ -574,6 +578,7 @@
           <a:p>
             <a:fld id="{E43AF4C5-1F00-46C2-B7EA-1A0F4EE097E2}" type="slidenum">
               <a:rPr lang="ko-KR" altLang="en-US" smtClean="0"/>
+              <a:pPr/>
               <a:t>‹#›</a:t>
             </a:fld>
             <a:endParaRPr lang="ko-KR" altLang="en-US"/>
@@ -707,6 +712,7 @@
           <a:p>
             <a:fld id="{0D680827-631F-407F-8BE5-8CFC10F3550E}" type="datetimeFigureOut">
               <a:rPr lang="ko-KR" altLang="en-US" smtClean="0"/>
+              <a:pPr/>
               <a:t>2021-04-26</a:t>
             </a:fld>
             <a:endParaRPr lang="ko-KR" altLang="en-US"/>
@@ -749,6 +755,7 @@
           <a:p>
             <a:fld id="{E43AF4C5-1F00-46C2-B7EA-1A0F4EE097E2}" type="slidenum">
               <a:rPr lang="ko-KR" altLang="en-US" smtClean="0"/>
+              <a:pPr/>
               <a:t>‹#›</a:t>
             </a:fld>
             <a:endParaRPr lang="ko-KR" altLang="en-US"/>
@@ -887,6 +894,7 @@
           <a:p>
             <a:fld id="{0D680827-631F-407F-8BE5-8CFC10F3550E}" type="datetimeFigureOut">
               <a:rPr lang="ko-KR" altLang="en-US" smtClean="0"/>
+              <a:pPr/>
               <a:t>2021-04-26</a:t>
             </a:fld>
             <a:endParaRPr lang="ko-KR" altLang="en-US"/>
@@ -934,6 +942,7 @@
           <a:p>
             <a:fld id="{E43AF4C5-1F00-46C2-B7EA-1A0F4EE097E2}" type="slidenum">
               <a:rPr lang="ko-KR" altLang="en-US" smtClean="0"/>
+              <a:pPr/>
               <a:t>‹#›</a:t>
             </a:fld>
             <a:endParaRPr lang="ko-KR" altLang="en-US"/>
@@ -1134,6 +1143,7 @@
           <a:p>
             <a:fld id="{0D680827-631F-407F-8BE5-8CFC10F3550E}" type="datetimeFigureOut">
               <a:rPr lang="ko-KR" altLang="en-US" smtClean="0"/>
+              <a:pPr/>
               <a:t>2021-04-26</a:t>
             </a:fld>
             <a:endParaRPr lang="ko-KR" altLang="en-US"/>
@@ -1186,6 +1196,7 @@
           <a:p>
             <a:fld id="{E43AF4C5-1F00-46C2-B7EA-1A0F4EE097E2}" type="slidenum">
               <a:rPr lang="ko-KR" altLang="en-US" smtClean="0"/>
+              <a:pPr/>
               <a:t>‹#›</a:t>
             </a:fld>
             <a:endParaRPr lang="ko-KR" altLang="en-US"/>
@@ -1608,6 +1619,7 @@
           <a:p>
             <a:fld id="{0D680827-631F-407F-8BE5-8CFC10F3550E}" type="datetimeFigureOut">
               <a:rPr lang="ko-KR" altLang="en-US" smtClean="0"/>
+              <a:pPr/>
               <a:t>2021-04-26</a:t>
             </a:fld>
             <a:endParaRPr lang="ko-KR" altLang="en-US"/>
@@ -1660,6 +1672,7 @@
           <a:p>
             <a:fld id="{E43AF4C5-1F00-46C2-B7EA-1A0F4EE097E2}" type="slidenum">
               <a:rPr lang="ko-KR" altLang="en-US" smtClean="0"/>
+              <a:pPr/>
               <a:t>‹#›</a:t>
             </a:fld>
             <a:endParaRPr lang="ko-KR" altLang="en-US"/>
@@ -2023,6 +2036,7 @@
           <a:p>
             <a:fld id="{0D680827-631F-407F-8BE5-8CFC10F3550E}" type="datetimeFigureOut">
               <a:rPr lang="ko-KR" altLang="en-US" smtClean="0"/>
+              <a:pPr/>
               <a:t>2021-04-26</a:t>
             </a:fld>
             <a:endParaRPr lang="ko-KR" altLang="en-US"/>
@@ -2079,6 +2093,7 @@
           <a:p>
             <a:fld id="{E43AF4C5-1F00-46C2-B7EA-1A0F4EE097E2}" type="slidenum">
               <a:rPr lang="ko-KR" altLang="en-US" smtClean="0"/>
+              <a:pPr/>
               <a:t>‹#›</a:t>
             </a:fld>
             <a:endParaRPr lang="ko-KR" altLang="en-US"/>
@@ -2154,6 +2169,7 @@
           <a:p>
             <a:fld id="{0D680827-631F-407F-8BE5-8CFC10F3550E}" type="datetimeFigureOut">
               <a:rPr lang="ko-KR" altLang="en-US" smtClean="0"/>
+              <a:pPr/>
               <a:t>2021-04-26</a:t>
             </a:fld>
             <a:endParaRPr lang="ko-KR" altLang="en-US"/>
@@ -2196,6 +2212,7 @@
           <a:p>
             <a:fld id="{E43AF4C5-1F00-46C2-B7EA-1A0F4EE097E2}" type="slidenum">
               <a:rPr lang="ko-KR" altLang="en-US" smtClean="0"/>
+              <a:pPr/>
               <a:t>‹#›</a:t>
             </a:fld>
             <a:endParaRPr lang="ko-KR" altLang="en-US"/>
@@ -2249,6 +2266,7 @@
           <a:p>
             <a:fld id="{0D680827-631F-407F-8BE5-8CFC10F3550E}" type="datetimeFigureOut">
               <a:rPr lang="ko-KR" altLang="en-US" smtClean="0"/>
+              <a:pPr/>
               <a:t>2021-04-26</a:t>
             </a:fld>
             <a:endParaRPr lang="ko-KR" altLang="en-US"/>
@@ -2301,6 +2319,7 @@
           <a:p>
             <a:fld id="{E43AF4C5-1F00-46C2-B7EA-1A0F4EE097E2}" type="slidenum">
               <a:rPr lang="ko-KR" altLang="en-US" smtClean="0"/>
+              <a:pPr/>
               <a:t>‹#›</a:t>
             </a:fld>
             <a:endParaRPr lang="ko-KR" altLang="en-US"/>
@@ -2527,6 +2546,7 @@
           <a:p>
             <a:fld id="{0D680827-631F-407F-8BE5-8CFC10F3550E}" type="datetimeFigureOut">
               <a:rPr lang="ko-KR" altLang="en-US" smtClean="0"/>
+              <a:pPr/>
               <a:t>2021-04-26</a:t>
             </a:fld>
             <a:endParaRPr lang="ko-KR" altLang="en-US"/>
@@ -2587,6 +2607,7 @@
           <a:p>
             <a:fld id="{E43AF4C5-1F00-46C2-B7EA-1A0F4EE097E2}" type="slidenum">
               <a:rPr lang="ko-KR" altLang="en-US" smtClean="0"/>
+              <a:pPr/>
               <a:t>‹#›</a:t>
             </a:fld>
             <a:endParaRPr lang="ko-KR" altLang="en-US"/>
@@ -2779,6 +2800,7 @@
           <a:p>
             <a:fld id="{0D680827-631F-407F-8BE5-8CFC10F3550E}" type="datetimeFigureOut">
               <a:rPr lang="ko-KR" altLang="en-US" smtClean="0"/>
+              <a:pPr/>
               <a:t>2021-04-26</a:t>
             </a:fld>
             <a:endParaRPr lang="ko-KR" altLang="en-US"/>
@@ -2839,6 +2861,7 @@
           <a:p>
             <a:fld id="{E43AF4C5-1F00-46C2-B7EA-1A0F4EE097E2}" type="slidenum">
               <a:rPr lang="ko-KR" altLang="en-US" smtClean="0"/>
+              <a:pPr/>
               <a:t>‹#›</a:t>
             </a:fld>
             <a:endParaRPr lang="ko-KR" altLang="en-US"/>
@@ -3151,6 +3174,7 @@
           <a:p>
             <a:fld id="{0D680827-631F-407F-8BE5-8CFC10F3550E}" type="datetimeFigureOut">
               <a:rPr lang="ko-KR" altLang="en-US" smtClean="0"/>
+              <a:pPr/>
               <a:t>2021-04-26</a:t>
             </a:fld>
             <a:endParaRPr lang="ko-KR" altLang="en-US"/>
@@ -3225,6 +3249,7 @@
           <a:p>
             <a:fld id="{E43AF4C5-1F00-46C2-B7EA-1A0F4EE097E2}" type="slidenum">
               <a:rPr lang="ko-KR" altLang="en-US" smtClean="0"/>
+              <a:pPr/>
               <a:t>‹#›</a:t>
             </a:fld>
             <a:endParaRPr lang="ko-KR" altLang="en-US"/>
@@ -5145,15 +5170,7 @@
             <a:pPr algn="ctr"/>
             <a:r>
               <a:rPr lang="en-US" altLang="ko-KR" sz="1200" dirty="0" smtClean="0"/>
-              <a:t>Informod</a:t>
-            </a:r>
-            <a:r>
-              <a:rPr lang="en-US" altLang="ko-KR" sz="1200" dirty="0" smtClean="0"/>
-              <a:t>login</a:t>
-            </a:r>
-            <a:r>
-              <a:rPr lang="en-US" altLang="ko-KR" sz="1200" dirty="0" smtClean="0"/>
-              <a:t>.html</a:t>
+              <a:t>Informodlogin.html</a:t>
             </a:r>
           </a:p>
           <a:p>
@@ -5373,15 +5390,7 @@
             <a:pPr algn="ctr"/>
             <a:r>
               <a:rPr lang="en-US" altLang="ko-KR" sz="1200" dirty="0" smtClean="0"/>
-              <a:t>Informod</a:t>
-            </a:r>
-            <a:r>
-              <a:rPr lang="en-US" altLang="ko-KR" sz="1200" dirty="0" smtClean="0"/>
-              <a:t>login</a:t>
-            </a:r>
-            <a:r>
-              <a:rPr lang="en-US" altLang="ko-KR" sz="1200" dirty="0" smtClean="0"/>
-              <a:t>.html</a:t>
+              <a:t>Informodlogin.html</a:t>
             </a:r>
           </a:p>
           <a:p>
@@ -5767,7 +5776,7 @@
     </p:spTree>
     <p:extLst>
       <p:ext uri="{BB962C8B-B14F-4D97-AF65-F5344CB8AC3E}">
-        <p14:creationId xmlns:p14="http://schemas.microsoft.com/office/powerpoint/2010/main" val="2582436038"/>
+        <p14:creationId xmlns:p14="http://schemas.microsoft.com/office/powerpoint/2010/main" xmlns="" val="2582436038"/>
       </p:ext>
     </p:extLst>
   </p:cSld>
@@ -5778,6 +5787,589 @@
 </file>
 
 <file path=ppt/slides/slide4.xml><?xml version="1.0" encoding="utf-8"?>
+<p:sld xmlns:a="http://schemas.openxmlformats.org/drawingml/2006/main" xmlns:r="http://schemas.openxmlformats.org/officeDocument/2006/relationships" xmlns:p="http://schemas.openxmlformats.org/presentationml/2006/main">
+  <p:cSld>
+    <p:spTree>
+      <p:nvGrpSpPr>
+        <p:cNvPr id="1" name=""/>
+        <p:cNvGrpSpPr/>
+        <p:nvPr/>
+      </p:nvGrpSpPr>
+      <p:grpSpPr>
+        <a:xfrm>
+          <a:off x="0" y="0"/>
+          <a:ext cx="0" cy="0"/>
+          <a:chOff x="0" y="0"/>
+          <a:chExt cx="0" cy="0"/>
+        </a:xfrm>
+      </p:grpSpPr>
+      <p:sp>
+        <p:nvSpPr>
+          <p:cNvPr id="2" name="제목 1"/>
+          <p:cNvSpPr>
+            <a:spLocks noGrp="1"/>
+          </p:cNvSpPr>
+          <p:nvPr>
+            <p:ph type="title"/>
+          </p:nvPr>
+        </p:nvSpPr>
+        <p:spPr/>
+        <p:txBody>
+          <a:bodyPr/>
+          <a:lstStyle/>
+          <a:p>
+            <a:r>
+              <a:rPr lang="ko-KR" altLang="en-US" dirty="0" err="1" smtClean="0"/>
+              <a:t>내정보</a:t>
+            </a:r>
+            <a:r>
+              <a:rPr lang="ko-KR" altLang="en-US" dirty="0" smtClean="0"/>
+              <a:t> 정리</a:t>
+            </a:r>
+            <a:endParaRPr lang="ko-KR" altLang="en-US" dirty="0"/>
+          </a:p>
+        </p:txBody>
+      </p:sp>
+      <p:sp>
+        <p:nvSpPr>
+          <p:cNvPr id="4" name="직사각형 3"/>
+          <p:cNvSpPr/>
+          <p:nvPr/>
+        </p:nvSpPr>
+        <p:spPr>
+          <a:xfrm>
+            <a:off x="683568" y="2564904"/>
+            <a:ext cx="1438031" cy="382954"/>
+          </a:xfrm>
+          <a:prstGeom prst="rect">
+            <a:avLst/>
+          </a:prstGeom>
+          <a:solidFill>
+            <a:schemeClr val="accent2"/>
+          </a:solidFill>
+        </p:spPr>
+        <p:style>
+          <a:lnRef idx="2">
+            <a:schemeClr val="accent1">
+              <a:shade val="50000"/>
+            </a:schemeClr>
+          </a:lnRef>
+          <a:fillRef idx="1">
+            <a:schemeClr val="accent1"/>
+          </a:fillRef>
+          <a:effectRef idx="0">
+            <a:schemeClr val="accent1"/>
+          </a:effectRef>
+          <a:fontRef idx="minor">
+            <a:schemeClr val="lt1"/>
+          </a:fontRef>
+        </p:style>
+        <p:txBody>
+          <a:bodyPr rtlCol="0" anchor="ctr"/>
+          <a:lstStyle/>
+          <a:p>
+            <a:pPr algn="ctr"/>
+            <a:r>
+              <a:rPr lang="ko-KR" altLang="en-US" dirty="0"/>
+              <a:t>내 정보</a:t>
+            </a:r>
+          </a:p>
+        </p:txBody>
+      </p:sp>
+      <p:sp>
+        <p:nvSpPr>
+          <p:cNvPr id="5" name="직사각형 4"/>
+          <p:cNvSpPr/>
+          <p:nvPr/>
+        </p:nvSpPr>
+        <p:spPr>
+          <a:xfrm>
+            <a:off x="2555776" y="2947858"/>
+            <a:ext cx="1438031" cy="464778"/>
+          </a:xfrm>
+          <a:prstGeom prst="rect">
+            <a:avLst/>
+          </a:prstGeom>
+        </p:spPr>
+        <p:style>
+          <a:lnRef idx="2">
+            <a:schemeClr val="accent1">
+              <a:shade val="50000"/>
+            </a:schemeClr>
+          </a:lnRef>
+          <a:fillRef idx="1">
+            <a:schemeClr val="accent1"/>
+          </a:fillRef>
+          <a:effectRef idx="0">
+            <a:schemeClr val="accent1"/>
+          </a:effectRef>
+          <a:fontRef idx="minor">
+            <a:schemeClr val="lt1"/>
+          </a:fontRef>
+        </p:style>
+        <p:txBody>
+          <a:bodyPr rtlCol="0" anchor="ctr"/>
+          <a:lstStyle/>
+          <a:p>
+            <a:pPr algn="ctr"/>
+            <a:r>
+              <a:rPr lang="en-US" altLang="ko-KR" sz="1200" dirty="0" smtClean="0"/>
+              <a:t>Informod.html</a:t>
+            </a:r>
+          </a:p>
+          <a:p>
+            <a:pPr algn="ctr"/>
+            <a:r>
+              <a:rPr lang="en-US" altLang="ko-KR" sz="1200" dirty="0" smtClean="0"/>
+              <a:t>(</a:t>
+            </a:r>
+            <a:r>
+              <a:rPr lang="ko-KR" altLang="en-US" sz="1200" dirty="0" smtClean="0"/>
+              <a:t>선택창</a:t>
+            </a:r>
+            <a:r>
+              <a:rPr lang="en-US" altLang="ko-KR" sz="1200" dirty="0" smtClean="0"/>
+              <a:t>)</a:t>
+            </a:r>
+            <a:endParaRPr lang="ko-KR" altLang="en-US" sz="1200" dirty="0"/>
+          </a:p>
+        </p:txBody>
+      </p:sp>
+      <p:sp>
+        <p:nvSpPr>
+          <p:cNvPr id="6" name="직사각형 5"/>
+          <p:cNvSpPr/>
+          <p:nvPr/>
+        </p:nvSpPr>
+        <p:spPr>
+          <a:xfrm>
+            <a:off x="685403" y="3816763"/>
+            <a:ext cx="1870373" cy="464778"/>
+          </a:xfrm>
+          <a:prstGeom prst="rect">
+            <a:avLst/>
+          </a:prstGeom>
+        </p:spPr>
+        <p:style>
+          <a:lnRef idx="2">
+            <a:schemeClr val="accent1">
+              <a:shade val="50000"/>
+            </a:schemeClr>
+          </a:lnRef>
+          <a:fillRef idx="1">
+            <a:schemeClr val="accent1"/>
+          </a:fillRef>
+          <a:effectRef idx="0">
+            <a:schemeClr val="accent1"/>
+          </a:effectRef>
+          <a:fontRef idx="minor">
+            <a:schemeClr val="lt1"/>
+          </a:fontRef>
+        </p:style>
+        <p:txBody>
+          <a:bodyPr rtlCol="0" anchor="ctr"/>
+          <a:lstStyle/>
+          <a:p>
+            <a:pPr algn="ctr"/>
+            <a:r>
+              <a:rPr lang="en-US" altLang="ko-KR" sz="1200" dirty="0" smtClean="0"/>
+              <a:t>Informodlogin.html</a:t>
+            </a:r>
+          </a:p>
+          <a:p>
+            <a:pPr algn="ctr"/>
+            <a:r>
+              <a:rPr lang="en-US" altLang="ko-KR" sz="1200" dirty="0" smtClean="0"/>
+              <a:t>(</a:t>
+            </a:r>
+            <a:r>
+              <a:rPr lang="ko-KR" altLang="en-US" sz="1200" dirty="0" err="1" smtClean="0"/>
+              <a:t>접근하기위해</a:t>
+            </a:r>
+            <a:r>
+              <a:rPr lang="ko-KR" altLang="en-US" sz="1200" dirty="0" smtClean="0"/>
+              <a:t> 비밀번호</a:t>
+            </a:r>
+            <a:r>
+              <a:rPr lang="en-US" altLang="ko-KR" sz="1200" dirty="0" smtClean="0"/>
+              <a:t>)</a:t>
+            </a:r>
+            <a:endParaRPr lang="ko-KR" altLang="en-US" sz="1200" dirty="0"/>
+          </a:p>
+        </p:txBody>
+      </p:sp>
+      <p:cxnSp>
+        <p:nvCxnSpPr>
+          <p:cNvPr id="8" name="직선 화살표 연결선 7"/>
+          <p:cNvCxnSpPr/>
+          <p:nvPr/>
+        </p:nvCxnSpPr>
+        <p:spPr>
+          <a:xfrm>
+            <a:off x="1547664" y="4437112"/>
+            <a:ext cx="0" cy="720080"/>
+          </a:xfrm>
+          <a:prstGeom prst="straightConnector1">
+            <a:avLst/>
+          </a:prstGeom>
+          <a:ln>
+            <a:solidFill>
+              <a:schemeClr val="accent6">
+                <a:lumMod val="20000"/>
+                <a:lumOff val="80000"/>
+              </a:schemeClr>
+            </a:solidFill>
+            <a:tailEnd type="triangle"/>
+          </a:ln>
+        </p:spPr>
+        <p:style>
+          <a:lnRef idx="1">
+            <a:schemeClr val="accent1"/>
+          </a:lnRef>
+          <a:fillRef idx="0">
+            <a:schemeClr val="accent1"/>
+          </a:fillRef>
+          <a:effectRef idx="0">
+            <a:schemeClr val="accent1"/>
+          </a:effectRef>
+          <a:fontRef idx="minor">
+            <a:schemeClr val="tx1"/>
+          </a:fontRef>
+        </p:style>
+      </p:cxnSp>
+      <p:sp>
+        <p:nvSpPr>
+          <p:cNvPr id="9" name="직사각형 8"/>
+          <p:cNvSpPr/>
+          <p:nvPr/>
+        </p:nvSpPr>
+        <p:spPr>
+          <a:xfrm>
+            <a:off x="1691681" y="4622720"/>
+            <a:ext cx="648072" cy="324976"/>
+          </a:xfrm>
+          <a:prstGeom prst="rect">
+            <a:avLst/>
+          </a:prstGeom>
+          <a:solidFill>
+            <a:schemeClr val="accent2"/>
+          </a:solidFill>
+        </p:spPr>
+        <p:style>
+          <a:lnRef idx="2">
+            <a:schemeClr val="accent1">
+              <a:shade val="50000"/>
+            </a:schemeClr>
+          </a:lnRef>
+          <a:fillRef idx="1">
+            <a:schemeClr val="accent1"/>
+          </a:fillRef>
+          <a:effectRef idx="0">
+            <a:schemeClr val="accent1"/>
+          </a:effectRef>
+          <a:fontRef idx="minor">
+            <a:schemeClr val="lt1"/>
+          </a:fontRef>
+        </p:style>
+        <p:txBody>
+          <a:bodyPr rtlCol="0" anchor="ctr"/>
+          <a:lstStyle/>
+          <a:p>
+            <a:pPr algn="ctr"/>
+            <a:r>
+              <a:rPr lang="en-US" altLang="ko-KR" dirty="0" smtClean="0"/>
+              <a:t>true</a:t>
+            </a:r>
+            <a:endParaRPr lang="ko-KR" altLang="en-US" dirty="0"/>
+          </a:p>
+        </p:txBody>
+      </p:sp>
+      <p:sp>
+        <p:nvSpPr>
+          <p:cNvPr id="29" name="직사각형 28"/>
+          <p:cNvSpPr/>
+          <p:nvPr/>
+        </p:nvSpPr>
+        <p:spPr>
+          <a:xfrm>
+            <a:off x="2699792" y="4006067"/>
+            <a:ext cx="755299" cy="324976"/>
+          </a:xfrm>
+          <a:prstGeom prst="rect">
+            <a:avLst/>
+          </a:prstGeom>
+          <a:solidFill>
+            <a:schemeClr val="accent2"/>
+          </a:solidFill>
+        </p:spPr>
+        <p:style>
+          <a:lnRef idx="2">
+            <a:schemeClr val="accent1">
+              <a:shade val="50000"/>
+            </a:schemeClr>
+          </a:lnRef>
+          <a:fillRef idx="1">
+            <a:schemeClr val="accent1"/>
+          </a:fillRef>
+          <a:effectRef idx="0">
+            <a:schemeClr val="accent1"/>
+          </a:effectRef>
+          <a:fontRef idx="minor">
+            <a:schemeClr val="lt1"/>
+          </a:fontRef>
+        </p:style>
+        <p:txBody>
+          <a:bodyPr rtlCol="0" anchor="ctr"/>
+          <a:lstStyle/>
+          <a:p>
+            <a:pPr algn="ctr"/>
+            <a:r>
+              <a:rPr lang="en-US" altLang="ko-KR" dirty="0" smtClean="0"/>
+              <a:t>false</a:t>
+            </a:r>
+            <a:endParaRPr lang="ko-KR" altLang="en-US" dirty="0"/>
+          </a:p>
+        </p:txBody>
+      </p:sp>
+      <p:sp>
+        <p:nvSpPr>
+          <p:cNvPr id="31" name="직사각형 30"/>
+          <p:cNvSpPr/>
+          <p:nvPr/>
+        </p:nvSpPr>
+        <p:spPr>
+          <a:xfrm>
+            <a:off x="702370" y="5249450"/>
+            <a:ext cx="1870373" cy="464778"/>
+          </a:xfrm>
+          <a:prstGeom prst="rect">
+            <a:avLst/>
+          </a:prstGeom>
+        </p:spPr>
+        <p:style>
+          <a:lnRef idx="2">
+            <a:schemeClr val="accent1">
+              <a:shade val="50000"/>
+            </a:schemeClr>
+          </a:lnRef>
+          <a:fillRef idx="1">
+            <a:schemeClr val="accent1"/>
+          </a:fillRef>
+          <a:effectRef idx="0">
+            <a:schemeClr val="accent1"/>
+          </a:effectRef>
+          <a:fontRef idx="minor">
+            <a:schemeClr val="lt1"/>
+          </a:fontRef>
+        </p:style>
+        <p:txBody>
+          <a:bodyPr rtlCol="0" anchor="ctr"/>
+          <a:lstStyle/>
+          <a:p>
+            <a:pPr algn="ctr"/>
+            <a:r>
+              <a:rPr lang="en-US" altLang="ko-KR" sz="1200" dirty="0" smtClean="0"/>
+              <a:t>Informch.html</a:t>
+            </a:r>
+          </a:p>
+          <a:p>
+            <a:pPr algn="ctr"/>
+            <a:r>
+              <a:rPr lang="en-US" altLang="ko-KR" sz="1200" dirty="0" smtClean="0"/>
+              <a:t>(</a:t>
+            </a:r>
+            <a:r>
+              <a:rPr lang="ko-KR" altLang="en-US" sz="1200" dirty="0" smtClean="0"/>
+              <a:t>정보변경</a:t>
+            </a:r>
+            <a:r>
+              <a:rPr lang="en-US" altLang="ko-KR" sz="1200" dirty="0" smtClean="0"/>
+              <a:t>)</a:t>
+            </a:r>
+            <a:endParaRPr lang="ko-KR" altLang="en-US" sz="1200" dirty="0"/>
+          </a:p>
+        </p:txBody>
+      </p:sp>
+      <p:cxnSp>
+        <p:nvCxnSpPr>
+          <p:cNvPr id="34" name="직선 화살표 연결선 33"/>
+          <p:cNvCxnSpPr>
+            <a:stCxn id="29" idx="0"/>
+            <a:endCxn id="5" idx="2"/>
+          </p:cNvCxnSpPr>
+          <p:nvPr/>
+        </p:nvCxnSpPr>
+        <p:spPr>
+          <a:xfrm flipV="1">
+            <a:off x="3077442" y="3412636"/>
+            <a:ext cx="197350" cy="593431"/>
+          </a:xfrm>
+          <a:prstGeom prst="straightConnector1">
+            <a:avLst/>
+          </a:prstGeom>
+          <a:ln>
+            <a:solidFill>
+              <a:schemeClr val="tx1"/>
+            </a:solidFill>
+            <a:tailEnd type="triangle"/>
+          </a:ln>
+        </p:spPr>
+        <p:style>
+          <a:lnRef idx="1">
+            <a:schemeClr val="accent1"/>
+          </a:lnRef>
+          <a:fillRef idx="0">
+            <a:schemeClr val="accent1"/>
+          </a:fillRef>
+          <a:effectRef idx="0">
+            <a:schemeClr val="accent1"/>
+          </a:effectRef>
+          <a:fontRef idx="minor">
+            <a:schemeClr val="tx1"/>
+          </a:fontRef>
+        </p:style>
+      </p:cxnSp>
+      <p:cxnSp>
+        <p:nvCxnSpPr>
+          <p:cNvPr id="37" name="직선 화살표 연결선 36"/>
+          <p:cNvCxnSpPr>
+            <a:stCxn id="5" idx="1"/>
+            <a:endCxn id="6" idx="0"/>
+          </p:cNvCxnSpPr>
+          <p:nvPr/>
+        </p:nvCxnSpPr>
+        <p:spPr>
+          <a:xfrm flipH="1">
+            <a:off x="1620590" y="3180247"/>
+            <a:ext cx="935186" cy="636516"/>
+          </a:xfrm>
+          <a:prstGeom prst="straightConnector1">
+            <a:avLst/>
+          </a:prstGeom>
+          <a:ln>
+            <a:solidFill>
+              <a:schemeClr val="tx1"/>
+            </a:solidFill>
+            <a:tailEnd type="triangle"/>
+          </a:ln>
+        </p:spPr>
+        <p:style>
+          <a:lnRef idx="1">
+            <a:schemeClr val="accent1"/>
+          </a:lnRef>
+          <a:fillRef idx="0">
+            <a:schemeClr val="accent1"/>
+          </a:fillRef>
+          <a:effectRef idx="0">
+            <a:schemeClr val="accent1"/>
+          </a:effectRef>
+          <a:fontRef idx="minor">
+            <a:schemeClr val="tx1"/>
+          </a:fontRef>
+        </p:style>
+      </p:cxnSp>
+      <p:cxnSp>
+        <p:nvCxnSpPr>
+          <p:cNvPr id="38" name="직선 화살표 연결선 37"/>
+          <p:cNvCxnSpPr>
+            <a:stCxn id="5" idx="3"/>
+          </p:cNvCxnSpPr>
+          <p:nvPr/>
+        </p:nvCxnSpPr>
+        <p:spPr>
+          <a:xfrm>
+            <a:off x="3993807" y="3180247"/>
+            <a:ext cx="935186" cy="636516"/>
+          </a:xfrm>
+          <a:prstGeom prst="straightConnector1">
+            <a:avLst/>
+          </a:prstGeom>
+          <a:ln>
+            <a:solidFill>
+              <a:schemeClr val="tx1"/>
+            </a:solidFill>
+            <a:tailEnd type="triangle"/>
+          </a:ln>
+        </p:spPr>
+        <p:style>
+          <a:lnRef idx="1">
+            <a:schemeClr val="accent1"/>
+          </a:lnRef>
+          <a:fillRef idx="0">
+            <a:schemeClr val="accent1"/>
+          </a:fillRef>
+          <a:effectRef idx="0">
+            <a:schemeClr val="accent1"/>
+          </a:effectRef>
+          <a:fontRef idx="minor">
+            <a:schemeClr val="tx1"/>
+          </a:fontRef>
+        </p:style>
+      </p:cxnSp>
+      <p:sp>
+        <p:nvSpPr>
+          <p:cNvPr id="42" name="직사각형 41"/>
+          <p:cNvSpPr/>
+          <p:nvPr/>
+        </p:nvSpPr>
+        <p:spPr>
+          <a:xfrm>
+            <a:off x="4596817" y="3845390"/>
+            <a:ext cx="1438031" cy="646330"/>
+          </a:xfrm>
+          <a:prstGeom prst="rect">
+            <a:avLst/>
+          </a:prstGeom>
+        </p:spPr>
+        <p:style>
+          <a:lnRef idx="2">
+            <a:schemeClr val="accent1">
+              <a:shade val="50000"/>
+            </a:schemeClr>
+          </a:lnRef>
+          <a:fillRef idx="1">
+            <a:schemeClr val="accent1"/>
+          </a:fillRef>
+          <a:effectRef idx="0">
+            <a:schemeClr val="accent1"/>
+          </a:effectRef>
+          <a:fontRef idx="minor">
+            <a:schemeClr val="lt1"/>
+          </a:fontRef>
+        </p:style>
+        <p:txBody>
+          <a:bodyPr rtlCol="0" anchor="ctr"/>
+          <a:lstStyle/>
+          <a:p>
+            <a:pPr algn="ctr"/>
+            <a:r>
+              <a:rPr lang="en-US" altLang="ko-KR" sz="1200" dirty="0"/>
+              <a:t>Vollookup.html</a:t>
+            </a:r>
+          </a:p>
+          <a:p>
+            <a:pPr algn="ctr"/>
+            <a:r>
+              <a:rPr lang="ko-KR" altLang="en-US" sz="1200" dirty="0"/>
+              <a:t>봉사 활동 조회</a:t>
+            </a:r>
+          </a:p>
+        </p:txBody>
+      </p:sp>
+    </p:spTree>
+    <p:extLst>
+      <p:ext uri="{BB962C8B-B14F-4D97-AF65-F5344CB8AC3E}">
+        <p14:creationId xmlns:p14="http://schemas.microsoft.com/office/powerpoint/2010/main" xmlns="" val="2582436038"/>
+      </p:ext>
+    </p:extLst>
+  </p:cSld>
+  <p:clrMapOvr>
+    <a:masterClrMapping/>
+  </p:clrMapOvr>
+</p:sld>
+</file>
+
+<file path=ppt/slides/slide5.xml><?xml version="1.0" encoding="utf-8"?>
 <p:sld xmlns:a="http://schemas.openxmlformats.org/drawingml/2006/main" xmlns:r="http://schemas.openxmlformats.org/officeDocument/2006/relationships" xmlns:p="http://schemas.openxmlformats.org/presentationml/2006/main">
   <p:cSld>
     <p:spTree>

--- a/헬핑프로그램구조.pptx
+++ b/헬핑프로그램구조.pptx
@@ -345,7 +345,7 @@
           <a:p>
             <a:fld id="{0D680827-631F-407F-8BE5-8CFC10F3550E}" type="datetimeFigureOut">
               <a:rPr lang="ko-KR" altLang="en-US" smtClean="0"/>
-              <a:t>2021-04-26</a:t>
+              <a:t>2021-05-03</a:t>
             </a:fld>
             <a:endParaRPr lang="ko-KR" altLang="en-US"/>
           </a:p>
@@ -532,7 +532,7 @@
           <a:p>
             <a:fld id="{0D680827-631F-407F-8BE5-8CFC10F3550E}" type="datetimeFigureOut">
               <a:rPr lang="ko-KR" altLang="en-US" smtClean="0"/>
-              <a:t>2021-04-26</a:t>
+              <a:t>2021-05-03</a:t>
             </a:fld>
             <a:endParaRPr lang="ko-KR" altLang="en-US"/>
           </a:p>
@@ -707,7 +707,7 @@
           <a:p>
             <a:fld id="{0D680827-631F-407F-8BE5-8CFC10F3550E}" type="datetimeFigureOut">
               <a:rPr lang="ko-KR" altLang="en-US" smtClean="0"/>
-              <a:t>2021-04-26</a:t>
+              <a:t>2021-05-03</a:t>
             </a:fld>
             <a:endParaRPr lang="ko-KR" altLang="en-US"/>
           </a:p>
@@ -887,7 +887,7 @@
           <a:p>
             <a:fld id="{0D680827-631F-407F-8BE5-8CFC10F3550E}" type="datetimeFigureOut">
               <a:rPr lang="ko-KR" altLang="en-US" smtClean="0"/>
-              <a:t>2021-04-26</a:t>
+              <a:t>2021-05-03</a:t>
             </a:fld>
             <a:endParaRPr lang="ko-KR" altLang="en-US"/>
           </a:p>
@@ -1134,7 +1134,7 @@
           <a:p>
             <a:fld id="{0D680827-631F-407F-8BE5-8CFC10F3550E}" type="datetimeFigureOut">
               <a:rPr lang="ko-KR" altLang="en-US" smtClean="0"/>
-              <a:t>2021-04-26</a:t>
+              <a:t>2021-05-03</a:t>
             </a:fld>
             <a:endParaRPr lang="ko-KR" altLang="en-US"/>
           </a:p>
@@ -1608,7 +1608,7 @@
           <a:p>
             <a:fld id="{0D680827-631F-407F-8BE5-8CFC10F3550E}" type="datetimeFigureOut">
               <a:rPr lang="ko-KR" altLang="en-US" smtClean="0"/>
-              <a:t>2021-04-26</a:t>
+              <a:t>2021-05-03</a:t>
             </a:fld>
             <a:endParaRPr lang="ko-KR" altLang="en-US"/>
           </a:p>
@@ -2023,7 +2023,7 @@
           <a:p>
             <a:fld id="{0D680827-631F-407F-8BE5-8CFC10F3550E}" type="datetimeFigureOut">
               <a:rPr lang="ko-KR" altLang="en-US" smtClean="0"/>
-              <a:t>2021-04-26</a:t>
+              <a:t>2021-05-03</a:t>
             </a:fld>
             <a:endParaRPr lang="ko-KR" altLang="en-US"/>
           </a:p>
@@ -2154,7 +2154,7 @@
           <a:p>
             <a:fld id="{0D680827-631F-407F-8BE5-8CFC10F3550E}" type="datetimeFigureOut">
               <a:rPr lang="ko-KR" altLang="en-US" smtClean="0"/>
-              <a:t>2021-04-26</a:t>
+              <a:t>2021-05-03</a:t>
             </a:fld>
             <a:endParaRPr lang="ko-KR" altLang="en-US"/>
           </a:p>
@@ -2249,7 +2249,7 @@
           <a:p>
             <a:fld id="{0D680827-631F-407F-8BE5-8CFC10F3550E}" type="datetimeFigureOut">
               <a:rPr lang="ko-KR" altLang="en-US" smtClean="0"/>
-              <a:t>2021-04-26</a:t>
+              <a:t>2021-05-03</a:t>
             </a:fld>
             <a:endParaRPr lang="ko-KR" altLang="en-US"/>
           </a:p>
@@ -2527,7 +2527,7 @@
           <a:p>
             <a:fld id="{0D680827-631F-407F-8BE5-8CFC10F3550E}" type="datetimeFigureOut">
               <a:rPr lang="ko-KR" altLang="en-US" smtClean="0"/>
-              <a:t>2021-04-26</a:t>
+              <a:t>2021-05-03</a:t>
             </a:fld>
             <a:endParaRPr lang="ko-KR" altLang="en-US"/>
           </a:p>
@@ -2779,7 +2779,7 @@
           <a:p>
             <a:fld id="{0D680827-631F-407F-8BE5-8CFC10F3550E}" type="datetimeFigureOut">
               <a:rPr lang="ko-KR" altLang="en-US" smtClean="0"/>
-              <a:t>2021-04-26</a:t>
+              <a:t>2021-05-03</a:t>
             </a:fld>
             <a:endParaRPr lang="ko-KR" altLang="en-US"/>
           </a:p>
@@ -3151,7 +3151,7 @@
           <a:p>
             <a:fld id="{0D680827-631F-407F-8BE5-8CFC10F3550E}" type="datetimeFigureOut">
               <a:rPr lang="ko-KR" altLang="en-US" smtClean="0"/>
-              <a:t>2021-04-26</a:t>
+              <a:t>2021-05-03</a:t>
             </a:fld>
             <a:endParaRPr lang="ko-KR" altLang="en-US"/>
           </a:p>
@@ -4939,26 +4939,76 @@
       </p:sp>
       <p:sp>
         <p:nvSpPr>
-          <p:cNvPr id="20" name="직사각형 19"/>
+          <p:cNvPr id="21" name="TextBox 20"/>
+          <p:cNvSpPr txBox="1"/>
+          <p:nvPr/>
+        </p:nvSpPr>
+        <p:spPr>
+          <a:xfrm>
+            <a:off x="2428860" y="3714752"/>
+            <a:ext cx="1857356" cy="646331"/>
+          </a:xfrm>
+          <a:prstGeom prst="rect">
+            <a:avLst/>
+          </a:prstGeom>
+          <a:noFill/>
+        </p:spPr>
+        <p:txBody>
+          <a:bodyPr wrap="square" rtlCol="0">
+            <a:spAutoFit/>
+          </a:bodyPr>
+          <a:lstStyle/>
+          <a:p>
+            <a:r>
+              <a:rPr lang="en-US" altLang="ko-KR" sz="1200" dirty="0"/>
+              <a:t>0.</a:t>
+            </a:r>
+            <a:r>
+              <a:rPr lang="ko-KR" altLang="en-US" sz="1200" dirty="0"/>
+              <a:t>봉사 받는 위치</a:t>
+            </a:r>
+            <a:endParaRPr lang="en-US" altLang="ko-KR" sz="1200" dirty="0"/>
+          </a:p>
+          <a:p>
+            <a:r>
+              <a:rPr lang="en-US" altLang="ko-KR" sz="1200" dirty="0"/>
+              <a:t>1.</a:t>
+            </a:r>
+            <a:r>
+              <a:rPr lang="ko-KR" altLang="en-US" sz="1200" dirty="0"/>
+              <a:t>시간</a:t>
+            </a:r>
+            <a:endParaRPr lang="en-US" altLang="ko-KR" sz="1200" dirty="0"/>
+          </a:p>
+          <a:p>
+            <a:r>
+              <a:rPr lang="en-US" altLang="ko-KR" sz="1200" dirty="0"/>
+              <a:t>2.</a:t>
+            </a:r>
+            <a:r>
+              <a:rPr lang="ko-KR" altLang="en-US" sz="1200" dirty="0"/>
+              <a:t>봉사 내용</a:t>
+            </a:r>
+          </a:p>
+        </p:txBody>
+      </p:sp>
+      <p:sp>
+        <p:nvSpPr>
+          <p:cNvPr id="23" name="직사각형 22"/>
           <p:cNvSpPr/>
           <p:nvPr/>
         </p:nvSpPr>
         <p:spPr>
           <a:xfrm>
-            <a:off x="2500298" y="3357562"/>
-            <a:ext cx="1214446" cy="357190"/>
+            <a:off x="7643834" y="2500306"/>
+            <a:ext cx="847732" cy="204790"/>
           </a:xfrm>
           <a:prstGeom prst="rect">
             <a:avLst/>
           </a:prstGeom>
           <a:solidFill>
-            <a:srgbClr val="92D050"/>
+            <a:schemeClr val="accent2"/>
           </a:solidFill>
-          <a:ln>
-            <a:solidFill>
-              <a:srgbClr val="FFFF00"/>
-            </a:solidFill>
-          </a:ln>
         </p:spPr>
         <p:style>
           <a:lnRef idx="2">
@@ -4982,128 +5032,9 @@
           <a:p>
             <a:pPr algn="ctr"/>
             <a:r>
-              <a:rPr lang="ko-KR" altLang="en-US" sz="1400" dirty="0">
-                <a:solidFill>
-                  <a:schemeClr val="bg1"/>
-                </a:solidFill>
-              </a:rPr>
-              <a:t>구인구직</a:t>
-            </a:r>
-            <a:r>
-              <a:rPr lang="en-US" altLang="ko-KR" sz="1400" dirty="0">
-                <a:solidFill>
-                  <a:schemeClr val="bg1"/>
-                </a:solidFill>
-              </a:rPr>
-              <a:t>.DB</a:t>
-            </a:r>
-            <a:endParaRPr lang="ko-KR" altLang="en-US" sz="1400" dirty="0">
-              <a:solidFill>
-                <a:schemeClr val="bg1"/>
-              </a:solidFill>
-            </a:endParaRPr>
-          </a:p>
-        </p:txBody>
-      </p:sp>
-      <p:sp>
-        <p:nvSpPr>
-          <p:cNvPr id="21" name="TextBox 20"/>
-          <p:cNvSpPr txBox="1"/>
-          <p:nvPr/>
-        </p:nvSpPr>
-        <p:spPr>
-          <a:xfrm>
-            <a:off x="2428860" y="3714752"/>
-            <a:ext cx="1857356" cy="646331"/>
-          </a:xfrm>
-          <a:prstGeom prst="rect">
-            <a:avLst/>
-          </a:prstGeom>
-          <a:noFill/>
-        </p:spPr>
-        <p:txBody>
-          <a:bodyPr wrap="square" rtlCol="0">
-            <a:spAutoFit/>
-          </a:bodyPr>
-          <a:lstStyle/>
-          <a:p>
-            <a:r>
-              <a:rPr lang="en-US" altLang="ko-KR" sz="1200" dirty="0"/>
-              <a:t>0.</a:t>
-            </a:r>
-            <a:r>
-              <a:rPr lang="ko-KR" altLang="en-US" sz="1200" dirty="0"/>
-              <a:t>봉사 받는 위치</a:t>
-            </a:r>
-            <a:endParaRPr lang="en-US" altLang="ko-KR" sz="1200" dirty="0"/>
-          </a:p>
-          <a:p>
-            <a:r>
-              <a:rPr lang="en-US" altLang="ko-KR" sz="1200" dirty="0"/>
-              <a:t>1.</a:t>
-            </a:r>
-            <a:r>
-              <a:rPr lang="ko-KR" altLang="en-US" sz="1200" dirty="0"/>
-              <a:t>시간</a:t>
-            </a:r>
-            <a:endParaRPr lang="en-US" altLang="ko-KR" sz="1200" dirty="0"/>
-          </a:p>
-          <a:p>
-            <a:r>
-              <a:rPr lang="en-US" altLang="ko-KR" sz="1200" dirty="0"/>
-              <a:t>2.</a:t>
-            </a:r>
-            <a:r>
-              <a:rPr lang="ko-KR" altLang="en-US" sz="1200" dirty="0"/>
-              <a:t>봉사 내용</a:t>
-            </a:r>
-          </a:p>
-        </p:txBody>
-      </p:sp>
-      <p:sp>
-        <p:nvSpPr>
-          <p:cNvPr id="23" name="직사각형 22"/>
-          <p:cNvSpPr/>
-          <p:nvPr/>
-        </p:nvSpPr>
-        <p:spPr>
-          <a:xfrm>
-            <a:off x="7643834" y="2500306"/>
-            <a:ext cx="847732" cy="204790"/>
-          </a:xfrm>
-          <a:prstGeom prst="rect">
-            <a:avLst/>
-          </a:prstGeom>
-          <a:solidFill>
-            <a:schemeClr val="accent2"/>
-          </a:solidFill>
-        </p:spPr>
-        <p:style>
-          <a:lnRef idx="2">
-            <a:schemeClr val="accent1">
-              <a:shade val="50000"/>
-            </a:schemeClr>
-          </a:lnRef>
-          <a:fillRef idx="1">
-            <a:schemeClr val="accent1"/>
-          </a:fillRef>
-          <a:effectRef idx="0">
-            <a:schemeClr val="accent1"/>
-          </a:effectRef>
-          <a:fontRef idx="minor">
-            <a:schemeClr val="lt1"/>
-          </a:fontRef>
-        </p:style>
-        <p:txBody>
-          <a:bodyPr rtlCol="0" anchor="ctr"/>
-          <a:lstStyle/>
-          <a:p>
-            <a:pPr algn="ctr"/>
-            <a:r>
-              <a:rPr lang="ko-KR" altLang="en-US" sz="1000"/>
+              <a:rPr lang="ko-KR" altLang="en-US" sz="1000" dirty="0"/>
               <a:t>로그아웃</a:t>
             </a:r>
-            <a:endParaRPr lang="ko-KR" altLang="en-US" sz="1000" dirty="0"/>
           </a:p>
         </p:txBody>
       </p:sp>
@@ -6757,7 +6688,7 @@
           <a:p>
             <a:pPr algn="ctr"/>
             <a:r>
-              <a:rPr lang="ko-KR" altLang="en-US" sz="1400">
+              <a:rPr lang="ko-KR" altLang="en-US" sz="1400" dirty="0">
                 <a:solidFill>
                   <a:schemeClr val="bg1"/>
                 </a:solidFill>

--- a/헬핑프로그램구조.pptx
+++ b/헬핑프로그램구조.pptx
@@ -3653,9 +3653,9 @@
           <p:nvPr/>
         </p:nvCxnSpPr>
         <p:spPr>
-          <a:xfrm rot="5400000">
-            <a:off x="2257056" y="2240318"/>
-            <a:ext cx="377100" cy="1588"/>
+          <a:xfrm>
+            <a:off x="2104115" y="2051768"/>
+            <a:ext cx="341491" cy="377100"/>
           </a:xfrm>
           <a:prstGeom prst="straightConnector1">
             <a:avLst/>
@@ -3919,8 +3919,8 @@
         </p:nvSpPr>
         <p:spPr>
           <a:xfrm>
-            <a:off x="1726590" y="1500174"/>
-            <a:ext cx="1438031" cy="551594"/>
+            <a:off x="1043608" y="1500174"/>
+            <a:ext cx="2121013" cy="551594"/>
           </a:xfrm>
           <a:prstGeom prst="rect">
             <a:avLst/>
@@ -3948,23 +3948,27 @@
           <a:p>
             <a:pPr algn="ctr"/>
             <a:r>
-              <a:rPr lang="en-US" altLang="ko-KR" dirty="0" err="1"/>
-              <a:t>Main.php</a:t>
+              <a:rPr lang="en-US" altLang="ko-KR" dirty="0" smtClean="0"/>
+              <a:t>Blogmain.html</a:t>
             </a:r>
             <a:endParaRPr lang="en-US" altLang="ko-KR" dirty="0"/>
           </a:p>
           <a:p>
             <a:pPr algn="ctr"/>
             <a:r>
-              <a:rPr lang="en-US" altLang="ko-KR" dirty="0"/>
+              <a:rPr lang="en-US" altLang="ko-KR" dirty="0" smtClean="0"/>
               <a:t>(</a:t>
             </a:r>
             <a:r>
-              <a:rPr lang="ko-KR" altLang="en-US" dirty="0"/>
-              <a:t>기본화면</a:t>
-            </a:r>
-            <a:r>
-              <a:rPr lang="en-US" altLang="ko-KR" dirty="0"/>
+              <a:rPr lang="ko-KR" altLang="en-US" dirty="0" err="1" smtClean="0"/>
+              <a:t>로그인전</a:t>
+            </a:r>
+            <a:r>
+              <a:rPr lang="ko-KR" altLang="en-US" dirty="0" smtClean="0"/>
+              <a:t> 메인</a:t>
+            </a:r>
+            <a:r>
+              <a:rPr lang="en-US" altLang="ko-KR" dirty="0" smtClean="0"/>
               <a:t>)</a:t>
             </a:r>
             <a:endParaRPr lang="ko-KR" altLang="en-US" dirty="0"/>
@@ -3979,8 +3983,8 @@
         </p:nvSpPr>
         <p:spPr>
           <a:xfrm>
-            <a:off x="1726590" y="3500438"/>
-            <a:ext cx="1438031" cy="765908"/>
+            <a:off x="500034" y="3500438"/>
+            <a:ext cx="2664587" cy="765908"/>
           </a:xfrm>
           <a:prstGeom prst="rect">
             <a:avLst/>
@@ -4008,23 +4012,23 @@
           <a:p>
             <a:pPr algn="ctr"/>
             <a:r>
-              <a:rPr lang="en-US" altLang="ko-KR" dirty="0" err="1"/>
-              <a:t>Main.php</a:t>
+              <a:rPr lang="en-US" altLang="ko-KR" dirty="0" smtClean="0"/>
+              <a:t>Alogmain.html</a:t>
             </a:r>
             <a:endParaRPr lang="en-US" altLang="ko-KR" dirty="0"/>
           </a:p>
           <a:p>
             <a:pPr algn="ctr"/>
             <a:r>
-              <a:rPr lang="en-US" altLang="ko-KR" dirty="0"/>
+              <a:rPr lang="en-US" altLang="ko-KR" dirty="0" smtClean="0"/>
               <a:t>(</a:t>
             </a:r>
             <a:r>
-              <a:rPr lang="ko-KR" altLang="en-US" dirty="0"/>
-              <a:t>기본화면</a:t>
-            </a:r>
-            <a:r>
-              <a:rPr lang="en-US" altLang="ko-KR" dirty="0"/>
+              <a:rPr lang="ko-KR" altLang="en-US" dirty="0" smtClean="0"/>
+              <a:t>로그인 후 메인</a:t>
+            </a:r>
+            <a:r>
+              <a:rPr lang="en-US" altLang="ko-KR" dirty="0" smtClean="0"/>
               <a:t>)</a:t>
             </a:r>
             <a:endParaRPr lang="ko-KR" altLang="en-US" dirty="0"/>
@@ -4041,9 +4045,9 @@
           <p:nvPr/>
         </p:nvCxnSpPr>
         <p:spPr>
-          <a:xfrm rot="5400000">
-            <a:off x="2159854" y="3214686"/>
-            <a:ext cx="571504" cy="1588"/>
+          <a:xfrm flipH="1">
+            <a:off x="1832328" y="2928934"/>
+            <a:ext cx="613278" cy="571504"/>
           </a:xfrm>
           <a:prstGeom prst="straightConnector1">
             <a:avLst/>

--- a/헬핑프로그램구조.pptx
+++ b/헬핑프로그램구조.pptx
@@ -345,7 +345,7 @@
           <a:p>
             <a:fld id="{0D680827-631F-407F-8BE5-8CFC10F3550E}" type="datetimeFigureOut">
               <a:rPr lang="ko-KR" altLang="en-US" smtClean="0"/>
-              <a:t>2021-05-03</a:t>
+              <a:t>2021-05-11</a:t>
             </a:fld>
             <a:endParaRPr lang="ko-KR" altLang="en-US"/>
           </a:p>
@@ -532,7 +532,7 @@
           <a:p>
             <a:fld id="{0D680827-631F-407F-8BE5-8CFC10F3550E}" type="datetimeFigureOut">
               <a:rPr lang="ko-KR" altLang="en-US" smtClean="0"/>
-              <a:t>2021-05-03</a:t>
+              <a:t>2021-05-11</a:t>
             </a:fld>
             <a:endParaRPr lang="ko-KR" altLang="en-US"/>
           </a:p>
@@ -707,7 +707,7 @@
           <a:p>
             <a:fld id="{0D680827-631F-407F-8BE5-8CFC10F3550E}" type="datetimeFigureOut">
               <a:rPr lang="ko-KR" altLang="en-US" smtClean="0"/>
-              <a:t>2021-05-03</a:t>
+              <a:t>2021-05-11</a:t>
             </a:fld>
             <a:endParaRPr lang="ko-KR" altLang="en-US"/>
           </a:p>
@@ -887,7 +887,7 @@
           <a:p>
             <a:fld id="{0D680827-631F-407F-8BE5-8CFC10F3550E}" type="datetimeFigureOut">
               <a:rPr lang="ko-KR" altLang="en-US" smtClean="0"/>
-              <a:t>2021-05-03</a:t>
+              <a:t>2021-05-11</a:t>
             </a:fld>
             <a:endParaRPr lang="ko-KR" altLang="en-US"/>
           </a:p>
@@ -1134,7 +1134,7 @@
           <a:p>
             <a:fld id="{0D680827-631F-407F-8BE5-8CFC10F3550E}" type="datetimeFigureOut">
               <a:rPr lang="ko-KR" altLang="en-US" smtClean="0"/>
-              <a:t>2021-05-03</a:t>
+              <a:t>2021-05-11</a:t>
             </a:fld>
             <a:endParaRPr lang="ko-KR" altLang="en-US"/>
           </a:p>
@@ -1608,7 +1608,7 @@
           <a:p>
             <a:fld id="{0D680827-631F-407F-8BE5-8CFC10F3550E}" type="datetimeFigureOut">
               <a:rPr lang="ko-KR" altLang="en-US" smtClean="0"/>
-              <a:t>2021-05-03</a:t>
+              <a:t>2021-05-11</a:t>
             </a:fld>
             <a:endParaRPr lang="ko-KR" altLang="en-US"/>
           </a:p>
@@ -2023,7 +2023,7 @@
           <a:p>
             <a:fld id="{0D680827-631F-407F-8BE5-8CFC10F3550E}" type="datetimeFigureOut">
               <a:rPr lang="ko-KR" altLang="en-US" smtClean="0"/>
-              <a:t>2021-05-03</a:t>
+              <a:t>2021-05-11</a:t>
             </a:fld>
             <a:endParaRPr lang="ko-KR" altLang="en-US"/>
           </a:p>
@@ -2154,7 +2154,7 @@
           <a:p>
             <a:fld id="{0D680827-631F-407F-8BE5-8CFC10F3550E}" type="datetimeFigureOut">
               <a:rPr lang="ko-KR" altLang="en-US" smtClean="0"/>
-              <a:t>2021-05-03</a:t>
+              <a:t>2021-05-11</a:t>
             </a:fld>
             <a:endParaRPr lang="ko-KR" altLang="en-US"/>
           </a:p>
@@ -2249,7 +2249,7 @@
           <a:p>
             <a:fld id="{0D680827-631F-407F-8BE5-8CFC10F3550E}" type="datetimeFigureOut">
               <a:rPr lang="ko-KR" altLang="en-US" smtClean="0"/>
-              <a:t>2021-05-03</a:t>
+              <a:t>2021-05-11</a:t>
             </a:fld>
             <a:endParaRPr lang="ko-KR" altLang="en-US"/>
           </a:p>
@@ -2527,7 +2527,7 @@
           <a:p>
             <a:fld id="{0D680827-631F-407F-8BE5-8CFC10F3550E}" type="datetimeFigureOut">
               <a:rPr lang="ko-KR" altLang="en-US" smtClean="0"/>
-              <a:t>2021-05-03</a:t>
+              <a:t>2021-05-11</a:t>
             </a:fld>
             <a:endParaRPr lang="ko-KR" altLang="en-US"/>
           </a:p>
@@ -2779,7 +2779,7 @@
           <a:p>
             <a:fld id="{0D680827-631F-407F-8BE5-8CFC10F3550E}" type="datetimeFigureOut">
               <a:rPr lang="ko-KR" altLang="en-US" smtClean="0"/>
-              <a:t>2021-05-03</a:t>
+              <a:t>2021-05-11</a:t>
             </a:fld>
             <a:endParaRPr lang="ko-KR" altLang="en-US"/>
           </a:p>
@@ -3151,7 +3151,7 @@
           <a:p>
             <a:fld id="{0D680827-631F-407F-8BE5-8CFC10F3550E}" type="datetimeFigureOut">
               <a:rPr lang="ko-KR" altLang="en-US" smtClean="0"/>
-              <a:t>2021-05-03</a:t>
+              <a:t>2021-05-11</a:t>
             </a:fld>
             <a:endParaRPr lang="ko-KR" altLang="en-US"/>
           </a:p>
@@ -3776,16 +3776,16 @@
           <a:p>
             <a:pPr algn="ctr"/>
             <a:r>
-              <a:rPr lang="ko-KR" altLang="en-US" sz="1200" i="1" dirty="0"/>
-              <a:t>회원가입</a:t>
-            </a:r>
-            <a:r>
-              <a:rPr lang="en-US" altLang="ko-KR" sz="1200" i="1" dirty="0"/>
-              <a:t>.</a:t>
-            </a:r>
-            <a:r>
               <a:rPr lang="en-US" altLang="ko-KR" sz="1200" i="1" dirty="0" err="1"/>
-              <a:t>php</a:t>
+              <a:t>S</a:t>
+            </a:r>
+            <a:r>
+              <a:rPr lang="en-US" altLang="ko-KR" sz="1200" i="1" dirty="0" err="1" smtClean="0"/>
+              <a:t>ignup</a:t>
+            </a:r>
+            <a:r>
+              <a:rPr lang="en-US" altLang="ko-KR" sz="1200" i="1" dirty="0" err="1" smtClean="0"/>
+              <a:t>.php</a:t>
             </a:r>
             <a:endParaRPr lang="ko-KR" altLang="en-US" sz="1200" i="1" dirty="0"/>
           </a:p>
@@ -4303,6 +4303,66 @@
           </a:fontRef>
         </p:style>
       </p:cxnSp>
+      <p:sp>
+        <p:nvSpPr>
+          <p:cNvPr id="16" name="직사각형 15"/>
+          <p:cNvSpPr/>
+          <p:nvPr/>
+        </p:nvSpPr>
+        <p:spPr>
+          <a:xfrm>
+            <a:off x="3798292" y="3117484"/>
+            <a:ext cx="1148858" cy="382954"/>
+          </a:xfrm>
+          <a:prstGeom prst="rect">
+            <a:avLst/>
+          </a:prstGeom>
+          <a:solidFill>
+            <a:srgbClr val="92D050"/>
+          </a:solidFill>
+          <a:ln>
+            <a:solidFill>
+              <a:srgbClr val="FFFF00"/>
+            </a:solidFill>
+          </a:ln>
+        </p:spPr>
+        <p:style>
+          <a:lnRef idx="2">
+            <a:schemeClr val="accent1">
+              <a:shade val="50000"/>
+            </a:schemeClr>
+          </a:lnRef>
+          <a:fillRef idx="1">
+            <a:schemeClr val="accent1"/>
+          </a:fillRef>
+          <a:effectRef idx="0">
+            <a:schemeClr val="accent1"/>
+          </a:effectRef>
+          <a:fontRef idx="minor">
+            <a:schemeClr val="lt1"/>
+          </a:fontRef>
+        </p:style>
+        <p:txBody>
+          <a:bodyPr rtlCol="0" anchor="ctr"/>
+          <a:lstStyle/>
+          <a:p>
+            <a:pPr algn="ctr"/>
+            <a:r>
+              <a:rPr lang="en-US" altLang="ko-KR" dirty="0" smtClean="0">
+                <a:solidFill>
+                  <a:schemeClr val="bg1"/>
+                </a:solidFill>
+              </a:rPr>
+              <a:t>User </a:t>
+            </a:r>
+            <a:endParaRPr lang="ko-KR" altLang="en-US" dirty="0">
+              <a:solidFill>
+                <a:schemeClr val="bg1"/>
+              </a:solidFill>
+            </a:endParaRPr>
+          </a:p>
+        </p:txBody>
+      </p:sp>
     </p:spTree>
   </p:cSld>
   <p:clrMapOvr>

--- a/헬핑프로그램구조.pptx
+++ b/헬핑프로그램구조.pptx
@@ -6715,7 +6715,7 @@
         </p:nvSpPr>
         <p:spPr>
           <a:xfrm>
-            <a:off x="6215074" y="3714752"/>
+            <a:off x="6215074" y="3750459"/>
             <a:ext cx="1214446" cy="357190"/>
           </a:xfrm>
           <a:prstGeom prst="rect">

--- a/헬핑프로그램구조.pptx
+++ b/헬핑프로그램구조.pptx
@@ -3777,15 +3777,7 @@
             <a:pPr algn="ctr"/>
             <a:r>
               <a:rPr lang="en-US" altLang="ko-KR" sz="1200" i="1" dirty="0" err="1"/>
-              <a:t>S</a:t>
-            </a:r>
-            <a:r>
-              <a:rPr lang="en-US" altLang="ko-KR" sz="1200" i="1" dirty="0" err="1" smtClean="0"/>
-              <a:t>ignup</a:t>
-            </a:r>
-            <a:r>
-              <a:rPr lang="en-US" altLang="ko-KR" sz="1200" i="1" dirty="0" err="1" smtClean="0"/>
-              <a:t>.php</a:t>
+              <a:t>Signup.php</a:t>
             </a:r>
             <a:endParaRPr lang="ko-KR" altLang="en-US" sz="1200" i="1" dirty="0"/>
           </a:p>
@@ -3948,27 +3940,26 @@
           <a:p>
             <a:pPr algn="ctr"/>
             <a:r>
-              <a:rPr lang="en-US" altLang="ko-KR" dirty="0" smtClean="0"/>
+              <a:rPr lang="en-US" altLang="ko-KR" dirty="0"/>
               <a:t>Blogmain.html</a:t>
             </a:r>
-            <a:endParaRPr lang="en-US" altLang="ko-KR" dirty="0"/>
           </a:p>
           <a:p>
             <a:pPr algn="ctr"/>
             <a:r>
-              <a:rPr lang="en-US" altLang="ko-KR" dirty="0" smtClean="0"/>
+              <a:rPr lang="en-US" altLang="ko-KR" dirty="0"/>
               <a:t>(</a:t>
             </a:r>
             <a:r>
-              <a:rPr lang="ko-KR" altLang="en-US" dirty="0" err="1" smtClean="0"/>
+              <a:rPr lang="ko-KR" altLang="en-US" dirty="0" err="1"/>
               <a:t>로그인전</a:t>
             </a:r>
             <a:r>
-              <a:rPr lang="ko-KR" altLang="en-US" dirty="0" smtClean="0"/>
+              <a:rPr lang="ko-KR" altLang="en-US" dirty="0"/>
               <a:t> 메인</a:t>
             </a:r>
             <a:r>
-              <a:rPr lang="en-US" altLang="ko-KR" dirty="0" smtClean="0"/>
+              <a:rPr lang="en-US" altLang="ko-KR" dirty="0"/>
               <a:t>)</a:t>
             </a:r>
             <a:endParaRPr lang="ko-KR" altLang="en-US" dirty="0"/>
@@ -4012,23 +4003,22 @@
           <a:p>
             <a:pPr algn="ctr"/>
             <a:r>
-              <a:rPr lang="en-US" altLang="ko-KR" dirty="0" smtClean="0"/>
+              <a:rPr lang="en-US" altLang="ko-KR" dirty="0"/>
               <a:t>Alogmain.html</a:t>
             </a:r>
-            <a:endParaRPr lang="en-US" altLang="ko-KR" dirty="0"/>
           </a:p>
           <a:p>
             <a:pPr algn="ctr"/>
             <a:r>
-              <a:rPr lang="en-US" altLang="ko-KR" dirty="0" smtClean="0"/>
+              <a:rPr lang="en-US" altLang="ko-KR" dirty="0"/>
               <a:t>(</a:t>
             </a:r>
             <a:r>
-              <a:rPr lang="ko-KR" altLang="en-US" dirty="0" smtClean="0"/>
+              <a:rPr lang="ko-KR" altLang="en-US" dirty="0"/>
               <a:t>로그인 후 메인</a:t>
             </a:r>
             <a:r>
-              <a:rPr lang="en-US" altLang="ko-KR" dirty="0" smtClean="0"/>
+              <a:rPr lang="en-US" altLang="ko-KR" dirty="0"/>
               <a:t>)</a:t>
             </a:r>
             <a:endParaRPr lang="ko-KR" altLang="en-US" dirty="0"/>
@@ -4196,10 +4186,6 @@
               <a:rPr lang="ko-KR" altLang="en-US" sz="1200" dirty="0"/>
               <a:t>이름</a:t>
             </a:r>
-            <a:r>
-              <a:rPr lang="en-US" altLang="ko-KR" sz="1200" dirty="0"/>
-              <a:t/>
-            </a:r>
             <a:br>
               <a:rPr lang="en-US" altLang="ko-KR" sz="1200" dirty="0"/>
             </a:br>
@@ -4233,10 +4219,6 @@
               <a:rPr lang="ko-KR" altLang="en-US" sz="1200" dirty="0"/>
               <a:t>주민등록번호</a:t>
             </a:r>
-            <a:r>
-              <a:rPr lang="en-US" altLang="ko-KR" sz="1200" dirty="0"/>
-              <a:t/>
-            </a:r>
             <a:br>
               <a:rPr lang="en-US" altLang="ko-KR" sz="1200" dirty="0"/>
             </a:br>
@@ -4247,10 +4229,6 @@
             <a:r>
               <a:rPr lang="ko-KR" altLang="en-US" sz="1200" dirty="0"/>
               <a:t>인증</a:t>
-            </a:r>
-            <a:r>
-              <a:rPr lang="en-US" altLang="ko-KR" sz="1200" dirty="0"/>
-              <a:t/>
             </a:r>
             <a:br>
               <a:rPr lang="en-US" altLang="ko-KR" sz="1200" dirty="0"/>
@@ -4348,7 +4326,7 @@
           <a:p>
             <a:pPr algn="ctr"/>
             <a:r>
-              <a:rPr lang="en-US" altLang="ko-KR" dirty="0" smtClean="0">
+              <a:rPr lang="en-US" altLang="ko-KR" dirty="0">
                 <a:solidFill>
                   <a:schemeClr val="bg1"/>
                 </a:solidFill>
@@ -4929,14 +4907,14 @@
           <a:p>
             <a:pPr algn="ctr"/>
             <a:r>
-              <a:rPr lang="en-US" altLang="ko-KR" sz="1200" dirty="0" smtClean="0"/>
+              <a:rPr lang="en-US" altLang="ko-KR" sz="1200" dirty="0"/>
               <a:t>Informod.html</a:t>
             </a:r>
           </a:p>
           <a:p>
             <a:pPr algn="ctr"/>
             <a:r>
-              <a:rPr lang="en-US" altLang="ko-KR" sz="1200" dirty="0" smtClean="0"/>
+              <a:rPr lang="en-US" altLang="ko-KR" sz="1200" dirty="0"/>
               <a:t>(</a:t>
             </a:r>
             <a:r>
@@ -5139,26 +5117,26 @@
           <a:p>
             <a:pPr algn="ctr"/>
             <a:r>
-              <a:rPr lang="en-US" altLang="ko-KR" sz="1200" dirty="0" smtClean="0"/>
+              <a:rPr lang="en-US" altLang="ko-KR" sz="1200" dirty="0"/>
               <a:t>Informodlogin.html</a:t>
             </a:r>
           </a:p>
           <a:p>
             <a:pPr algn="ctr"/>
             <a:r>
-              <a:rPr lang="en-US" altLang="ko-KR" sz="1200" dirty="0" smtClean="0"/>
+              <a:rPr lang="en-US" altLang="ko-KR" sz="1200" dirty="0"/>
               <a:t>(</a:t>
             </a:r>
             <a:r>
-              <a:rPr lang="ko-KR" altLang="en-US" sz="1200" dirty="0" err="1" smtClean="0"/>
+              <a:rPr lang="ko-KR" altLang="en-US" sz="1200" dirty="0" err="1"/>
               <a:t>접근하기위해</a:t>
             </a:r>
             <a:r>
-              <a:rPr lang="ko-KR" altLang="en-US" sz="1200" dirty="0" smtClean="0"/>
+              <a:rPr lang="ko-KR" altLang="en-US" sz="1200" dirty="0"/>
               <a:t> 비밀번호</a:t>
             </a:r>
             <a:r>
-              <a:rPr lang="en-US" altLang="ko-KR" sz="1200" dirty="0" smtClean="0"/>
+              <a:rPr lang="en-US" altLang="ko-KR" sz="1200" dirty="0"/>
               <a:t>)</a:t>
             </a:r>
             <a:endParaRPr lang="ko-KR" altLang="en-US" sz="1200" dirty="0"/>
@@ -5206,14 +5184,13 @@
           <a:lstStyle/>
           <a:p>
             <a:r>
-              <a:rPr lang="ko-KR" altLang="en-US" dirty="0" err="1" smtClean="0"/>
+              <a:rPr lang="ko-KR" altLang="en-US" dirty="0" err="1"/>
               <a:t>내정보</a:t>
             </a:r>
             <a:r>
-              <a:rPr lang="ko-KR" altLang="en-US" dirty="0" smtClean="0"/>
+              <a:rPr lang="ko-KR" altLang="en-US" dirty="0"/>
               <a:t> 정리</a:t>
             </a:r>
-            <a:endParaRPr lang="ko-KR" altLang="en-US" dirty="0"/>
           </a:p>
         </p:txBody>
       </p:sp>
@@ -5300,22 +5277,22 @@
           <a:p>
             <a:pPr algn="ctr"/>
             <a:r>
-              <a:rPr lang="en-US" altLang="ko-KR" sz="1200" dirty="0" smtClean="0"/>
+              <a:rPr lang="en-US" altLang="ko-KR" sz="1200" dirty="0"/>
               <a:t>Informod.html</a:t>
             </a:r>
           </a:p>
           <a:p>
             <a:pPr algn="ctr"/>
             <a:r>
-              <a:rPr lang="en-US" altLang="ko-KR" sz="1200" dirty="0" smtClean="0"/>
+              <a:rPr lang="en-US" altLang="ko-KR" sz="1200" dirty="0"/>
               <a:t>(</a:t>
             </a:r>
             <a:r>
-              <a:rPr lang="ko-KR" altLang="en-US" sz="1200" dirty="0" smtClean="0"/>
+              <a:rPr lang="ko-KR" altLang="en-US" sz="1200" dirty="0"/>
               <a:t>선택창</a:t>
             </a:r>
             <a:r>
-              <a:rPr lang="en-US" altLang="ko-KR" sz="1200" dirty="0" smtClean="0"/>
+              <a:rPr lang="en-US" altLang="ko-KR" sz="1200" dirty="0"/>
               <a:t>)</a:t>
             </a:r>
             <a:endParaRPr lang="ko-KR" altLang="en-US" sz="1200" dirty="0"/>
@@ -5359,26 +5336,26 @@
           <a:p>
             <a:pPr algn="ctr"/>
             <a:r>
-              <a:rPr lang="en-US" altLang="ko-KR" sz="1200" dirty="0" smtClean="0"/>
+              <a:rPr lang="en-US" altLang="ko-KR" sz="1200" dirty="0"/>
               <a:t>Informodlogin.html</a:t>
             </a:r>
           </a:p>
           <a:p>
             <a:pPr algn="ctr"/>
             <a:r>
-              <a:rPr lang="en-US" altLang="ko-KR" sz="1200" dirty="0" smtClean="0"/>
+              <a:rPr lang="en-US" altLang="ko-KR" sz="1200" dirty="0"/>
               <a:t>(</a:t>
             </a:r>
             <a:r>
-              <a:rPr lang="ko-KR" altLang="en-US" sz="1200" dirty="0" err="1" smtClean="0"/>
+              <a:rPr lang="ko-KR" altLang="en-US" sz="1200" dirty="0" err="1"/>
               <a:t>접근하기위해</a:t>
             </a:r>
             <a:r>
-              <a:rPr lang="ko-KR" altLang="en-US" sz="1200" dirty="0" smtClean="0"/>
+              <a:rPr lang="ko-KR" altLang="en-US" sz="1200" dirty="0"/>
               <a:t> 비밀번호</a:t>
             </a:r>
             <a:r>
-              <a:rPr lang="en-US" altLang="ko-KR" sz="1200" dirty="0" smtClean="0"/>
+              <a:rPr lang="en-US" altLang="ko-KR" sz="1200" dirty="0"/>
               <a:t>)</a:t>
             </a:r>
             <a:endParaRPr lang="ko-KR" altLang="en-US" sz="1200" dirty="0"/>
@@ -5464,7 +5441,7 @@
           <a:p>
             <a:pPr algn="ctr"/>
             <a:r>
-              <a:rPr lang="en-US" altLang="ko-KR" dirty="0" smtClean="0"/>
+              <a:rPr lang="en-US" altLang="ko-KR" dirty="0"/>
               <a:t>true</a:t>
             </a:r>
             <a:endParaRPr lang="ko-KR" altLang="en-US" dirty="0"/>
@@ -5511,7 +5488,7 @@
           <a:p>
             <a:pPr algn="ctr"/>
             <a:r>
-              <a:rPr lang="en-US" altLang="ko-KR" dirty="0" smtClean="0"/>
+              <a:rPr lang="en-US" altLang="ko-KR" dirty="0"/>
               <a:t>false</a:t>
             </a:r>
             <a:endParaRPr lang="ko-KR" altLang="en-US" dirty="0"/>
@@ -5555,22 +5532,22 @@
           <a:p>
             <a:pPr algn="ctr"/>
             <a:r>
-              <a:rPr lang="en-US" altLang="ko-KR" sz="1200" dirty="0" smtClean="0"/>
+              <a:rPr lang="en-US" altLang="ko-KR" sz="1200" dirty="0"/>
               <a:t>Informch.html</a:t>
             </a:r>
           </a:p>
           <a:p>
             <a:pPr algn="ctr"/>
             <a:r>
-              <a:rPr lang="en-US" altLang="ko-KR" sz="1200" dirty="0" smtClean="0"/>
+              <a:rPr lang="en-US" altLang="ko-KR" sz="1200" dirty="0"/>
               <a:t>(</a:t>
             </a:r>
             <a:r>
-              <a:rPr lang="ko-KR" altLang="en-US" sz="1200" dirty="0" smtClean="0"/>
+              <a:rPr lang="ko-KR" altLang="en-US" sz="1200" dirty="0"/>
               <a:t>정보변경</a:t>
             </a:r>
             <a:r>
-              <a:rPr lang="en-US" altLang="ko-KR" sz="1200" dirty="0" smtClean="0"/>
+              <a:rPr lang="en-US" altLang="ko-KR" sz="1200" dirty="0"/>
               <a:t>)</a:t>
             </a:r>
             <a:endParaRPr lang="ko-KR" altLang="en-US" sz="1200" dirty="0"/>
@@ -6915,7 +6892,7 @@
         <p:spPr>
           <a:xfrm>
             <a:off x="857224" y="4143380"/>
-            <a:ext cx="1500198" cy="830997"/>
+            <a:ext cx="1500198" cy="1015663"/>
           </a:xfrm>
           <a:prstGeom prst="rect">
             <a:avLst/>
@@ -6936,7 +6913,18 @@
               <a:rPr lang="ko-KR" altLang="en-US" sz="1200" dirty="0"/>
               <a:t>봉사 받는 위치</a:t>
             </a:r>
-            <a:endParaRPr lang="en-US" altLang="ko-KR" sz="1200" dirty="0"/>
+            <a:r>
+              <a:rPr lang="en-US" altLang="ko-KR" sz="1200" dirty="0"/>
+              <a:t>(</a:t>
+            </a:r>
+            <a:r>
+              <a:rPr lang="ko-KR" altLang="en-US" sz="1200" dirty="0" err="1"/>
+              <a:t>외래키</a:t>
+            </a:r>
+            <a:r>
+              <a:rPr lang="en-US" altLang="ko-KR" sz="1200" dirty="0"/>
+              <a:t>)</a:t>
+            </a:r>
           </a:p>
           <a:p>
             <a:r>
@@ -6981,7 +6969,7 @@
         <p:spPr>
           <a:xfrm>
             <a:off x="6215074" y="4214818"/>
-            <a:ext cx="1500198" cy="461665"/>
+            <a:ext cx="1714512" cy="461665"/>
           </a:xfrm>
           <a:prstGeom prst="rect">
             <a:avLst/>
@@ -7002,16 +6990,27 @@
               <a:rPr lang="ko-KR" altLang="en-US" sz="1200" dirty="0"/>
               <a:t>구직자 정보</a:t>
             </a:r>
-            <a:endParaRPr lang="en-US" altLang="ko-KR" sz="1200" dirty="0"/>
-          </a:p>
-          <a:p>
             <a:r>
               <a:rPr lang="en-US" altLang="ko-KR" sz="1200" dirty="0"/>
-              <a:t>1.</a:t>
+              <a:t>(</a:t>
+            </a:r>
+            <a:r>
+              <a:rPr lang="ko-KR" altLang="en-US" sz="1200" dirty="0" err="1"/>
+              <a:t>외래키</a:t>
+            </a:r>
+            <a:r>
+              <a:rPr lang="en-US" altLang="ko-KR" sz="1200" dirty="0"/>
+              <a:t>)</a:t>
+            </a:r>
+          </a:p>
+          <a:p>
+            <a:r>
+              <a:rPr lang="en-US" altLang="ko-KR" sz="1200" dirty="0"/>
+              <a:t>1. </a:t>
             </a:r>
             <a:r>
               <a:rPr lang="ko-KR" altLang="en-US" sz="1200" dirty="0"/>
-              <a:t>평점</a:t>
+              <a:t>원하는 봉사 활동</a:t>
             </a:r>
           </a:p>
         </p:txBody>

--- a/헬핑프로그램구조.pptx
+++ b/헬핑프로그램구조.pptx
@@ -345,7 +345,7 @@
           <a:p>
             <a:fld id="{0D680827-631F-407F-8BE5-8CFC10F3550E}" type="datetimeFigureOut">
               <a:rPr lang="ko-KR" altLang="en-US" smtClean="0"/>
-              <a:t>2021-05-11</a:t>
+              <a:t>2021-05-14</a:t>
             </a:fld>
             <a:endParaRPr lang="ko-KR" altLang="en-US"/>
           </a:p>
@@ -532,7 +532,7 @@
           <a:p>
             <a:fld id="{0D680827-631F-407F-8BE5-8CFC10F3550E}" type="datetimeFigureOut">
               <a:rPr lang="ko-KR" altLang="en-US" smtClean="0"/>
-              <a:t>2021-05-11</a:t>
+              <a:t>2021-05-14</a:t>
             </a:fld>
             <a:endParaRPr lang="ko-KR" altLang="en-US"/>
           </a:p>
@@ -707,7 +707,7 @@
           <a:p>
             <a:fld id="{0D680827-631F-407F-8BE5-8CFC10F3550E}" type="datetimeFigureOut">
               <a:rPr lang="ko-KR" altLang="en-US" smtClean="0"/>
-              <a:t>2021-05-11</a:t>
+              <a:t>2021-05-14</a:t>
             </a:fld>
             <a:endParaRPr lang="ko-KR" altLang="en-US"/>
           </a:p>
@@ -887,7 +887,7 @@
           <a:p>
             <a:fld id="{0D680827-631F-407F-8BE5-8CFC10F3550E}" type="datetimeFigureOut">
               <a:rPr lang="ko-KR" altLang="en-US" smtClean="0"/>
-              <a:t>2021-05-11</a:t>
+              <a:t>2021-05-14</a:t>
             </a:fld>
             <a:endParaRPr lang="ko-KR" altLang="en-US"/>
           </a:p>
@@ -1134,7 +1134,7 @@
           <a:p>
             <a:fld id="{0D680827-631F-407F-8BE5-8CFC10F3550E}" type="datetimeFigureOut">
               <a:rPr lang="ko-KR" altLang="en-US" smtClean="0"/>
-              <a:t>2021-05-11</a:t>
+              <a:t>2021-05-14</a:t>
             </a:fld>
             <a:endParaRPr lang="ko-KR" altLang="en-US"/>
           </a:p>
@@ -1608,7 +1608,7 @@
           <a:p>
             <a:fld id="{0D680827-631F-407F-8BE5-8CFC10F3550E}" type="datetimeFigureOut">
               <a:rPr lang="ko-KR" altLang="en-US" smtClean="0"/>
-              <a:t>2021-05-11</a:t>
+              <a:t>2021-05-14</a:t>
             </a:fld>
             <a:endParaRPr lang="ko-KR" altLang="en-US"/>
           </a:p>
@@ -2023,7 +2023,7 @@
           <a:p>
             <a:fld id="{0D680827-631F-407F-8BE5-8CFC10F3550E}" type="datetimeFigureOut">
               <a:rPr lang="ko-KR" altLang="en-US" smtClean="0"/>
-              <a:t>2021-05-11</a:t>
+              <a:t>2021-05-14</a:t>
             </a:fld>
             <a:endParaRPr lang="ko-KR" altLang="en-US"/>
           </a:p>
@@ -2154,7 +2154,7 @@
           <a:p>
             <a:fld id="{0D680827-631F-407F-8BE5-8CFC10F3550E}" type="datetimeFigureOut">
               <a:rPr lang="ko-KR" altLang="en-US" smtClean="0"/>
-              <a:t>2021-05-11</a:t>
+              <a:t>2021-05-14</a:t>
             </a:fld>
             <a:endParaRPr lang="ko-KR" altLang="en-US"/>
           </a:p>
@@ -2249,7 +2249,7 @@
           <a:p>
             <a:fld id="{0D680827-631F-407F-8BE5-8CFC10F3550E}" type="datetimeFigureOut">
               <a:rPr lang="ko-KR" altLang="en-US" smtClean="0"/>
-              <a:t>2021-05-11</a:t>
+              <a:t>2021-05-14</a:t>
             </a:fld>
             <a:endParaRPr lang="ko-KR" altLang="en-US"/>
           </a:p>
@@ -2527,7 +2527,7 @@
           <a:p>
             <a:fld id="{0D680827-631F-407F-8BE5-8CFC10F3550E}" type="datetimeFigureOut">
               <a:rPr lang="ko-KR" altLang="en-US" smtClean="0"/>
-              <a:t>2021-05-11</a:t>
+              <a:t>2021-05-14</a:t>
             </a:fld>
             <a:endParaRPr lang="ko-KR" altLang="en-US"/>
           </a:p>
@@ -2779,7 +2779,7 @@
           <a:p>
             <a:fld id="{0D680827-631F-407F-8BE5-8CFC10F3550E}" type="datetimeFigureOut">
               <a:rPr lang="ko-KR" altLang="en-US" smtClean="0"/>
-              <a:t>2021-05-11</a:t>
+              <a:t>2021-05-14</a:t>
             </a:fld>
             <a:endParaRPr lang="ko-KR" altLang="en-US"/>
           </a:p>
@@ -3151,7 +3151,7 @@
           <a:p>
             <a:fld id="{0D680827-631F-407F-8BE5-8CFC10F3550E}" type="datetimeFigureOut">
               <a:rPr lang="ko-KR" altLang="en-US" smtClean="0"/>
-              <a:t>2021-05-11</a:t>
+              <a:t>2021-05-14</a:t>
             </a:fld>
             <a:endParaRPr lang="ko-KR" altLang="en-US"/>
           </a:p>
@@ -6969,7 +6969,7 @@
         <p:spPr>
           <a:xfrm>
             <a:off x="6215074" y="4214818"/>
-            <a:ext cx="1714512" cy="461665"/>
+            <a:ext cx="1714512" cy="646331"/>
           </a:xfrm>
           <a:prstGeom prst="rect">
             <a:avLst/>
@@ -7004,14 +7004,24 @@
             </a:r>
           </a:p>
           <a:p>
-            <a:r>
-              <a:rPr lang="en-US" altLang="ko-KR" sz="1200" dirty="0"/>
-              <a:t>1. </a:t>
-            </a:r>
+            <a:pPr marL="228600" indent="-228600">
+              <a:buAutoNum type="arabicPeriod"/>
+            </a:pPr>
             <a:r>
               <a:rPr lang="ko-KR" altLang="en-US" sz="1200" dirty="0"/>
-              <a:t>원하는 봉사 활동</a:t>
-            </a:r>
+              <a:t>원하는 봉사 시간</a:t>
+            </a:r>
+            <a:endParaRPr lang="en-US" altLang="ko-KR" sz="1200" dirty="0"/>
+          </a:p>
+          <a:p>
+            <a:pPr marL="228600" indent="-228600">
+              <a:buAutoNum type="arabicPeriod"/>
+            </a:pPr>
+            <a:r>
+              <a:rPr lang="ko-KR" altLang="en-US" sz="1200"/>
+              <a:t>원하는 봉사 시간</a:t>
+            </a:r>
+            <a:endParaRPr lang="ko-KR" altLang="en-US" sz="1200" dirty="0"/>
           </a:p>
         </p:txBody>
       </p:sp>

--- a/헬핑프로그램구조.pptx
+++ b/헬핑프로그램구조.pptx
@@ -345,7 +345,7 @@
           <a:p>
             <a:fld id="{0D680827-631F-407F-8BE5-8CFC10F3550E}" type="datetimeFigureOut">
               <a:rPr lang="ko-KR" altLang="en-US" smtClean="0"/>
-              <a:t>2021-05-14</a:t>
+              <a:t>2021-05-17</a:t>
             </a:fld>
             <a:endParaRPr lang="ko-KR" altLang="en-US"/>
           </a:p>
@@ -532,7 +532,7 @@
           <a:p>
             <a:fld id="{0D680827-631F-407F-8BE5-8CFC10F3550E}" type="datetimeFigureOut">
               <a:rPr lang="ko-KR" altLang="en-US" smtClean="0"/>
-              <a:t>2021-05-14</a:t>
+              <a:t>2021-05-17</a:t>
             </a:fld>
             <a:endParaRPr lang="ko-KR" altLang="en-US"/>
           </a:p>
@@ -707,7 +707,7 @@
           <a:p>
             <a:fld id="{0D680827-631F-407F-8BE5-8CFC10F3550E}" type="datetimeFigureOut">
               <a:rPr lang="ko-KR" altLang="en-US" smtClean="0"/>
-              <a:t>2021-05-14</a:t>
+              <a:t>2021-05-17</a:t>
             </a:fld>
             <a:endParaRPr lang="ko-KR" altLang="en-US"/>
           </a:p>
@@ -887,7 +887,7 @@
           <a:p>
             <a:fld id="{0D680827-631F-407F-8BE5-8CFC10F3550E}" type="datetimeFigureOut">
               <a:rPr lang="ko-KR" altLang="en-US" smtClean="0"/>
-              <a:t>2021-05-14</a:t>
+              <a:t>2021-05-17</a:t>
             </a:fld>
             <a:endParaRPr lang="ko-KR" altLang="en-US"/>
           </a:p>
@@ -1134,7 +1134,7 @@
           <a:p>
             <a:fld id="{0D680827-631F-407F-8BE5-8CFC10F3550E}" type="datetimeFigureOut">
               <a:rPr lang="ko-KR" altLang="en-US" smtClean="0"/>
-              <a:t>2021-05-14</a:t>
+              <a:t>2021-05-17</a:t>
             </a:fld>
             <a:endParaRPr lang="ko-KR" altLang="en-US"/>
           </a:p>
@@ -1608,7 +1608,7 @@
           <a:p>
             <a:fld id="{0D680827-631F-407F-8BE5-8CFC10F3550E}" type="datetimeFigureOut">
               <a:rPr lang="ko-KR" altLang="en-US" smtClean="0"/>
-              <a:t>2021-05-14</a:t>
+              <a:t>2021-05-17</a:t>
             </a:fld>
             <a:endParaRPr lang="ko-KR" altLang="en-US"/>
           </a:p>
@@ -2023,7 +2023,7 @@
           <a:p>
             <a:fld id="{0D680827-631F-407F-8BE5-8CFC10F3550E}" type="datetimeFigureOut">
               <a:rPr lang="ko-KR" altLang="en-US" smtClean="0"/>
-              <a:t>2021-05-14</a:t>
+              <a:t>2021-05-17</a:t>
             </a:fld>
             <a:endParaRPr lang="ko-KR" altLang="en-US"/>
           </a:p>
@@ -2154,7 +2154,7 @@
           <a:p>
             <a:fld id="{0D680827-631F-407F-8BE5-8CFC10F3550E}" type="datetimeFigureOut">
               <a:rPr lang="ko-KR" altLang="en-US" smtClean="0"/>
-              <a:t>2021-05-14</a:t>
+              <a:t>2021-05-17</a:t>
             </a:fld>
             <a:endParaRPr lang="ko-KR" altLang="en-US"/>
           </a:p>
@@ -2249,7 +2249,7 @@
           <a:p>
             <a:fld id="{0D680827-631F-407F-8BE5-8CFC10F3550E}" type="datetimeFigureOut">
               <a:rPr lang="ko-KR" altLang="en-US" smtClean="0"/>
-              <a:t>2021-05-14</a:t>
+              <a:t>2021-05-17</a:t>
             </a:fld>
             <a:endParaRPr lang="ko-KR" altLang="en-US"/>
           </a:p>
@@ -2527,7 +2527,7 @@
           <a:p>
             <a:fld id="{0D680827-631F-407F-8BE5-8CFC10F3550E}" type="datetimeFigureOut">
               <a:rPr lang="ko-KR" altLang="en-US" smtClean="0"/>
-              <a:t>2021-05-14</a:t>
+              <a:t>2021-05-17</a:t>
             </a:fld>
             <a:endParaRPr lang="ko-KR" altLang="en-US"/>
           </a:p>
@@ -2779,7 +2779,7 @@
           <a:p>
             <a:fld id="{0D680827-631F-407F-8BE5-8CFC10F3550E}" type="datetimeFigureOut">
               <a:rPr lang="ko-KR" altLang="en-US" smtClean="0"/>
-              <a:t>2021-05-14</a:t>
+              <a:t>2021-05-17</a:t>
             </a:fld>
             <a:endParaRPr lang="ko-KR" altLang="en-US"/>
           </a:p>
@@ -3151,7 +3151,7 @@
           <a:p>
             <a:fld id="{0D680827-631F-407F-8BE5-8CFC10F3550E}" type="datetimeFigureOut">
               <a:rPr lang="ko-KR" altLang="en-US" smtClean="0"/>
-              <a:t>2021-05-14</a:t>
+              <a:t>2021-05-17</a:t>
             </a:fld>
             <a:endParaRPr lang="ko-KR" altLang="en-US"/>
           </a:p>
@@ -3681,14 +3681,14 @@
       </p:cxnSp>
       <p:sp>
         <p:nvSpPr>
-          <p:cNvPr id="103" name="직사각형 102"/>
+          <p:cNvPr id="104" name="직사각형 103"/>
           <p:cNvSpPr/>
           <p:nvPr/>
         </p:nvSpPr>
         <p:spPr>
           <a:xfrm>
-            <a:off x="5715008" y="1857364"/>
-            <a:ext cx="1512276" cy="623032"/>
+            <a:off x="3655416" y="2428868"/>
+            <a:ext cx="1438030" cy="516631"/>
           </a:xfrm>
           <a:prstGeom prst="rect">
             <a:avLst/>
@@ -3716,130 +3716,10 @@
           <a:p>
             <a:pPr algn="ctr"/>
             <a:r>
-              <a:rPr lang="en-US" altLang="ko-KR" dirty="0" err="1"/>
-              <a:t>user.php</a:t>
-            </a:r>
-            <a:endParaRPr lang="en-US" altLang="ko-KR" dirty="0"/>
-          </a:p>
-          <a:p>
-            <a:pPr algn="ctr"/>
-            <a:r>
-              <a:rPr lang="en-US" altLang="ko-KR" dirty="0"/>
-              <a:t>(</a:t>
-            </a:r>
-            <a:r>
-              <a:rPr lang="ko-KR" altLang="en-US" dirty="0"/>
-              <a:t>사용자</a:t>
-            </a:r>
-            <a:r>
-              <a:rPr lang="en-US" altLang="ko-KR" dirty="0"/>
-              <a:t>)</a:t>
-            </a:r>
-            <a:endParaRPr lang="ko-KR" altLang="en-US" dirty="0"/>
-          </a:p>
-        </p:txBody>
-      </p:sp>
-      <p:sp>
-        <p:nvSpPr>
-          <p:cNvPr id="104" name="직사각형 103"/>
-          <p:cNvSpPr/>
-          <p:nvPr/>
-        </p:nvSpPr>
-        <p:spPr>
-          <a:xfrm>
-            <a:off x="3655416" y="2428868"/>
-            <a:ext cx="1438030" cy="516631"/>
-          </a:xfrm>
-          <a:prstGeom prst="rect">
-            <a:avLst/>
-          </a:prstGeom>
-        </p:spPr>
-        <p:style>
-          <a:lnRef idx="2">
-            <a:schemeClr val="accent1">
-              <a:shade val="50000"/>
-            </a:schemeClr>
-          </a:lnRef>
-          <a:fillRef idx="1">
-            <a:schemeClr val="accent1"/>
-          </a:fillRef>
-          <a:effectRef idx="0">
-            <a:schemeClr val="accent1"/>
-          </a:effectRef>
-          <a:fontRef idx="minor">
-            <a:schemeClr val="lt1"/>
-          </a:fontRef>
-        </p:style>
-        <p:txBody>
-          <a:bodyPr rtlCol="0" anchor="ctr"/>
-          <a:lstStyle/>
-          <a:p>
-            <a:pPr algn="ctr"/>
-            <a:r>
               <a:rPr lang="en-US" altLang="ko-KR" sz="1200" i="1" dirty="0" err="1"/>
               <a:t>Signup.php</a:t>
             </a:r>
             <a:endParaRPr lang="ko-KR" altLang="en-US" sz="1200" i="1" dirty="0"/>
-          </a:p>
-        </p:txBody>
-      </p:sp>
-      <p:sp>
-        <p:nvSpPr>
-          <p:cNvPr id="105" name="직사각형 104"/>
-          <p:cNvSpPr/>
-          <p:nvPr/>
-        </p:nvSpPr>
-        <p:spPr>
-          <a:xfrm>
-            <a:off x="5715008" y="2857496"/>
-            <a:ext cx="1512276" cy="642942"/>
-          </a:xfrm>
-          <a:prstGeom prst="rect">
-            <a:avLst/>
-          </a:prstGeom>
-        </p:spPr>
-        <p:style>
-          <a:lnRef idx="2">
-            <a:schemeClr val="accent1">
-              <a:shade val="50000"/>
-            </a:schemeClr>
-          </a:lnRef>
-          <a:fillRef idx="1">
-            <a:schemeClr val="accent1"/>
-          </a:fillRef>
-          <a:effectRef idx="0">
-            <a:schemeClr val="accent1"/>
-          </a:effectRef>
-          <a:fontRef idx="minor">
-            <a:schemeClr val="lt1"/>
-          </a:fontRef>
-        </p:style>
-        <p:txBody>
-          <a:bodyPr rtlCol="0" anchor="ctr"/>
-          <a:lstStyle/>
-          <a:p>
-            <a:pPr algn="ctr"/>
-            <a:r>
-              <a:rPr lang="en-US" altLang="ko-KR" dirty="0" err="1"/>
-              <a:t>vol.php</a:t>
-            </a:r>
-            <a:endParaRPr lang="en-US" altLang="ko-KR" dirty="0"/>
-          </a:p>
-          <a:p>
-            <a:pPr algn="ctr"/>
-            <a:r>
-              <a:rPr lang="en-US" altLang="ko-KR" dirty="0"/>
-              <a:t>(</a:t>
-            </a:r>
-            <a:r>
-              <a:rPr lang="ko-KR" altLang="en-US" dirty="0"/>
-              <a:t>봉사자</a:t>
-            </a:r>
-            <a:r>
-              <a:rPr lang="en-US" altLang="ko-KR" dirty="0"/>
-              <a:t>)</a:t>
-            </a:r>
-            <a:endParaRPr lang="ko-KR" altLang="en-US" dirty="0"/>
           </a:p>
         </p:txBody>
       </p:sp>
@@ -4061,82 +3941,6 @@
           </a:fontRef>
         </p:style>
       </p:cxnSp>
-      <p:cxnSp>
-        <p:nvCxnSpPr>
-          <p:cNvPr id="228" name="꺾인 연결선 227"/>
-          <p:cNvCxnSpPr>
-            <a:stCxn id="104" idx="3"/>
-            <a:endCxn id="103" idx="1"/>
-          </p:cNvCxnSpPr>
-          <p:nvPr/>
-        </p:nvCxnSpPr>
-        <p:spPr>
-          <a:xfrm flipV="1">
-            <a:off x="5093446" y="2168880"/>
-            <a:ext cx="621562" cy="518304"/>
-          </a:xfrm>
-          <a:prstGeom prst="bentConnector3">
-            <a:avLst>
-              <a:gd name="adj1" fmla="val 50000"/>
-            </a:avLst>
-          </a:prstGeom>
-          <a:ln>
-            <a:tailEnd type="arrow"/>
-          </a:ln>
-        </p:spPr>
-        <p:style>
-          <a:lnRef idx="1">
-            <a:schemeClr val="accent1"/>
-          </a:lnRef>
-          <a:fillRef idx="0">
-            <a:schemeClr val="accent1"/>
-          </a:fillRef>
-          <a:effectRef idx="0">
-            <a:schemeClr val="accent1"/>
-          </a:effectRef>
-          <a:fontRef idx="minor">
-            <a:schemeClr val="tx1"/>
-          </a:fontRef>
-        </p:style>
-      </p:cxnSp>
-      <p:cxnSp>
-        <p:nvCxnSpPr>
-          <p:cNvPr id="230" name="꺾인 연결선 229"/>
-          <p:cNvCxnSpPr>
-            <a:stCxn id="104" idx="3"/>
-            <a:endCxn id="105" idx="1"/>
-          </p:cNvCxnSpPr>
-          <p:nvPr/>
-        </p:nvCxnSpPr>
-        <p:spPr>
-          <a:xfrm>
-            <a:off x="5093446" y="2687184"/>
-            <a:ext cx="621562" cy="491783"/>
-          </a:xfrm>
-          <a:prstGeom prst="bentConnector3">
-            <a:avLst>
-              <a:gd name="adj1" fmla="val 50000"/>
-            </a:avLst>
-          </a:prstGeom>
-          <a:ln>
-            <a:tailEnd type="arrow"/>
-          </a:ln>
-        </p:spPr>
-        <p:style>
-          <a:lnRef idx="1">
-            <a:schemeClr val="accent1"/>
-          </a:lnRef>
-          <a:fillRef idx="0">
-            <a:schemeClr val="accent1"/>
-          </a:fillRef>
-          <a:effectRef idx="0">
-            <a:schemeClr val="accent1"/>
-          </a:effectRef>
-          <a:fontRef idx="minor">
-            <a:schemeClr val="tx1"/>
-          </a:fontRef>
-        </p:style>
-      </p:cxnSp>
       <p:sp>
         <p:nvSpPr>
           <p:cNvPr id="231" name="TextBox 230"/>
@@ -4186,6 +3990,10 @@
               <a:rPr lang="ko-KR" altLang="en-US" sz="1200" dirty="0"/>
               <a:t>이름</a:t>
             </a:r>
+            <a:r>
+              <a:rPr lang="en-US" altLang="ko-KR" sz="1200" dirty="0"/>
+              <a:t/>
+            </a:r>
             <a:br>
               <a:rPr lang="en-US" altLang="ko-KR" sz="1200" dirty="0"/>
             </a:br>
@@ -4219,6 +4027,10 @@
               <a:rPr lang="ko-KR" altLang="en-US" sz="1200" dirty="0"/>
               <a:t>주민등록번호</a:t>
             </a:r>
+            <a:r>
+              <a:rPr lang="en-US" altLang="ko-KR" sz="1200" dirty="0"/>
+              <a:t/>
+            </a:r>
             <a:br>
               <a:rPr lang="en-US" altLang="ko-KR" sz="1200" dirty="0"/>
             </a:br>
@@ -4229,6 +4041,10 @@
             <a:r>
               <a:rPr lang="ko-KR" altLang="en-US" sz="1200" dirty="0"/>
               <a:t>인증</a:t>
+            </a:r>
+            <a:r>
+              <a:rPr lang="en-US" altLang="ko-KR" sz="1200" dirty="0"/>
+              <a:t/>
             </a:r>
             <a:br>
               <a:rPr lang="en-US" altLang="ko-KR" sz="1200" dirty="0"/>
@@ -4341,6 +4157,175 @@
           </a:p>
         </p:txBody>
       </p:sp>
+      <p:sp>
+        <p:nvSpPr>
+          <p:cNvPr id="17" name="직사각형 16"/>
+          <p:cNvSpPr/>
+          <p:nvPr/>
+        </p:nvSpPr>
+        <p:spPr>
+          <a:xfrm>
+            <a:off x="500034" y="4964394"/>
+            <a:ext cx="2627182" cy="643987"/>
+          </a:xfrm>
+          <a:prstGeom prst="rect">
+            <a:avLst/>
+          </a:prstGeom>
+          <a:solidFill>
+            <a:srgbClr val="92D050"/>
+          </a:solidFill>
+          <a:ln>
+            <a:solidFill>
+              <a:srgbClr val="FFFF00"/>
+            </a:solidFill>
+          </a:ln>
+        </p:spPr>
+        <p:style>
+          <a:lnRef idx="2">
+            <a:schemeClr val="accent1">
+              <a:shade val="50000"/>
+            </a:schemeClr>
+          </a:lnRef>
+          <a:fillRef idx="1">
+            <a:schemeClr val="accent1"/>
+          </a:fillRef>
+          <a:effectRef idx="0">
+            <a:schemeClr val="accent1"/>
+          </a:effectRef>
+          <a:fontRef idx="minor">
+            <a:schemeClr val="lt1"/>
+          </a:fontRef>
+        </p:style>
+        <p:txBody>
+          <a:bodyPr rtlCol="0" anchor="ctr"/>
+          <a:lstStyle/>
+          <a:p>
+            <a:pPr algn="ctr"/>
+            <a:r>
+              <a:rPr lang="ko-KR" altLang="en-US" dirty="0" smtClean="0">
+                <a:solidFill>
+                  <a:schemeClr val="bg1"/>
+                </a:solidFill>
+              </a:rPr>
+              <a:t>★</a:t>
+            </a:r>
+            <a:r>
+              <a:rPr lang="en-US" altLang="ko-KR" dirty="0" err="1" smtClean="0">
+                <a:solidFill>
+                  <a:schemeClr val="bg1"/>
+                </a:solidFill>
+              </a:rPr>
+              <a:t>connect_db.</a:t>
+            </a:r>
+            <a:r>
+              <a:rPr lang="en-US" altLang="ko-KR" dirty="0" err="1" smtClean="0">
+                <a:solidFill>
+                  <a:schemeClr val="bg1"/>
+                </a:solidFill>
+              </a:rPr>
+              <a:t>php</a:t>
+            </a:r>
+            <a:endParaRPr lang="en-US" altLang="ko-KR" dirty="0" smtClean="0">
+              <a:solidFill>
+                <a:schemeClr val="bg1"/>
+              </a:solidFill>
+            </a:endParaRPr>
+          </a:p>
+          <a:p>
+            <a:pPr algn="ctr"/>
+            <a:r>
+              <a:rPr lang="ko-KR" altLang="en-US" dirty="0" smtClean="0">
+                <a:solidFill>
+                  <a:schemeClr val="bg1"/>
+                </a:solidFill>
+              </a:rPr>
+              <a:t>데이터 베이스 연결</a:t>
+            </a:r>
+            <a:endParaRPr lang="ko-KR" altLang="en-US" dirty="0">
+              <a:solidFill>
+                <a:schemeClr val="bg1"/>
+              </a:solidFill>
+            </a:endParaRPr>
+          </a:p>
+        </p:txBody>
+      </p:sp>
+      <p:sp>
+        <p:nvSpPr>
+          <p:cNvPr id="18" name="직사각형 17"/>
+          <p:cNvSpPr/>
+          <p:nvPr/>
+        </p:nvSpPr>
+        <p:spPr>
+          <a:xfrm>
+            <a:off x="4486999" y="4231383"/>
+            <a:ext cx="1438031" cy="500066"/>
+          </a:xfrm>
+          <a:prstGeom prst="rect">
+            <a:avLst/>
+          </a:prstGeom>
+        </p:spPr>
+        <p:style>
+          <a:lnRef idx="2">
+            <a:schemeClr val="accent1">
+              <a:shade val="50000"/>
+            </a:schemeClr>
+          </a:lnRef>
+          <a:fillRef idx="1">
+            <a:schemeClr val="accent1"/>
+          </a:fillRef>
+          <a:effectRef idx="0">
+            <a:schemeClr val="accent1"/>
+          </a:effectRef>
+          <a:fontRef idx="minor">
+            <a:schemeClr val="lt1"/>
+          </a:fontRef>
+        </p:style>
+        <p:txBody>
+          <a:bodyPr rtlCol="0" anchor="ctr"/>
+          <a:lstStyle/>
+          <a:p>
+            <a:pPr algn="ctr"/>
+            <a:r>
+              <a:rPr lang="en-US" altLang="ko-KR" dirty="0" err="1" smtClean="0"/>
+              <a:t>Id_chk.php</a:t>
+            </a:r>
+            <a:endParaRPr lang="ko-KR" altLang="en-US" dirty="0"/>
+          </a:p>
+        </p:txBody>
+      </p:sp>
+      <p:cxnSp>
+        <p:nvCxnSpPr>
+          <p:cNvPr id="19" name="직선 화살표 연결선 18"/>
+          <p:cNvCxnSpPr/>
+          <p:nvPr/>
+        </p:nvCxnSpPr>
+        <p:spPr>
+          <a:xfrm>
+            <a:off x="4980877" y="2951180"/>
+            <a:ext cx="225138" cy="1231628"/>
+          </a:xfrm>
+          <a:prstGeom prst="straightConnector1">
+            <a:avLst/>
+          </a:prstGeom>
+          <a:ln>
+            <a:tailEnd type="triangle"/>
+          </a:ln>
+        </p:spPr>
+        <p:style>
+          <a:lnRef idx="1">
+            <a:schemeClr val="accent1"/>
+          </a:lnRef>
+          <a:fillRef idx="0">
+            <a:schemeClr val="accent1"/>
+          </a:fillRef>
+          <a:effectRef idx="0">
+            <a:schemeClr val="accent1"/>
+          </a:effectRef>
+          <a:fontRef idx="minor">
+            <a:schemeClr val="tx1"/>
+          </a:fontRef>
+        </p:style>
+      </p:cxnSp>
     </p:spTree>
   </p:cSld>
   <p:clrMapOvr>

--- a/헬핑프로그램구조.pptx
+++ b/헬핑프로그램구조.pptx
@@ -3990,10 +3990,6 @@
               <a:rPr lang="ko-KR" altLang="en-US" sz="1200" dirty="0"/>
               <a:t>이름</a:t>
             </a:r>
-            <a:r>
-              <a:rPr lang="en-US" altLang="ko-KR" sz="1200" dirty="0"/>
-              <a:t/>
-            </a:r>
             <a:br>
               <a:rPr lang="en-US" altLang="ko-KR" sz="1200" dirty="0"/>
             </a:br>
@@ -4027,10 +4023,6 @@
               <a:rPr lang="ko-KR" altLang="en-US" sz="1200" dirty="0"/>
               <a:t>주민등록번호</a:t>
             </a:r>
-            <a:r>
-              <a:rPr lang="en-US" altLang="ko-KR" sz="1200" dirty="0"/>
-              <a:t/>
-            </a:r>
             <a:br>
               <a:rPr lang="en-US" altLang="ko-KR" sz="1200" dirty="0"/>
             </a:br>
@@ -4041,10 +4033,6 @@
             <a:r>
               <a:rPr lang="ko-KR" altLang="en-US" sz="1200" dirty="0"/>
               <a:t>인증</a:t>
-            </a:r>
-            <a:r>
-              <a:rPr lang="en-US" altLang="ko-KR" sz="1200" dirty="0"/>
-              <a:t/>
             </a:r>
             <a:br>
               <a:rPr lang="en-US" altLang="ko-KR" sz="1200" dirty="0"/>
@@ -4202,7 +4190,7 @@
           <a:p>
             <a:pPr algn="ctr"/>
             <a:r>
-              <a:rPr lang="ko-KR" altLang="en-US" dirty="0" smtClean="0">
+              <a:rPr lang="ko-KR" altLang="en-US" dirty="0">
                 <a:solidFill>
                   <a:schemeClr val="bg1"/>
                 </a:solidFill>
@@ -4210,22 +4198,14 @@
               <a:t>★</a:t>
             </a:r>
             <a:r>
-              <a:rPr lang="en-US" altLang="ko-KR" dirty="0" err="1" smtClean="0">
+              <a:rPr lang="en-US" altLang="ko-KR" dirty="0" err="1">
                 <a:solidFill>
                   <a:schemeClr val="bg1"/>
                 </a:solidFill>
               </a:rPr>
-              <a:t>connect_db.</a:t>
-            </a:r>
-            <a:r>
-              <a:rPr lang="en-US" altLang="ko-KR" dirty="0" err="1" smtClean="0">
-                <a:solidFill>
-                  <a:schemeClr val="bg1"/>
-                </a:solidFill>
-              </a:rPr>
-              <a:t>php</a:t>
-            </a:r>
-            <a:endParaRPr lang="en-US" altLang="ko-KR" dirty="0" smtClean="0">
+              <a:t>connect_db.php</a:t>
+            </a:r>
+            <a:endParaRPr lang="en-US" altLang="ko-KR" dirty="0">
               <a:solidFill>
                 <a:schemeClr val="bg1"/>
               </a:solidFill>
@@ -4234,18 +4214,13 @@
           <a:p>
             <a:pPr algn="ctr"/>
             <a:r>
-              <a:rPr lang="ko-KR" altLang="en-US" dirty="0" smtClean="0">
+              <a:rPr lang="ko-KR" altLang="en-US" dirty="0">
                 <a:solidFill>
                   <a:schemeClr val="bg1"/>
                 </a:solidFill>
               </a:rPr>
               <a:t>데이터 베이스 연결</a:t>
             </a:r>
-            <a:endParaRPr lang="ko-KR" altLang="en-US" dirty="0">
-              <a:solidFill>
-                <a:schemeClr val="bg1"/>
-              </a:solidFill>
-            </a:endParaRPr>
           </a:p>
         </p:txBody>
       </p:sp>
@@ -4286,7 +4261,7 @@
           <a:p>
             <a:pPr algn="ctr"/>
             <a:r>
-              <a:rPr lang="en-US" altLang="ko-KR" dirty="0" err="1" smtClean="0"/>
+              <a:rPr lang="en-US" altLang="ko-KR" dirty="0" err="1"/>
               <a:t>Id_chk.php</a:t>
             </a:r>
             <a:endParaRPr lang="ko-KR" altLang="en-US" dirty="0"/>
@@ -6053,6 +6028,22 @@
             <a:r>
               <a:rPr lang="ko-KR" altLang="en-US" dirty="0"/>
               <a:t>구인구직</a:t>
+            </a:r>
+            <a:endParaRPr lang="en-US" altLang="ko-KR" dirty="0"/>
+          </a:p>
+          <a:p>
+            <a:pPr algn="ctr"/>
+            <a:r>
+              <a:rPr lang="en-US" altLang="ko-KR" dirty="0"/>
+              <a:t>(</a:t>
+            </a:r>
+            <a:r>
+              <a:rPr lang="en-US" altLang="ko-KR" dirty="0" err="1"/>
+              <a:t>notice.php</a:t>
+            </a:r>
+            <a:r>
+              <a:rPr lang="en-US" altLang="ko-KR" dirty="0"/>
+              <a:t>)</a:t>
             </a:r>
           </a:p>
         </p:txBody>
